--- a/Docs/Présentation/Présentation-2-DF.pptx
+++ b/Docs/Présentation/Présentation-2-DF.pptx
@@ -5,28 +5,30 @@
     <p:sldMasterId id="2147483648" r:id="rId1"/>
   </p:sldMasterIdLst>
   <p:notesMasterIdLst>
-    <p:notesMasterId r:id="rId10"/>
+    <p:notesMasterId r:id="rId12"/>
   </p:notesMasterIdLst>
   <p:sldIdLst>
     <p:sldId id="256" r:id="rId2"/>
     <p:sldId id="257" r:id="rId3"/>
     <p:sldId id="258" r:id="rId4"/>
     <p:sldId id="259" r:id="rId5"/>
-    <p:sldId id="260" r:id="rId6"/>
-    <p:sldId id="261" r:id="rId7"/>
-    <p:sldId id="262" r:id="rId8"/>
-    <p:sldId id="263" r:id="rId9"/>
+    <p:sldId id="264" r:id="rId6"/>
+    <p:sldId id="265" r:id="rId7"/>
+    <p:sldId id="260" r:id="rId8"/>
+    <p:sldId id="261" r:id="rId9"/>
+    <p:sldId id="262" r:id="rId10"/>
+    <p:sldId id="263" r:id="rId11"/>
   </p:sldIdLst>
   <p:sldSz cx="18288000" cy="10287000"/>
   <p:notesSz cx="6858000" cy="9144000"/>
   <p:embeddedFontLst>
     <p:embeddedFont>
       <p:font typeface="Public Sans Bold" panose="020B0604020202020204" charset="0"/>
-      <p:regular r:id="rId11"/>
+      <p:regular r:id="rId13"/>
     </p:embeddedFont>
     <p:embeddedFont>
       <p:font typeface="Public Sans Medium" panose="020B0604020202020204" charset="0"/>
-      <p:regular r:id="rId12"/>
+      <p:regular r:id="rId14"/>
     </p:embeddedFont>
   </p:embeddedFontLst>
   <p:defaultTextStyle>
@@ -225,7 +227,7 @@
           <a:p>
             <a:fld id="{B7268E1E-0E44-426D-905E-8AD9B19D2182}" type="datetimeFigureOut">
               <a:rPr lang="cs-CZ" smtClean="0"/>
-              <a:t>15.06.2025</a:t>
+              <a:t>16.06.2025</a:t>
             </a:fld>
             <a:endParaRPr lang="cs-CZ"/>
           </a:p>
@@ -632,8 +634,132 @@
           <a:lstStyle/>
           <a:p>
             <a:r>
-              <a:rPr lang="en-US"/>
-              <a:t>J’ai développé cette application pour répondre aux besoins concrets des petits garages, souvent mal équipés en outils numériques. Elle centralise les fonctions essentielles de gestion et s’appuie sur des technologies cloud modernes.</a:t>
+              <a:rPr lang="en-US" dirty="0" err="1"/>
+              <a:t>J’ai</a:t>
+            </a:r>
+            <a:r>
+              <a:rPr lang="en-US" dirty="0"/>
+              <a:t> </a:t>
+            </a:r>
+            <a:r>
+              <a:rPr lang="en-US" dirty="0" err="1"/>
+              <a:t>développé</a:t>
+            </a:r>
+            <a:r>
+              <a:rPr lang="en-US" dirty="0"/>
+              <a:t> </a:t>
+            </a:r>
+            <a:r>
+              <a:rPr lang="en-US" dirty="0" err="1"/>
+              <a:t>cette</a:t>
+            </a:r>
+            <a:r>
+              <a:rPr lang="en-US" dirty="0"/>
+              <a:t> application pour </a:t>
+            </a:r>
+            <a:r>
+              <a:rPr lang="en-US" dirty="0" err="1"/>
+              <a:t>répondre</a:t>
+            </a:r>
+            <a:r>
+              <a:rPr lang="en-US" dirty="0"/>
+              <a:t> aux </a:t>
+            </a:r>
+            <a:r>
+              <a:rPr lang="en-US" dirty="0" err="1"/>
+              <a:t>besoins</a:t>
+            </a:r>
+            <a:r>
+              <a:rPr lang="en-US" dirty="0"/>
+              <a:t> </a:t>
+            </a:r>
+            <a:r>
+              <a:rPr lang="en-US" dirty="0" err="1"/>
+              <a:t>concrets</a:t>
+            </a:r>
+            <a:r>
+              <a:rPr lang="en-US" dirty="0"/>
+              <a:t> des petits garages, </a:t>
+            </a:r>
+            <a:r>
+              <a:rPr lang="en-US" dirty="0" err="1"/>
+              <a:t>souvent</a:t>
+            </a:r>
+            <a:r>
+              <a:rPr lang="en-US" dirty="0"/>
+              <a:t> mal </a:t>
+            </a:r>
+            <a:r>
+              <a:rPr lang="en-US" dirty="0" err="1"/>
+              <a:t>équipés</a:t>
+            </a:r>
+            <a:r>
+              <a:rPr lang="en-US" dirty="0"/>
+              <a:t> </a:t>
+            </a:r>
+            <a:r>
+              <a:rPr lang="en-US" dirty="0" err="1"/>
+              <a:t>en</a:t>
+            </a:r>
+            <a:r>
+              <a:rPr lang="en-US" dirty="0"/>
+              <a:t> </a:t>
+            </a:r>
+            <a:r>
+              <a:rPr lang="en-US" dirty="0" err="1"/>
+              <a:t>outils</a:t>
+            </a:r>
+            <a:r>
+              <a:rPr lang="en-US" dirty="0"/>
+              <a:t> </a:t>
+            </a:r>
+            <a:r>
+              <a:rPr lang="en-US" dirty="0" err="1"/>
+              <a:t>numériques</a:t>
+            </a:r>
+            <a:r>
+              <a:rPr lang="en-US" dirty="0"/>
+              <a:t>. Elle </a:t>
+            </a:r>
+            <a:r>
+              <a:rPr lang="en-US" dirty="0" err="1"/>
+              <a:t>centralise</a:t>
+            </a:r>
+            <a:r>
+              <a:rPr lang="en-US" dirty="0"/>
+              <a:t> les </a:t>
+            </a:r>
+            <a:r>
+              <a:rPr lang="en-US" dirty="0" err="1"/>
+              <a:t>fonctions</a:t>
+            </a:r>
+            <a:r>
+              <a:rPr lang="en-US" dirty="0"/>
+              <a:t> </a:t>
+            </a:r>
+            <a:r>
+              <a:rPr lang="en-US" dirty="0" err="1"/>
+              <a:t>essentielles</a:t>
+            </a:r>
+            <a:r>
+              <a:rPr lang="en-US" dirty="0"/>
+              <a:t> de gestion et </a:t>
+            </a:r>
+            <a:r>
+              <a:rPr lang="en-US" dirty="0" err="1"/>
+              <a:t>s’appuie</a:t>
+            </a:r>
+            <a:r>
+              <a:rPr lang="en-US" dirty="0"/>
+              <a:t> sur des technologies cloud </a:t>
+            </a:r>
+            <a:r>
+              <a:rPr lang="en-US" dirty="0" err="1"/>
+              <a:t>modernes</a:t>
+            </a:r>
+            <a:r>
+              <a:rPr lang="en-US" dirty="0"/>
+              <a:t>.</a:t>
             </a:r>
           </a:p>
         </p:txBody>
@@ -930,6 +1056,559 @@
 </file>
 
 <file path=ppt/notesSlides/notesSlide3.xml><?xml version="1.0" encoding="utf-8"?>
+<p:notes xmlns:a="http://schemas.openxmlformats.org/drawingml/2006/main" xmlns:r="http://schemas.openxmlformats.org/officeDocument/2006/relationships" xmlns:p="http://schemas.openxmlformats.org/presentationml/2006/main">
+  <p:cSld>
+    <p:spTree>
+      <p:nvGrpSpPr>
+        <p:cNvPr id="1" name=""/>
+        <p:cNvGrpSpPr/>
+        <p:nvPr/>
+      </p:nvGrpSpPr>
+      <p:grpSpPr>
+        <a:xfrm>
+          <a:off x="0" y="0"/>
+          <a:ext cx="0" cy="0"/>
+          <a:chOff x="0" y="0"/>
+          <a:chExt cx="0" cy="0"/>
+        </a:xfrm>
+      </p:grpSpPr>
+      <p:sp>
+        <p:nvSpPr>
+          <p:cNvPr id="2" name="Espace réservé de l'image des diapositives 1"/>
+          <p:cNvSpPr>
+            <a:spLocks noGrp="1" noRot="1" noChangeAspect="1"/>
+          </p:cNvSpPr>
+          <p:nvPr>
+            <p:ph type="sldImg"/>
+          </p:nvPr>
+        </p:nvSpPr>
+        <p:spPr>
+          <a:xfrm>
+            <a:off x="2290763" y="512763"/>
+            <a:ext cx="4562475" cy="2566987"/>
+          </a:xfrm>
+        </p:spPr>
+      </p:sp>
+      <p:sp>
+        <p:nvSpPr>
+          <p:cNvPr id="3" name="Espace réservé des notes 2"/>
+          <p:cNvSpPr>
+            <a:spLocks noGrp="1"/>
+          </p:cNvSpPr>
+          <p:nvPr>
+            <p:ph type="body" idx="1"/>
+          </p:nvPr>
+        </p:nvSpPr>
+        <p:spPr/>
+        <p:txBody>
+          <a:bodyPr/>
+          <a:lstStyle/>
+          <a:p>
+            <a:r>
+              <a:rPr lang="fr-FR" b="1" dirty="0"/>
+              <a:t>Authentification</a:t>
+            </a:r>
+            <a:r>
+              <a:rPr lang="fr-FR" dirty="0"/>
+              <a:t> :</a:t>
+            </a:r>
+          </a:p>
+          <a:p>
+            <a:pPr lvl="1"/>
+            <a:r>
+              <a:rPr lang="fr-FR" dirty="0"/>
+              <a:t>Utilisation de l'authentification intégrée </a:t>
+            </a:r>
+            <a:r>
+              <a:rPr lang="fr-FR" dirty="0" err="1"/>
+              <a:t>Blazor</a:t>
+            </a:r>
+            <a:r>
+              <a:rPr lang="fr-FR" dirty="0"/>
+              <a:t> Server (Identity, cookies/session, ou autre).</a:t>
+            </a:r>
+          </a:p>
+          <a:p>
+            <a:r>
+              <a:rPr lang="fr-FR" b="1" dirty="0"/>
+              <a:t>Autorisation</a:t>
+            </a:r>
+            <a:r>
+              <a:rPr lang="fr-FR" dirty="0"/>
+              <a:t> :</a:t>
+            </a:r>
+          </a:p>
+          <a:p>
+            <a:pPr lvl="1"/>
+            <a:r>
+              <a:rPr lang="fr-FR" dirty="0"/>
+              <a:t>Gestion des rôles (admin, utilisateur, etc.) pour restreindre l'accès à certaines fonctionnalités.</a:t>
+            </a:r>
+          </a:p>
+          <a:p>
+            <a:r>
+              <a:rPr lang="fr-FR" b="1" dirty="0"/>
+              <a:t>Protection des données</a:t>
+            </a:r>
+            <a:r>
+              <a:rPr lang="fr-FR" dirty="0"/>
+              <a:t> :</a:t>
+            </a:r>
+          </a:p>
+          <a:p>
+            <a:pPr lvl="1"/>
+            <a:r>
+              <a:rPr lang="fr-FR" dirty="0"/>
+              <a:t>Chiffrement des données sensibles (mots de passe, informations clients…).</a:t>
+            </a:r>
+          </a:p>
+          <a:p>
+            <a:r>
+              <a:rPr lang="fr-FR" b="1" dirty="0"/>
+              <a:t>Communication sécurisée</a:t>
+            </a:r>
+            <a:r>
+              <a:rPr lang="fr-FR" dirty="0"/>
+              <a:t> :</a:t>
+            </a:r>
+          </a:p>
+          <a:p>
+            <a:pPr lvl="1"/>
+            <a:r>
+              <a:rPr lang="fr-FR" dirty="0"/>
+              <a:t>HTTPS obligatoire sur toutes les routes.</a:t>
+            </a:r>
+          </a:p>
+          <a:p>
+            <a:r>
+              <a:rPr lang="fr-FR" b="1" dirty="0"/>
+              <a:t>CI/CD sécurisé</a:t>
+            </a:r>
+            <a:r>
+              <a:rPr lang="fr-FR" dirty="0"/>
+              <a:t> :</a:t>
+            </a:r>
+          </a:p>
+          <a:p>
+            <a:pPr lvl="1"/>
+            <a:r>
+              <a:rPr lang="fr-FR" dirty="0"/>
+              <a:t>Secrets gérés via GitHub Secrets + déploiement Docker signé.</a:t>
+            </a:r>
+          </a:p>
+          <a:p>
+            <a:r>
+              <a:rPr lang="fr-FR" b="1" dirty="0"/>
+              <a:t>Hébergement Cloud</a:t>
+            </a:r>
+            <a:r>
+              <a:rPr lang="fr-FR" dirty="0"/>
+              <a:t> :</a:t>
+            </a:r>
+          </a:p>
+          <a:p>
+            <a:pPr lvl="1"/>
+            <a:r>
+              <a:rPr lang="fr-FR" dirty="0"/>
+              <a:t>Services protégés par IAM (Cloud Run), pare-feu, et journaux d’audit activés.</a:t>
+            </a:r>
+          </a:p>
+          <a:p>
+            <a:endParaRPr lang="fr-FR" dirty="0"/>
+          </a:p>
+        </p:txBody>
+      </p:sp>
+      <p:sp>
+        <p:nvSpPr>
+          <p:cNvPr id="4" name="Espace réservé du numéro de diapositive 3"/>
+          <p:cNvSpPr>
+            <a:spLocks noGrp="1"/>
+          </p:cNvSpPr>
+          <p:nvPr>
+            <p:ph type="sldNum" sz="quarter" idx="5"/>
+          </p:nvPr>
+        </p:nvSpPr>
+        <p:spPr/>
+        <p:txBody>
+          <a:bodyPr/>
+          <a:lstStyle/>
+          <a:p>
+            <a:fld id="{871B2431-D351-4C6E-A3CF-9DFAC0E3E050}" type="slidenum">
+              <a:rPr lang="cs-CZ" smtClean="0"/>
+              <a:t>5</a:t>
+            </a:fld>
+            <a:endParaRPr lang="cs-CZ"/>
+          </a:p>
+        </p:txBody>
+      </p:sp>
+    </p:spTree>
+    <p:extLst>
+      <p:ext uri="{BB962C8B-B14F-4D97-AF65-F5344CB8AC3E}">
+        <p14:creationId xmlns:p14="http://schemas.microsoft.com/office/powerpoint/2010/main" val="2651401889"/>
+      </p:ext>
+    </p:extLst>
+  </p:cSld>
+  <p:clrMapOvr>
+    <a:masterClrMapping/>
+  </p:clrMapOvr>
+</p:notes>
+</file>
+
+<file path=ppt/notesSlides/notesSlide4.xml><?xml version="1.0" encoding="utf-8"?>
+<p:notes xmlns:a="http://schemas.openxmlformats.org/drawingml/2006/main" xmlns:r="http://schemas.openxmlformats.org/officeDocument/2006/relationships" xmlns:p="http://schemas.openxmlformats.org/presentationml/2006/main">
+  <p:cSld>
+    <p:spTree>
+      <p:nvGrpSpPr>
+        <p:cNvPr id="1" name="">
+          <a:extLst>
+            <a:ext uri="{FF2B5EF4-FFF2-40B4-BE49-F238E27FC236}">
+              <a16:creationId xmlns:a16="http://schemas.microsoft.com/office/drawing/2014/main" id="{C69A5A10-CBD2-7D7F-C698-0E923009952B}"/>
+            </a:ext>
+          </a:extLst>
+        </p:cNvPr>
+        <p:cNvGrpSpPr/>
+        <p:nvPr/>
+      </p:nvGrpSpPr>
+      <p:grpSpPr>
+        <a:xfrm>
+          <a:off x="0" y="0"/>
+          <a:ext cx="0" cy="0"/>
+          <a:chOff x="0" y="0"/>
+          <a:chExt cx="0" cy="0"/>
+        </a:xfrm>
+      </p:grpSpPr>
+      <p:sp>
+        <p:nvSpPr>
+          <p:cNvPr id="2" name="Header Placeholder 1">
+            <a:extLst>
+              <a:ext uri="{FF2B5EF4-FFF2-40B4-BE49-F238E27FC236}">
+                <a16:creationId xmlns:a16="http://schemas.microsoft.com/office/drawing/2014/main" id="{1E027D34-EB5C-054C-9C1B-9995FC4ADDFD}"/>
+              </a:ext>
+            </a:extLst>
+          </p:cNvPr>
+          <p:cNvSpPr>
+            <a:spLocks noGrp="1"/>
+          </p:cNvSpPr>
+          <p:nvPr>
+            <p:ph type="hdr" sz="quarter"/>
+          </p:nvPr>
+        </p:nvSpPr>
+        <p:spPr>
+          <a:xfrm>
+            <a:off x="0" y="0"/>
+            <a:ext cx="3962400" cy="342900"/>
+          </a:xfrm>
+          <a:prstGeom prst="rect">
+            <a:avLst/>
+          </a:prstGeom>
+        </p:spPr>
+        <p:txBody>
+          <a:bodyPr vert="horz" lIns="91440" tIns="45720" rIns="91440" bIns="45720" rtlCol="0"/>
+          <a:lstStyle>
+            <a:lvl1pPr algn="l">
+              <a:defRPr sz="1200"/>
+            </a:lvl1pPr>
+          </a:lstStyle>
+          <a:p>
+            <a:endParaRPr/>
+          </a:p>
+        </p:txBody>
+      </p:sp>
+      <p:sp>
+        <p:nvSpPr>
+          <p:cNvPr id="3" name="Date Placeholder 2">
+            <a:extLst>
+              <a:ext uri="{FF2B5EF4-FFF2-40B4-BE49-F238E27FC236}">
+                <a16:creationId xmlns:a16="http://schemas.microsoft.com/office/drawing/2014/main" id="{CDB653A5-C244-E994-C789-738A4E485C0C}"/>
+              </a:ext>
+            </a:extLst>
+          </p:cNvPr>
+          <p:cNvSpPr>
+            <a:spLocks noGrp="1"/>
+          </p:cNvSpPr>
+          <p:nvPr>
+            <p:ph type="dt" idx="1"/>
+          </p:nvPr>
+        </p:nvSpPr>
+        <p:spPr>
+          <a:xfrm>
+            <a:off x="5180013" y="0"/>
+            <a:ext cx="3962400" cy="342900"/>
+          </a:xfrm>
+          <a:prstGeom prst="rect">
+            <a:avLst/>
+          </a:prstGeom>
+        </p:spPr>
+        <p:txBody>
+          <a:bodyPr vert="horz" lIns="91440" tIns="45720" rIns="91440" bIns="45720" rtlCol="0"/>
+          <a:lstStyle>
+            <a:lvl1pPr algn="r">
+              <a:defRPr sz="1200"/>
+            </a:lvl1pPr>
+          </a:lstStyle>
+          <a:p>
+            <a:r>
+              <a:rPr lang="cs-CZ"/>
+              <a:t>1.7.2013</a:t>
+            </a:r>
+          </a:p>
+        </p:txBody>
+      </p:sp>
+      <p:sp>
+        <p:nvSpPr>
+          <p:cNvPr id="4" name="Slide Image Placeholder 3">
+            <a:extLst>
+              <a:ext uri="{FF2B5EF4-FFF2-40B4-BE49-F238E27FC236}">
+                <a16:creationId xmlns:a16="http://schemas.microsoft.com/office/drawing/2014/main" id="{CE6DBAAD-1941-582F-FD45-D108AA6FAA7A}"/>
+              </a:ext>
+            </a:extLst>
+          </p:cNvPr>
+          <p:cNvSpPr>
+            <a:spLocks noGrp="1" noRot="1" noChangeAspect="1"/>
+          </p:cNvSpPr>
+          <p:nvPr>
+            <p:ph type="sldImg" idx="2"/>
+          </p:nvPr>
+        </p:nvSpPr>
+        <p:spPr>
+          <a:xfrm>
+            <a:off x="2290763" y="512763"/>
+            <a:ext cx="4562475" cy="2566987"/>
+          </a:xfrm>
+          <a:prstGeom prst="rect">
+            <a:avLst/>
+          </a:prstGeom>
+          <a:noFill/>
+          <a:ln w="12700">
+            <a:solidFill>
+              <a:prstClr val="black"/>
+            </a:solidFill>
+          </a:ln>
+        </p:spPr>
+        <p:txBody>
+          <a:bodyPr vert="horz" lIns="91440" tIns="45720" rIns="91440" bIns="45720" rtlCol="0" anchor="ctr"/>
+          <a:lstStyle/>
+          <a:p>
+            <a:endParaRPr/>
+          </a:p>
+        </p:txBody>
+      </p:sp>
+      <p:sp>
+        <p:nvSpPr>
+          <p:cNvPr id="5" name="Notes Placeholder 4">
+            <a:extLst>
+              <a:ext uri="{FF2B5EF4-FFF2-40B4-BE49-F238E27FC236}">
+                <a16:creationId xmlns:a16="http://schemas.microsoft.com/office/drawing/2014/main" id="{4635AF71-B473-0402-74BF-F3ADF33EFBB4}"/>
+              </a:ext>
+            </a:extLst>
+          </p:cNvPr>
+          <p:cNvSpPr>
+            <a:spLocks noGrp="1"/>
+          </p:cNvSpPr>
+          <p:nvPr>
+            <p:ph type="body" sz="quarter" idx="3"/>
+          </p:nvPr>
+        </p:nvSpPr>
+        <p:spPr>
+          <a:xfrm>
+            <a:off x="914400" y="3251200"/>
+            <a:ext cx="7315200" cy="3081338"/>
+          </a:xfrm>
+          <a:prstGeom prst="rect">
+            <a:avLst/>
+          </a:prstGeom>
+        </p:spPr>
+        <p:txBody>
+          <a:bodyPr vert="horz" lIns="91440" tIns="45720" rIns="91440" bIns="45720" rtlCol="0"/>
+          <a:lstStyle/>
+          <a:p>
+            <a:r>
+              <a:rPr lang="fr-FR" b="1" dirty="0"/>
+              <a:t>Pourquoi Electron.NET ?</a:t>
+            </a:r>
+            <a:endParaRPr lang="fr-FR" dirty="0"/>
+          </a:p>
+          <a:p>
+            <a:r>
+              <a:rPr lang="fr-FR" dirty="0"/>
+              <a:t>Permet d’exécuter l’application </a:t>
+            </a:r>
+            <a:r>
+              <a:rPr lang="fr-FR" dirty="0" err="1"/>
+              <a:t>Blazor</a:t>
+            </a:r>
+            <a:r>
+              <a:rPr lang="fr-FR" dirty="0"/>
+              <a:t> Server comme une </a:t>
+            </a:r>
+            <a:r>
+              <a:rPr lang="fr-FR" b="1" dirty="0"/>
+              <a:t>application de bureau multiplateforme</a:t>
+            </a:r>
+            <a:r>
+              <a:rPr lang="fr-FR" dirty="0"/>
+              <a:t> (Windows &amp; Linux).</a:t>
+            </a:r>
+          </a:p>
+          <a:p>
+            <a:r>
+              <a:rPr lang="fr-FR" dirty="0"/>
+              <a:t>Bénéficie de </a:t>
+            </a:r>
+            <a:r>
+              <a:rPr lang="fr-FR" b="1" dirty="0"/>
+              <a:t>l’interface web</a:t>
+            </a:r>
+            <a:r>
+              <a:rPr lang="fr-FR" dirty="0"/>
+              <a:t> tout en accédant aux </a:t>
+            </a:r>
+            <a:r>
+              <a:rPr lang="fr-FR" b="1" dirty="0"/>
+              <a:t>fonctionnalités natives</a:t>
+            </a:r>
+            <a:r>
+              <a:rPr lang="fr-FR" dirty="0"/>
+              <a:t>.</a:t>
+            </a:r>
+          </a:p>
+          <a:p>
+            <a:r>
+              <a:rPr lang="fr-FR" b="1" dirty="0"/>
+              <a:t>Fonctionnalités utilisées</a:t>
+            </a:r>
+            <a:r>
+              <a:rPr lang="fr-FR" dirty="0"/>
+              <a:t> :</a:t>
+            </a:r>
+          </a:p>
+          <a:p>
+            <a:r>
+              <a:rPr lang="fr-FR" dirty="0"/>
+              <a:t>Création de setup installable (Windows MSI, Linux DEB…)</a:t>
+            </a:r>
+          </a:p>
+          <a:p>
+            <a:r>
+              <a:rPr lang="fr-FR" dirty="0"/>
+              <a:t>Accès au système de fichiers local</a:t>
+            </a:r>
+          </a:p>
+          <a:p>
+            <a:r>
+              <a:rPr lang="fr-FR" dirty="0"/>
+              <a:t>Notifications système ou intégration menu</a:t>
+            </a:r>
+          </a:p>
+          <a:p>
+            <a:r>
+              <a:rPr lang="fr-FR" b="1" dirty="0"/>
+              <a:t>Avantages</a:t>
+            </a:r>
+            <a:r>
+              <a:rPr lang="fr-FR" dirty="0"/>
+              <a:t> :</a:t>
+            </a:r>
+          </a:p>
+          <a:p>
+            <a:r>
+              <a:rPr lang="fr-FR" dirty="0"/>
+              <a:t>Pas besoin de navigateur ni d’installation de serveur local</a:t>
+            </a:r>
+          </a:p>
+        </p:txBody>
+      </p:sp>
+      <p:sp>
+        <p:nvSpPr>
+          <p:cNvPr id="6" name="Footer Placeholder 5">
+            <a:extLst>
+              <a:ext uri="{FF2B5EF4-FFF2-40B4-BE49-F238E27FC236}">
+                <a16:creationId xmlns:a16="http://schemas.microsoft.com/office/drawing/2014/main" id="{3796DE72-AFC5-390A-FE28-1673D27D3770}"/>
+              </a:ext>
+            </a:extLst>
+          </p:cNvPr>
+          <p:cNvSpPr>
+            <a:spLocks noGrp="1"/>
+          </p:cNvSpPr>
+          <p:nvPr>
+            <p:ph type="ftr" sz="quarter" idx="4"/>
+          </p:nvPr>
+        </p:nvSpPr>
+        <p:spPr>
+          <a:xfrm>
+            <a:off x="0" y="6502400"/>
+            <a:ext cx="3962400" cy="341313"/>
+          </a:xfrm>
+          <a:prstGeom prst="rect">
+            <a:avLst/>
+          </a:prstGeom>
+        </p:spPr>
+        <p:txBody>
+          <a:bodyPr vert="horz" lIns="91440" tIns="45720" rIns="91440" bIns="45720" rtlCol="0" anchor="b"/>
+          <a:lstStyle>
+            <a:lvl1pPr algn="l">
+              <a:defRPr sz="1200"/>
+            </a:lvl1pPr>
+          </a:lstStyle>
+          <a:p>
+            <a:endParaRPr/>
+          </a:p>
+        </p:txBody>
+      </p:sp>
+      <p:sp>
+        <p:nvSpPr>
+          <p:cNvPr id="7" name="Slide Number Placeholder 6">
+            <a:extLst>
+              <a:ext uri="{FF2B5EF4-FFF2-40B4-BE49-F238E27FC236}">
+                <a16:creationId xmlns:a16="http://schemas.microsoft.com/office/drawing/2014/main" id="{9CFCD2BD-11A8-6BCF-5D93-C15EE65B72DF}"/>
+              </a:ext>
+            </a:extLst>
+          </p:cNvPr>
+          <p:cNvSpPr>
+            <a:spLocks noGrp="1"/>
+          </p:cNvSpPr>
+          <p:nvPr>
+            <p:ph type="sldNum" sz="quarter" idx="5"/>
+          </p:nvPr>
+        </p:nvSpPr>
+        <p:spPr>
+          <a:xfrm>
+            <a:off x="5180013" y="6502400"/>
+            <a:ext cx="3962400" cy="341313"/>
+          </a:xfrm>
+          <a:prstGeom prst="rect">
+            <a:avLst/>
+          </a:prstGeom>
+        </p:spPr>
+        <p:txBody>
+          <a:bodyPr vert="horz" lIns="91440" tIns="45720" rIns="91440" bIns="45720" rtlCol="0" anchor="b"/>
+          <a:lstStyle>
+            <a:lvl1pPr algn="r">
+              <a:defRPr sz="1200"/>
+            </a:lvl1pPr>
+          </a:lstStyle>
+          <a:p>
+            <a:r>
+              <a:rPr lang="cs-CZ"/>
+              <a:t>‹#›</a:t>
+            </a:r>
+          </a:p>
+        </p:txBody>
+      </p:sp>
+    </p:spTree>
+    <p:extLst>
+      <p:ext uri="{BB962C8B-B14F-4D97-AF65-F5344CB8AC3E}">
+        <p14:creationId xmlns:p14="http://schemas.microsoft.com/office/powerpoint/2010/main" val="1031121160"/>
+      </p:ext>
+    </p:extLst>
+  </p:cSld>
+  <p:clrMapOvr>
+    <a:masterClrMapping/>
+  </p:clrMapOvr>
+</p:notes>
+</file>
+
+<file path=ppt/notesSlides/notesSlide5.xml><?xml version="1.0" encoding="utf-8"?>
 <p:notes xmlns:a="http://schemas.openxmlformats.org/drawingml/2006/main" xmlns:r="http://schemas.openxmlformats.org/officeDocument/2006/relationships" xmlns:p="http://schemas.openxmlformats.org/presentationml/2006/main">
   <p:cSld>
     <p:spTree>
@@ -1327,7 +2006,7 @@
             <a:fld id="{1D8BD707-D9CF-40AE-B4C6-C98DA3205C09}" type="datetimeFigureOut">
               <a:rPr lang="en-US" smtClean="0"/>
               <a:pPr/>
-              <a:t>6/15/2025</a:t>
+              <a:t>6/16/2025</a:t>
             </a:fld>
             <a:endParaRPr lang="en-US"/>
           </a:p>
@@ -1492,7 +2171,7 @@
             <a:fld id="{1D8BD707-D9CF-40AE-B4C6-C98DA3205C09}" type="datetimeFigureOut">
               <a:rPr lang="en-US" smtClean="0"/>
               <a:pPr/>
-              <a:t>6/15/2025</a:t>
+              <a:t>6/16/2025</a:t>
             </a:fld>
             <a:endParaRPr lang="en-US"/>
           </a:p>
@@ -1667,7 +2346,7 @@
             <a:fld id="{1D8BD707-D9CF-40AE-B4C6-C98DA3205C09}" type="datetimeFigureOut">
               <a:rPr lang="en-US" smtClean="0"/>
               <a:pPr/>
-              <a:t>6/15/2025</a:t>
+              <a:t>6/16/2025</a:t>
             </a:fld>
             <a:endParaRPr lang="en-US"/>
           </a:p>
@@ -1832,7 +2511,7 @@
             <a:fld id="{1D8BD707-D9CF-40AE-B4C6-C98DA3205C09}" type="datetimeFigureOut">
               <a:rPr lang="en-US" smtClean="0"/>
               <a:pPr/>
-              <a:t>6/15/2025</a:t>
+              <a:t>6/16/2025</a:t>
             </a:fld>
             <a:endParaRPr lang="en-US"/>
           </a:p>
@@ -2074,7 +2753,7 @@
             <a:fld id="{1D8BD707-D9CF-40AE-B4C6-C98DA3205C09}" type="datetimeFigureOut">
               <a:rPr lang="en-US" smtClean="0"/>
               <a:pPr/>
-              <a:t>6/15/2025</a:t>
+              <a:t>6/16/2025</a:t>
             </a:fld>
             <a:endParaRPr lang="en-US"/>
           </a:p>
@@ -2356,7 +3035,7 @@
             <a:fld id="{1D8BD707-D9CF-40AE-B4C6-C98DA3205C09}" type="datetimeFigureOut">
               <a:rPr lang="en-US" smtClean="0"/>
               <a:pPr/>
-              <a:t>6/15/2025</a:t>
+              <a:t>6/16/2025</a:t>
             </a:fld>
             <a:endParaRPr lang="en-US"/>
           </a:p>
@@ -2772,7 +3451,7 @@
             <a:fld id="{1D8BD707-D9CF-40AE-B4C6-C98DA3205C09}" type="datetimeFigureOut">
               <a:rPr lang="en-US" smtClean="0"/>
               <a:pPr/>
-              <a:t>6/15/2025</a:t>
+              <a:t>6/16/2025</a:t>
             </a:fld>
             <a:endParaRPr lang="en-US"/>
           </a:p>
@@ -2886,7 +3565,7 @@
             <a:fld id="{1D8BD707-D9CF-40AE-B4C6-C98DA3205C09}" type="datetimeFigureOut">
               <a:rPr lang="en-US" smtClean="0"/>
               <a:pPr/>
-              <a:t>6/15/2025</a:t>
+              <a:t>6/16/2025</a:t>
             </a:fld>
             <a:endParaRPr lang="en-US"/>
           </a:p>
@@ -2978,7 +3657,7 @@
             <a:fld id="{1D8BD707-D9CF-40AE-B4C6-C98DA3205C09}" type="datetimeFigureOut">
               <a:rPr lang="en-US" smtClean="0"/>
               <a:pPr/>
-              <a:t>6/15/2025</a:t>
+              <a:t>6/16/2025</a:t>
             </a:fld>
             <a:endParaRPr lang="en-US"/>
           </a:p>
@@ -3250,7 +3929,7 @@
             <a:fld id="{1D8BD707-D9CF-40AE-B4C6-C98DA3205C09}" type="datetimeFigureOut">
               <a:rPr lang="en-US" smtClean="0"/>
               <a:pPr/>
-              <a:t>6/15/2025</a:t>
+              <a:t>6/16/2025</a:t>
             </a:fld>
             <a:endParaRPr lang="en-US"/>
           </a:p>
@@ -3499,7 +4178,7 @@
             <a:fld id="{1D8BD707-D9CF-40AE-B4C6-C98DA3205C09}" type="datetimeFigureOut">
               <a:rPr lang="en-US" smtClean="0"/>
               <a:pPr/>
-              <a:t>6/15/2025</a:t>
+              <a:t>6/16/2025</a:t>
             </a:fld>
             <a:endParaRPr lang="en-US"/>
           </a:p>
@@ -3707,7 +4386,7 @@
             <a:fld id="{1D8BD707-D9CF-40AE-B4C6-C98DA3205C09}" type="datetimeFigureOut">
               <a:rPr lang="en-US" smtClean="0"/>
               <a:pPr/>
-              <a:t>6/15/2025</a:t>
+              <a:t>6/16/2025</a:t>
             </a:fld>
             <a:endParaRPr lang="en-US"/>
           </a:p>
@@ -4426,425 +5105,6 @@
   <p:clrMapOvr>
     <a:masterClrMapping/>
   </p:clrMapOvr>
-</p:sld>
-</file>
-
-<file path=ppt/slides/slide2.xml><?xml version="1.0" encoding="utf-8"?>
-<p:sld xmlns:a="http://schemas.openxmlformats.org/drawingml/2006/main" xmlns:r="http://schemas.openxmlformats.org/officeDocument/2006/relationships" xmlns:p="http://schemas.openxmlformats.org/presentationml/2006/main">
-  <p:cSld>
-    <p:spTree>
-      <p:nvGrpSpPr>
-        <p:cNvPr id="1" name=""/>
-        <p:cNvGrpSpPr/>
-        <p:nvPr/>
-      </p:nvGrpSpPr>
-      <p:grpSpPr>
-        <a:xfrm>
-          <a:off x="0" y="0"/>
-          <a:ext cx="0" cy="0"/>
-          <a:chOff x="0" y="0"/>
-          <a:chExt cx="0" cy="0"/>
-        </a:xfrm>
-      </p:grpSpPr>
-      <p:sp>
-        <p:nvSpPr>
-          <p:cNvPr id="2" name="Freeform 2"/>
-          <p:cNvSpPr/>
-          <p:nvPr/>
-        </p:nvSpPr>
-        <p:spPr>
-          <a:xfrm>
-            <a:off x="-1358182" y="6321765"/>
-            <a:ext cx="5580400" cy="5580400"/>
-          </a:xfrm>
-          <a:custGeom>
-            <a:avLst/>
-            <a:gdLst/>
-            <a:ahLst/>
-            <a:cxnLst/>
-            <a:rect l="l" t="t" r="r" b="b"/>
-            <a:pathLst>
-              <a:path w="5580400" h="5580400">
-                <a:moveTo>
-                  <a:pt x="0" y="0"/>
-                </a:moveTo>
-                <a:lnTo>
-                  <a:pt x="5580401" y="0"/>
-                </a:lnTo>
-                <a:lnTo>
-                  <a:pt x="5580401" y="5580400"/>
-                </a:lnTo>
-                <a:lnTo>
-                  <a:pt x="0" y="5580400"/>
-                </a:lnTo>
-                <a:lnTo>
-                  <a:pt x="0" y="0"/>
-                </a:lnTo>
-                <a:close/>
-              </a:path>
-            </a:pathLst>
-          </a:custGeom>
-          <a:blipFill>
-            <a:blip r:embed="rId3">
-              <a:extLst>
-                <a:ext uri="{96DAC541-7B7A-43D3-8B79-37D633B846F1}">
-                  <asvg:svgBlip xmlns:asvg="http://schemas.microsoft.com/office/drawing/2016/SVG/main" r:embed="rId4"/>
-                </a:ext>
-              </a:extLst>
-            </a:blip>
-            <a:stretch>
-              <a:fillRect/>
-            </a:stretch>
-          </a:blipFill>
-        </p:spPr>
-      </p:sp>
-      <p:sp>
-        <p:nvSpPr>
-          <p:cNvPr id="3" name="Freeform 3"/>
-          <p:cNvSpPr/>
-          <p:nvPr/>
-        </p:nvSpPr>
-        <p:spPr>
-          <a:xfrm>
-            <a:off x="11287843" y="4041178"/>
-            <a:ext cx="1637054" cy="1637054"/>
-          </a:xfrm>
-          <a:custGeom>
-            <a:avLst/>
-            <a:gdLst/>
-            <a:ahLst/>
-            <a:cxnLst/>
-            <a:rect l="l" t="t" r="r" b="b"/>
-            <a:pathLst>
-              <a:path w="1637054" h="1637054">
-                <a:moveTo>
-                  <a:pt x="0" y="0"/>
-                </a:moveTo>
-                <a:lnTo>
-                  <a:pt x="1637053" y="0"/>
-                </a:lnTo>
-                <a:lnTo>
-                  <a:pt x="1637053" y="1637053"/>
-                </a:lnTo>
-                <a:lnTo>
-                  <a:pt x="0" y="1637053"/>
-                </a:lnTo>
-                <a:lnTo>
-                  <a:pt x="0" y="0"/>
-                </a:lnTo>
-                <a:close/>
-              </a:path>
-            </a:pathLst>
-          </a:custGeom>
-          <a:blipFill>
-            <a:blip r:embed="rId5"/>
-            <a:stretch>
-              <a:fillRect/>
-            </a:stretch>
-          </a:blipFill>
-        </p:spPr>
-      </p:sp>
-      <p:sp>
-        <p:nvSpPr>
-          <p:cNvPr id="4" name="Freeform 4"/>
-          <p:cNvSpPr/>
-          <p:nvPr/>
-        </p:nvSpPr>
-        <p:spPr>
-          <a:xfrm>
-            <a:off x="12924896" y="1945536"/>
-            <a:ext cx="1772061" cy="1772061"/>
-          </a:xfrm>
-          <a:custGeom>
-            <a:avLst/>
-            <a:gdLst/>
-            <a:ahLst/>
-            <a:cxnLst/>
-            <a:rect l="l" t="t" r="r" b="b"/>
-            <a:pathLst>
-              <a:path w="1772061" h="1772061">
-                <a:moveTo>
-                  <a:pt x="0" y="0"/>
-                </a:moveTo>
-                <a:lnTo>
-                  <a:pt x="1772061" y="0"/>
-                </a:lnTo>
-                <a:lnTo>
-                  <a:pt x="1772061" y="1772060"/>
-                </a:lnTo>
-                <a:lnTo>
-                  <a:pt x="0" y="1772060"/>
-                </a:lnTo>
-                <a:lnTo>
-                  <a:pt x="0" y="0"/>
-                </a:lnTo>
-                <a:close/>
-              </a:path>
-            </a:pathLst>
-          </a:custGeom>
-          <a:blipFill>
-            <a:blip r:embed="rId6"/>
-            <a:stretch>
-              <a:fillRect/>
-            </a:stretch>
-          </a:blipFill>
-        </p:spPr>
-      </p:sp>
-      <p:sp>
-        <p:nvSpPr>
-          <p:cNvPr id="5" name="Freeform 5"/>
-          <p:cNvSpPr/>
-          <p:nvPr/>
-        </p:nvSpPr>
-        <p:spPr>
-          <a:xfrm>
-            <a:off x="14469643" y="3717596"/>
-            <a:ext cx="2581036" cy="2284217"/>
-          </a:xfrm>
-          <a:custGeom>
-            <a:avLst/>
-            <a:gdLst/>
-            <a:ahLst/>
-            <a:cxnLst/>
-            <a:rect l="l" t="t" r="r" b="b"/>
-            <a:pathLst>
-              <a:path w="2581036" h="2284217">
-                <a:moveTo>
-                  <a:pt x="0" y="0"/>
-                </a:moveTo>
-                <a:lnTo>
-                  <a:pt x="2581035" y="0"/>
-                </a:lnTo>
-                <a:lnTo>
-                  <a:pt x="2581035" y="2284217"/>
-                </a:lnTo>
-                <a:lnTo>
-                  <a:pt x="0" y="2284217"/>
-                </a:lnTo>
-                <a:lnTo>
-                  <a:pt x="0" y="0"/>
-                </a:lnTo>
-                <a:close/>
-              </a:path>
-            </a:pathLst>
-          </a:custGeom>
-          <a:blipFill>
-            <a:blip r:embed="rId7"/>
-            <a:stretch>
-              <a:fillRect/>
-            </a:stretch>
-          </a:blipFill>
-        </p:spPr>
-      </p:sp>
-      <p:sp>
-        <p:nvSpPr>
-          <p:cNvPr id="6" name="Freeform 6"/>
-          <p:cNvSpPr/>
-          <p:nvPr/>
-        </p:nvSpPr>
-        <p:spPr>
-          <a:xfrm>
-            <a:off x="13061999" y="5678231"/>
-            <a:ext cx="1634958" cy="1634958"/>
-          </a:xfrm>
-          <a:custGeom>
-            <a:avLst/>
-            <a:gdLst/>
-            <a:ahLst/>
-            <a:cxnLst/>
-            <a:rect l="l" t="t" r="r" b="b"/>
-            <a:pathLst>
-              <a:path w="1634958" h="1634958">
-                <a:moveTo>
-                  <a:pt x="0" y="0"/>
-                </a:moveTo>
-                <a:lnTo>
-                  <a:pt x="1634958" y="0"/>
-                </a:lnTo>
-                <a:lnTo>
-                  <a:pt x="1634958" y="1634958"/>
-                </a:lnTo>
-                <a:lnTo>
-                  <a:pt x="0" y="1634958"/>
-                </a:lnTo>
-                <a:lnTo>
-                  <a:pt x="0" y="0"/>
-                </a:lnTo>
-                <a:close/>
-              </a:path>
-            </a:pathLst>
-          </a:custGeom>
-          <a:blipFill>
-            <a:blip r:embed="rId8"/>
-            <a:stretch>
-              <a:fillRect/>
-            </a:stretch>
-          </a:blipFill>
-        </p:spPr>
-      </p:sp>
-      <p:sp>
-        <p:nvSpPr>
-          <p:cNvPr id="7" name="TextBox 7"/>
-          <p:cNvSpPr txBox="1"/>
-          <p:nvPr/>
-        </p:nvSpPr>
-        <p:spPr>
-          <a:xfrm>
-            <a:off x="1028700" y="885825"/>
-            <a:ext cx="5783195" cy="1194718"/>
-          </a:xfrm>
-          <a:prstGeom prst="rect">
-            <a:avLst/>
-          </a:prstGeom>
-        </p:spPr>
-        <p:txBody>
-          <a:bodyPr lIns="0" tIns="0" rIns="0" bIns="0" rtlCol="0" anchor="t">
-            <a:spAutoFit/>
-          </a:bodyPr>
-          <a:lstStyle/>
-          <a:p>
-            <a:pPr algn="l">
-              <a:lnSpc>
-                <a:spcPts val="9666"/>
-              </a:lnSpc>
-            </a:pPr>
-            <a:r>
-              <a:rPr lang="en-US" sz="6904" b="1">
-                <a:solidFill>
-                  <a:srgbClr val="000000"/>
-                </a:solidFill>
-                <a:latin typeface="Public Sans Bold"/>
-                <a:ea typeface="Public Sans Bold"/>
-                <a:cs typeface="Public Sans Bold"/>
-                <a:sym typeface="Public Sans Bold"/>
-              </a:rPr>
-              <a:t>Introduction</a:t>
-            </a:r>
-          </a:p>
-        </p:txBody>
-      </p:sp>
-      <p:sp>
-        <p:nvSpPr>
-          <p:cNvPr id="8" name="TextBox 8"/>
-          <p:cNvSpPr txBox="1"/>
-          <p:nvPr/>
-        </p:nvSpPr>
-        <p:spPr>
-          <a:xfrm>
-            <a:off x="1028700" y="2337612"/>
-            <a:ext cx="8714396" cy="2333545"/>
-          </a:xfrm>
-          <a:prstGeom prst="rect">
-            <a:avLst/>
-          </a:prstGeom>
-        </p:spPr>
-        <p:txBody>
-          <a:bodyPr lIns="0" tIns="0" rIns="0" bIns="0" rtlCol="0" anchor="t">
-            <a:spAutoFit/>
-          </a:bodyPr>
-          <a:lstStyle/>
-          <a:p>
-            <a:pPr algn="just">
-              <a:lnSpc>
-                <a:spcPts val="3679"/>
-              </a:lnSpc>
-            </a:pPr>
-            <a:r>
-              <a:rPr lang="en-US" sz="2628" b="1">
-                <a:solidFill>
-                  <a:srgbClr val="000000"/>
-                </a:solidFill>
-                <a:latin typeface="Public Sans Medium"/>
-                <a:ea typeface="Public Sans Medium"/>
-                <a:cs typeface="Public Sans Medium"/>
-                <a:sym typeface="Public Sans Medium"/>
-              </a:rPr>
-              <a:t>Application de gestion pour petits garages : factures, devis, clients, véhicules et inventaire.</a:t>
-            </a:r>
-          </a:p>
-          <a:p>
-            <a:pPr algn="just">
-              <a:lnSpc>
-                <a:spcPts val="3679"/>
-              </a:lnSpc>
-            </a:pPr>
-            <a:endParaRPr lang="en-US" sz="2628" b="1">
-              <a:solidFill>
-                <a:srgbClr val="000000"/>
-              </a:solidFill>
-              <a:latin typeface="Public Sans Medium"/>
-              <a:ea typeface="Public Sans Medium"/>
-              <a:cs typeface="Public Sans Medium"/>
-              <a:sym typeface="Public Sans Medium"/>
-            </a:endParaRPr>
-          </a:p>
-          <a:p>
-            <a:pPr algn="just">
-              <a:lnSpc>
-                <a:spcPts val="3679"/>
-              </a:lnSpc>
-            </a:pPr>
-            <a:r>
-              <a:rPr lang="en-US" sz="2628" b="1">
-                <a:solidFill>
-                  <a:srgbClr val="000000"/>
-                </a:solidFill>
-                <a:latin typeface="Public Sans Medium"/>
-                <a:ea typeface="Public Sans Medium"/>
-                <a:cs typeface="Public Sans Medium"/>
-                <a:sym typeface="Public Sans Medium"/>
-              </a:rPr>
-              <a:t>Basée sur les technologies cloud pour une solution moderne et accessible.</a:t>
-            </a:r>
-          </a:p>
-        </p:txBody>
-      </p:sp>
-      <p:sp>
-        <p:nvSpPr>
-          <p:cNvPr id="9" name="TextBox 9"/>
-          <p:cNvSpPr txBox="1"/>
-          <p:nvPr/>
-        </p:nvSpPr>
-        <p:spPr>
-          <a:xfrm>
-            <a:off x="17584511" y="9694965"/>
-            <a:ext cx="528324" cy="464642"/>
-          </a:xfrm>
-          <a:prstGeom prst="rect">
-            <a:avLst/>
-          </a:prstGeom>
-        </p:spPr>
-        <p:txBody>
-          <a:bodyPr lIns="0" tIns="0" rIns="0" bIns="0" rtlCol="0" anchor="t">
-            <a:spAutoFit/>
-          </a:bodyPr>
-          <a:lstStyle/>
-          <a:p>
-            <a:pPr algn="l">
-              <a:lnSpc>
-                <a:spcPts val="3679"/>
-              </a:lnSpc>
-            </a:pPr>
-            <a:r>
-              <a:rPr lang="en-US" sz="2628" b="1">
-                <a:solidFill>
-                  <a:srgbClr val="000000"/>
-                </a:solidFill>
-                <a:latin typeface="Public Sans Medium"/>
-                <a:ea typeface="Public Sans Medium"/>
-                <a:cs typeface="Public Sans Medium"/>
-                <a:sym typeface="Public Sans Medium"/>
-              </a:rPr>
-              <a:t>1</a:t>
-            </a:r>
-          </a:p>
-        </p:txBody>
-      </p:sp>
-    </p:spTree>
-  </p:cSld>
-  <p:clrMapOvr>
-    <a:masterClrMapping/>
-  </p:clrMapOvr>
   <p:timing>
     <p:tnLst>
       <p:par>
@@ -4869,326 +5129,28 @@
                             </p:stCondLst>
                             <p:childTnLst>
                               <p:par>
-                                <p:cTn id="5" presetID="53" presetClass="entr" presetSubtype="16" fill="hold" nodeType="withEffect">
+                                <p:cTn id="5" presetID="26" presetClass="emph" presetSubtype="0" fill="hold" nodeType="afterEffect">
                                   <p:stCondLst>
                                     <p:cond delay="0"/>
                                   </p:stCondLst>
                                   <p:childTnLst>
-                                    <p:set>
+                                    <p:animEffect transition="out" filter="fade">
                                       <p:cBhvr>
-                                        <p:cTn id="6" dur="1" fill="hold">
-                                          <p:stCondLst>
-                                            <p:cond delay="0"/>
-                                          </p:stCondLst>
-                                        </p:cTn>
+                                        <p:cTn id="6" dur="500" tmFilter="0, 0; .2, .5; .8, .5; 1, 0"/>
                                         <p:tgtEl>
-                                          <p:spTgt spid="4"/>
-                                        </p:tgtEl>
-                                        <p:attrNameLst>
-                                          <p:attrName>style.visibility</p:attrName>
-                                        </p:attrNameLst>
-                                      </p:cBhvr>
-                                      <p:to>
-                                        <p:strVal val="visible"/>
-                                      </p:to>
-                                    </p:set>
-                                    <p:anim calcmode="lin" valueType="num">
-                                      <p:cBhvr>
-                                        <p:cTn id="7" dur="500" fill="hold"/>
-                                        <p:tgtEl>
-                                          <p:spTgt spid="4"/>
-                                        </p:tgtEl>
-                                        <p:attrNameLst>
-                                          <p:attrName>ppt_w</p:attrName>
-                                        </p:attrNameLst>
-                                      </p:cBhvr>
-                                      <p:tavLst>
-                                        <p:tav tm="0">
-                                          <p:val>
-                                            <p:fltVal val="0"/>
-                                          </p:val>
-                                        </p:tav>
-                                        <p:tav tm="100000">
-                                          <p:val>
-                                            <p:strVal val="#ppt_w"/>
-                                          </p:val>
-                                        </p:tav>
-                                      </p:tavLst>
-                                    </p:anim>
-                                    <p:anim calcmode="lin" valueType="num">
-                                      <p:cBhvr>
-                                        <p:cTn id="8" dur="500" fill="hold"/>
-                                        <p:tgtEl>
-                                          <p:spTgt spid="4"/>
-                                        </p:tgtEl>
-                                        <p:attrNameLst>
-                                          <p:attrName>ppt_h</p:attrName>
-                                        </p:attrNameLst>
-                                      </p:cBhvr>
-                                      <p:tavLst>
-                                        <p:tav tm="0">
-                                          <p:val>
-                                            <p:fltVal val="0"/>
-                                          </p:val>
-                                        </p:tav>
-                                        <p:tav tm="100000">
-                                          <p:val>
-                                            <p:strVal val="#ppt_h"/>
-                                          </p:val>
-                                        </p:tav>
-                                      </p:tavLst>
-                                    </p:anim>
-                                    <p:animEffect transition="in" filter="fade">
-                                      <p:cBhvr>
-                                        <p:cTn id="9" dur="500"/>
-                                        <p:tgtEl>
-                                          <p:spTgt spid="4"/>
+                                          <p:spTgt spid="7"/>
                                         </p:tgtEl>
                                       </p:cBhvr>
                                     </p:animEffect>
-                                  </p:childTnLst>
-                                </p:cTn>
-                              </p:par>
-                              <p:par>
-                                <p:cTn id="10" presetID="53" presetClass="entr" presetSubtype="16" fill="hold" nodeType="withEffect">
-                                  <p:stCondLst>
-                                    <p:cond delay="0"/>
-                                  </p:stCondLst>
-                                  <p:childTnLst>
-                                    <p:set>
+                                    <p:animScale>
                                       <p:cBhvr>
-                                        <p:cTn id="11" dur="1" fill="hold">
-                                          <p:stCondLst>
-                                            <p:cond delay="0"/>
-                                          </p:stCondLst>
-                                        </p:cTn>
+                                        <p:cTn id="7" dur="250" autoRev="1" fill="hold"/>
                                         <p:tgtEl>
-                                          <p:spTgt spid="3"/>
-                                        </p:tgtEl>
-                                        <p:attrNameLst>
-                                          <p:attrName>style.visibility</p:attrName>
-                                        </p:attrNameLst>
-                                      </p:cBhvr>
-                                      <p:to>
-                                        <p:strVal val="visible"/>
-                                      </p:to>
-                                    </p:set>
-                                    <p:anim calcmode="lin" valueType="num">
-                                      <p:cBhvr>
-                                        <p:cTn id="12" dur="500" fill="hold"/>
-                                        <p:tgtEl>
-                                          <p:spTgt spid="3"/>
-                                        </p:tgtEl>
-                                        <p:attrNameLst>
-                                          <p:attrName>ppt_w</p:attrName>
-                                        </p:attrNameLst>
-                                      </p:cBhvr>
-                                      <p:tavLst>
-                                        <p:tav tm="0">
-                                          <p:val>
-                                            <p:fltVal val="0"/>
-                                          </p:val>
-                                        </p:tav>
-                                        <p:tav tm="100000">
-                                          <p:val>
-                                            <p:strVal val="#ppt_w"/>
-                                          </p:val>
-                                        </p:tav>
-                                      </p:tavLst>
-                                    </p:anim>
-                                    <p:anim calcmode="lin" valueType="num">
-                                      <p:cBhvr>
-                                        <p:cTn id="13" dur="500" fill="hold"/>
-                                        <p:tgtEl>
-                                          <p:spTgt spid="3"/>
-                                        </p:tgtEl>
-                                        <p:attrNameLst>
-                                          <p:attrName>ppt_h</p:attrName>
-                                        </p:attrNameLst>
-                                      </p:cBhvr>
-                                      <p:tavLst>
-                                        <p:tav tm="0">
-                                          <p:val>
-                                            <p:fltVal val="0"/>
-                                          </p:val>
-                                        </p:tav>
-                                        <p:tav tm="100000">
-                                          <p:val>
-                                            <p:strVal val="#ppt_h"/>
-                                          </p:val>
-                                        </p:tav>
-                                      </p:tavLst>
-                                    </p:anim>
-                                    <p:animEffect transition="in" filter="fade">
-                                      <p:cBhvr>
-                                        <p:cTn id="14" dur="500"/>
-                                        <p:tgtEl>
-                                          <p:spTgt spid="3"/>
+                                          <p:spTgt spid="7"/>
                                         </p:tgtEl>
                                       </p:cBhvr>
-                                    </p:animEffect>
-                                  </p:childTnLst>
-                                </p:cTn>
-                              </p:par>
-                              <p:par>
-                                <p:cTn id="15" presetID="53" presetClass="entr" presetSubtype="16" fill="hold" nodeType="withEffect">
-                                  <p:stCondLst>
-                                    <p:cond delay="0"/>
-                                  </p:stCondLst>
-                                  <p:childTnLst>
-                                    <p:set>
-                                      <p:cBhvr>
-                                        <p:cTn id="16" dur="1" fill="hold">
-                                          <p:stCondLst>
-                                            <p:cond delay="0"/>
-                                          </p:stCondLst>
-                                        </p:cTn>
-                                        <p:tgtEl>
-                                          <p:spTgt spid="6"/>
-                                        </p:tgtEl>
-                                        <p:attrNameLst>
-                                          <p:attrName>style.visibility</p:attrName>
-                                        </p:attrNameLst>
-                                      </p:cBhvr>
-                                      <p:to>
-                                        <p:strVal val="visible"/>
-                                      </p:to>
-                                    </p:set>
-                                    <p:anim calcmode="lin" valueType="num">
-                                      <p:cBhvr>
-                                        <p:cTn id="17" dur="500" fill="hold"/>
-                                        <p:tgtEl>
-                                          <p:spTgt spid="6"/>
-                                        </p:tgtEl>
-                                        <p:attrNameLst>
-                                          <p:attrName>ppt_w</p:attrName>
-                                        </p:attrNameLst>
-                                      </p:cBhvr>
-                                      <p:tavLst>
-                                        <p:tav tm="0">
-                                          <p:val>
-                                            <p:fltVal val="0"/>
-                                          </p:val>
-                                        </p:tav>
-                                        <p:tav tm="100000">
-                                          <p:val>
-                                            <p:strVal val="#ppt_w"/>
-                                          </p:val>
-                                        </p:tav>
-                                      </p:tavLst>
-                                    </p:anim>
-                                    <p:anim calcmode="lin" valueType="num">
-                                      <p:cBhvr>
-                                        <p:cTn id="18" dur="500" fill="hold"/>
-                                        <p:tgtEl>
-                                          <p:spTgt spid="6"/>
-                                        </p:tgtEl>
-                                        <p:attrNameLst>
-                                          <p:attrName>ppt_h</p:attrName>
-                                        </p:attrNameLst>
-                                      </p:cBhvr>
-                                      <p:tavLst>
-                                        <p:tav tm="0">
-                                          <p:val>
-                                            <p:fltVal val="0"/>
-                                          </p:val>
-                                        </p:tav>
-                                        <p:tav tm="100000">
-                                          <p:val>
-                                            <p:strVal val="#ppt_h"/>
-                                          </p:val>
-                                        </p:tav>
-                                      </p:tavLst>
-                                    </p:anim>
-                                    <p:animEffect transition="in" filter="fade">
-                                      <p:cBhvr>
-                                        <p:cTn id="19" dur="500"/>
-                                        <p:tgtEl>
-                                          <p:spTgt spid="6"/>
-                                        </p:tgtEl>
-                                      </p:cBhvr>
-                                    </p:animEffect>
-                                  </p:childTnLst>
-                                </p:cTn>
-                              </p:par>
-                              <p:par>
-                                <p:cTn id="20" presetID="53" presetClass="entr" presetSubtype="16" fill="hold" nodeType="withEffect">
-                                  <p:stCondLst>
-                                    <p:cond delay="0"/>
-                                  </p:stCondLst>
-                                  <p:childTnLst>
-                                    <p:set>
-                                      <p:cBhvr>
-                                        <p:cTn id="21" dur="1" fill="hold">
-                                          <p:stCondLst>
-                                            <p:cond delay="0"/>
-                                          </p:stCondLst>
-                                        </p:cTn>
-                                        <p:tgtEl>
-                                          <p:spTgt spid="5"/>
-                                        </p:tgtEl>
-                                        <p:attrNameLst>
-                                          <p:attrName>style.visibility</p:attrName>
-                                        </p:attrNameLst>
-                                      </p:cBhvr>
-                                      <p:to>
-                                        <p:strVal val="visible"/>
-                                      </p:to>
-                                    </p:set>
-                                    <p:anim calcmode="lin" valueType="num">
-                                      <p:cBhvr>
-                                        <p:cTn id="22" dur="500" fill="hold"/>
-                                        <p:tgtEl>
-                                          <p:spTgt spid="5"/>
-                                        </p:tgtEl>
-                                        <p:attrNameLst>
-                                          <p:attrName>ppt_w</p:attrName>
-                                        </p:attrNameLst>
-                                      </p:cBhvr>
-                                      <p:tavLst>
-                                        <p:tav tm="0">
-                                          <p:val>
-                                            <p:fltVal val="0"/>
-                                          </p:val>
-                                        </p:tav>
-                                        <p:tav tm="100000">
-                                          <p:val>
-                                            <p:strVal val="#ppt_w"/>
-                                          </p:val>
-                                        </p:tav>
-                                      </p:tavLst>
-                                    </p:anim>
-                                    <p:anim calcmode="lin" valueType="num">
-                                      <p:cBhvr>
-                                        <p:cTn id="23" dur="500" fill="hold"/>
-                                        <p:tgtEl>
-                                          <p:spTgt spid="5"/>
-                                        </p:tgtEl>
-                                        <p:attrNameLst>
-                                          <p:attrName>ppt_h</p:attrName>
-                                        </p:attrNameLst>
-                                      </p:cBhvr>
-                                      <p:tavLst>
-                                        <p:tav tm="0">
-                                          <p:val>
-                                            <p:fltVal val="0"/>
-                                          </p:val>
-                                        </p:tav>
-                                        <p:tav tm="100000">
-                                          <p:val>
-                                            <p:strVal val="#ppt_h"/>
-                                          </p:val>
-                                        </p:tav>
-                                      </p:tavLst>
-                                    </p:anim>
-                                    <p:animEffect transition="in" filter="fade">
-                                      <p:cBhvr>
-                                        <p:cTn id="24" dur="500"/>
-                                        <p:tgtEl>
-                                          <p:spTgt spid="5"/>
-                                        </p:tgtEl>
-                                      </p:cBhvr>
-                                    </p:animEffect>
+                                      <p:by x="105000" y="105000"/>
+                                    </p:animScale>
                                   </p:childTnLst>
                                 </p:cTn>
                               </p:par>
@@ -5223,1866 +5185,7 @@
 </p:sld>
 </file>
 
-<file path=ppt/slides/slide3.xml><?xml version="1.0" encoding="utf-8"?>
-<p:sld xmlns:a="http://schemas.openxmlformats.org/drawingml/2006/main" xmlns:r="http://schemas.openxmlformats.org/officeDocument/2006/relationships" xmlns:p="http://schemas.openxmlformats.org/presentationml/2006/main">
-  <p:cSld>
-    <p:spTree>
-      <p:nvGrpSpPr>
-        <p:cNvPr id="1" name=""/>
-        <p:cNvGrpSpPr/>
-        <p:nvPr/>
-      </p:nvGrpSpPr>
-      <p:grpSpPr>
-        <a:xfrm>
-          <a:off x="0" y="0"/>
-          <a:ext cx="0" cy="0"/>
-          <a:chOff x="0" y="0"/>
-          <a:chExt cx="0" cy="0"/>
-        </a:xfrm>
-      </p:grpSpPr>
-      <p:sp>
-        <p:nvSpPr>
-          <p:cNvPr id="2" name="Freeform 2"/>
-          <p:cNvSpPr/>
-          <p:nvPr/>
-        </p:nvSpPr>
-        <p:spPr>
-          <a:xfrm rot="-6201679">
-            <a:off x="13021546" y="-1650930"/>
-            <a:ext cx="6773271" cy="6773271"/>
-          </a:xfrm>
-          <a:custGeom>
-            <a:avLst/>
-            <a:gdLst/>
-            <a:ahLst/>
-            <a:cxnLst/>
-            <a:rect l="l" t="t" r="r" b="b"/>
-            <a:pathLst>
-              <a:path w="6773271" h="6773271">
-                <a:moveTo>
-                  <a:pt x="0" y="0"/>
-                </a:moveTo>
-                <a:lnTo>
-                  <a:pt x="6773271" y="0"/>
-                </a:lnTo>
-                <a:lnTo>
-                  <a:pt x="6773271" y="6773271"/>
-                </a:lnTo>
-                <a:lnTo>
-                  <a:pt x="0" y="6773271"/>
-                </a:lnTo>
-                <a:lnTo>
-                  <a:pt x="0" y="0"/>
-                </a:lnTo>
-                <a:close/>
-              </a:path>
-            </a:pathLst>
-          </a:custGeom>
-          <a:blipFill>
-            <a:blip r:embed="rId3">
-              <a:extLst>
-                <a:ext uri="{96DAC541-7B7A-43D3-8B79-37D633B846F1}">
-                  <asvg:svgBlip xmlns:asvg="http://schemas.microsoft.com/office/drawing/2016/SVG/main" r:embed="rId4"/>
-                </a:ext>
-              </a:extLst>
-            </a:blip>
-            <a:stretch>
-              <a:fillRect/>
-            </a:stretch>
-          </a:blipFill>
-        </p:spPr>
-      </p:sp>
-      <p:sp>
-        <p:nvSpPr>
-          <p:cNvPr id="3" name="Freeform 3"/>
-          <p:cNvSpPr/>
-          <p:nvPr/>
-        </p:nvSpPr>
-        <p:spPr>
-          <a:xfrm>
-            <a:off x="8167025" y="5972535"/>
-            <a:ext cx="3152142" cy="3152142"/>
-          </a:xfrm>
-          <a:custGeom>
-            <a:avLst/>
-            <a:gdLst/>
-            <a:ahLst/>
-            <a:cxnLst/>
-            <a:rect l="l" t="t" r="r" b="b"/>
-            <a:pathLst>
-              <a:path w="3152142" h="3152142">
-                <a:moveTo>
-                  <a:pt x="0" y="0"/>
-                </a:moveTo>
-                <a:lnTo>
-                  <a:pt x="3152142" y="0"/>
-                </a:lnTo>
-                <a:lnTo>
-                  <a:pt x="3152142" y="3152142"/>
-                </a:lnTo>
-                <a:lnTo>
-                  <a:pt x="0" y="3152142"/>
-                </a:lnTo>
-                <a:lnTo>
-                  <a:pt x="0" y="0"/>
-                </a:lnTo>
-                <a:close/>
-              </a:path>
-            </a:pathLst>
-          </a:custGeom>
-          <a:blipFill>
-            <a:blip r:embed="rId5"/>
-            <a:stretch>
-              <a:fillRect/>
-            </a:stretch>
-          </a:blipFill>
-        </p:spPr>
-      </p:sp>
-      <p:sp>
-        <p:nvSpPr>
-          <p:cNvPr id="4" name="TextBox 4"/>
-          <p:cNvSpPr txBox="1"/>
-          <p:nvPr/>
-        </p:nvSpPr>
-        <p:spPr>
-          <a:xfrm>
-            <a:off x="1028700" y="885825"/>
-            <a:ext cx="9509428" cy="1194718"/>
-          </a:xfrm>
-          <a:prstGeom prst="rect">
-            <a:avLst/>
-          </a:prstGeom>
-        </p:spPr>
-        <p:txBody>
-          <a:bodyPr lIns="0" tIns="0" rIns="0" bIns="0" rtlCol="0" anchor="t">
-            <a:spAutoFit/>
-          </a:bodyPr>
-          <a:lstStyle/>
-          <a:p>
-            <a:pPr algn="l">
-              <a:lnSpc>
-                <a:spcPts val="9666"/>
-              </a:lnSpc>
-            </a:pPr>
-            <a:r>
-              <a:rPr lang="en-US" sz="6904" b="1">
-                <a:solidFill>
-                  <a:srgbClr val="000000"/>
-                </a:solidFill>
-                <a:latin typeface="Public Sans Bold"/>
-                <a:ea typeface="Public Sans Bold"/>
-                <a:cs typeface="Public Sans Bold"/>
-                <a:sym typeface="Public Sans Bold"/>
-              </a:rPr>
-              <a:t>Objectifs et contexte</a:t>
-            </a:r>
-          </a:p>
-        </p:txBody>
-      </p:sp>
-      <p:sp>
-        <p:nvSpPr>
-          <p:cNvPr id="5" name="TextBox 5"/>
-          <p:cNvSpPr txBox="1"/>
-          <p:nvPr/>
-        </p:nvSpPr>
-        <p:spPr>
-          <a:xfrm>
-            <a:off x="1028700" y="2337612"/>
-            <a:ext cx="8714396" cy="2800270"/>
-          </a:xfrm>
-          <a:prstGeom prst="rect">
-            <a:avLst/>
-          </a:prstGeom>
-        </p:spPr>
-        <p:txBody>
-          <a:bodyPr lIns="0" tIns="0" rIns="0" bIns="0" rtlCol="0" anchor="t">
-            <a:spAutoFit/>
-          </a:bodyPr>
-          <a:lstStyle/>
-          <a:p>
-            <a:pPr algn="just">
-              <a:lnSpc>
-                <a:spcPts val="3679"/>
-              </a:lnSpc>
-            </a:pPr>
-            <a:r>
-              <a:rPr lang="en-US" sz="2628" b="1">
-                <a:solidFill>
-                  <a:srgbClr val="000000"/>
-                </a:solidFill>
-                <a:latin typeface="Public Sans Medium"/>
-                <a:ea typeface="Public Sans Medium"/>
-                <a:cs typeface="Public Sans Medium"/>
-                <a:sym typeface="Public Sans Medium"/>
-              </a:rPr>
-              <a:t>De nombreux garages utilisent encore des fichiers Excel pour leur gestion quotidienne.</a:t>
-            </a:r>
-          </a:p>
-          <a:p>
-            <a:pPr algn="just">
-              <a:lnSpc>
-                <a:spcPts val="3679"/>
-              </a:lnSpc>
-            </a:pPr>
-            <a:endParaRPr lang="en-US" sz="2628" b="1">
-              <a:solidFill>
-                <a:srgbClr val="000000"/>
-              </a:solidFill>
-              <a:latin typeface="Public Sans Medium"/>
-              <a:ea typeface="Public Sans Medium"/>
-              <a:cs typeface="Public Sans Medium"/>
-              <a:sym typeface="Public Sans Medium"/>
-            </a:endParaRPr>
-          </a:p>
-          <a:p>
-            <a:pPr algn="just">
-              <a:lnSpc>
-                <a:spcPts val="3679"/>
-              </a:lnSpc>
-            </a:pPr>
-            <a:r>
-              <a:rPr lang="en-US" sz="2628" b="1">
-                <a:solidFill>
-                  <a:srgbClr val="000000"/>
-                </a:solidFill>
-                <a:latin typeface="Public Sans Medium"/>
-                <a:ea typeface="Public Sans Medium"/>
-                <a:cs typeface="Public Sans Medium"/>
-                <a:sym typeface="Public Sans Medium"/>
-              </a:rPr>
-              <a:t>Cette application vise à simplifier leur travail, éviter les erreurs manuelles et leur offrir un meilleur suivi de leurs données.</a:t>
-            </a:r>
-          </a:p>
-        </p:txBody>
-      </p:sp>
-      <p:sp>
-        <p:nvSpPr>
-          <p:cNvPr id="6" name="TextBox 6"/>
-          <p:cNvSpPr txBox="1"/>
-          <p:nvPr/>
-        </p:nvSpPr>
-        <p:spPr>
-          <a:xfrm>
-            <a:off x="17584511" y="9694965"/>
-            <a:ext cx="528324" cy="464642"/>
-          </a:xfrm>
-          <a:prstGeom prst="rect">
-            <a:avLst/>
-          </a:prstGeom>
-        </p:spPr>
-        <p:txBody>
-          <a:bodyPr lIns="0" tIns="0" rIns="0" bIns="0" rtlCol="0" anchor="t">
-            <a:spAutoFit/>
-          </a:bodyPr>
-          <a:lstStyle/>
-          <a:p>
-            <a:pPr algn="l">
-              <a:lnSpc>
-                <a:spcPts val="3679"/>
-              </a:lnSpc>
-            </a:pPr>
-            <a:r>
-              <a:rPr lang="en-US" sz="2628" b="1">
-                <a:solidFill>
-                  <a:srgbClr val="000000"/>
-                </a:solidFill>
-                <a:latin typeface="Public Sans Medium"/>
-                <a:ea typeface="Public Sans Medium"/>
-                <a:cs typeface="Public Sans Medium"/>
-                <a:sym typeface="Public Sans Medium"/>
-              </a:rPr>
-              <a:t>2</a:t>
-            </a:r>
-          </a:p>
-        </p:txBody>
-      </p:sp>
-    </p:spTree>
-  </p:cSld>
-  <p:clrMapOvr>
-    <a:masterClrMapping/>
-  </p:clrMapOvr>
-</p:sld>
-</file>
-
-<file path=ppt/slides/slide4.xml><?xml version="1.0" encoding="utf-8"?>
-<p:sld xmlns:a="http://schemas.openxmlformats.org/drawingml/2006/main" xmlns:r="http://schemas.openxmlformats.org/officeDocument/2006/relationships" xmlns:p="http://schemas.openxmlformats.org/presentationml/2006/main">
-  <p:cSld>
-    <p:spTree>
-      <p:nvGrpSpPr>
-        <p:cNvPr id="1" name=""/>
-        <p:cNvGrpSpPr/>
-        <p:nvPr/>
-      </p:nvGrpSpPr>
-      <p:grpSpPr>
-        <a:xfrm>
-          <a:off x="0" y="0"/>
-          <a:ext cx="0" cy="0"/>
-          <a:chOff x="0" y="0"/>
-          <a:chExt cx="0" cy="0"/>
-        </a:xfrm>
-      </p:grpSpPr>
-      <p:sp>
-        <p:nvSpPr>
-          <p:cNvPr id="2" name="Freeform 2"/>
-          <p:cNvSpPr/>
-          <p:nvPr/>
-        </p:nvSpPr>
-        <p:spPr>
-          <a:xfrm>
-            <a:off x="15889854" y="404140"/>
-            <a:ext cx="3657600" cy="1150481"/>
-          </a:xfrm>
-          <a:custGeom>
-            <a:avLst/>
-            <a:gdLst/>
-            <a:ahLst/>
-            <a:cxnLst/>
-            <a:rect l="l" t="t" r="r" b="b"/>
-            <a:pathLst>
-              <a:path w="3657600" h="1150481">
-                <a:moveTo>
-                  <a:pt x="0" y="0"/>
-                </a:moveTo>
-                <a:lnTo>
-                  <a:pt x="3657600" y="0"/>
-                </a:lnTo>
-                <a:lnTo>
-                  <a:pt x="3657600" y="1150481"/>
-                </a:lnTo>
-                <a:lnTo>
-                  <a:pt x="0" y="1150481"/>
-                </a:lnTo>
-                <a:lnTo>
-                  <a:pt x="0" y="0"/>
-                </a:lnTo>
-                <a:close/>
-              </a:path>
-            </a:pathLst>
-          </a:custGeom>
-          <a:blipFill>
-            <a:blip r:embed="rId2">
-              <a:extLst>
-                <a:ext uri="{96DAC541-7B7A-43D3-8B79-37D633B846F1}">
-                  <asvg:svgBlip xmlns:asvg="http://schemas.microsoft.com/office/drawing/2016/SVG/main" r:embed="rId3"/>
-                </a:ext>
-              </a:extLst>
-            </a:blip>
-            <a:stretch>
-              <a:fillRect/>
-            </a:stretch>
-          </a:blipFill>
-        </p:spPr>
-      </p:sp>
-      <p:sp>
-        <p:nvSpPr>
-          <p:cNvPr id="3" name="Freeform 3"/>
-          <p:cNvSpPr/>
-          <p:nvPr/>
-        </p:nvSpPr>
-        <p:spPr>
-          <a:xfrm rot="-5400000">
-            <a:off x="-800100" y="9385383"/>
-            <a:ext cx="3657600" cy="1150481"/>
-          </a:xfrm>
-          <a:custGeom>
-            <a:avLst/>
-            <a:gdLst/>
-            <a:ahLst/>
-            <a:cxnLst/>
-            <a:rect l="l" t="t" r="r" b="b"/>
-            <a:pathLst>
-              <a:path w="3657600" h="1150481">
-                <a:moveTo>
-                  <a:pt x="0" y="0"/>
-                </a:moveTo>
-                <a:lnTo>
-                  <a:pt x="3657600" y="0"/>
-                </a:lnTo>
-                <a:lnTo>
-                  <a:pt x="3657600" y="1150481"/>
-                </a:lnTo>
-                <a:lnTo>
-                  <a:pt x="0" y="1150481"/>
-                </a:lnTo>
-                <a:lnTo>
-                  <a:pt x="0" y="0"/>
-                </a:lnTo>
-                <a:close/>
-              </a:path>
-            </a:pathLst>
-          </a:custGeom>
-          <a:blipFill>
-            <a:blip r:embed="rId2">
-              <a:extLst>
-                <a:ext uri="{96DAC541-7B7A-43D3-8B79-37D633B846F1}">
-                  <asvg:svgBlip xmlns:asvg="http://schemas.microsoft.com/office/drawing/2016/SVG/main" r:embed="rId3"/>
-                </a:ext>
-              </a:extLst>
-            </a:blip>
-            <a:stretch>
-              <a:fillRect/>
-            </a:stretch>
-          </a:blipFill>
-        </p:spPr>
-      </p:sp>
-      <p:sp>
-        <p:nvSpPr>
-          <p:cNvPr id="4" name="Freeform 4"/>
-          <p:cNvSpPr/>
-          <p:nvPr/>
-        </p:nvSpPr>
-        <p:spPr>
-          <a:xfrm>
-            <a:off x="4746521" y="1313108"/>
-            <a:ext cx="8794958" cy="8560325"/>
-          </a:xfrm>
-          <a:custGeom>
-            <a:avLst/>
-            <a:gdLst/>
-            <a:ahLst/>
-            <a:cxnLst/>
-            <a:rect l="l" t="t" r="r" b="b"/>
-            <a:pathLst>
-              <a:path w="8431968" h="8207019">
-                <a:moveTo>
-                  <a:pt x="0" y="0"/>
-                </a:moveTo>
-                <a:lnTo>
-                  <a:pt x="8431968" y="0"/>
-                </a:lnTo>
-                <a:lnTo>
-                  <a:pt x="8431968" y="8207019"/>
-                </a:lnTo>
-                <a:lnTo>
-                  <a:pt x="0" y="8207019"/>
-                </a:lnTo>
-                <a:lnTo>
-                  <a:pt x="0" y="0"/>
-                </a:lnTo>
-                <a:close/>
-              </a:path>
-            </a:pathLst>
-          </a:custGeom>
-          <a:blipFill>
-            <a:blip r:embed="rId4">
-              <a:extLst>
-                <a:ext uri="{BEBA8EAE-BF5A-486C-A8C5-ECC9F3942E4B}">
-                  <a14:imgProps xmlns:a14="http://schemas.microsoft.com/office/drawing/2010/main">
-                    <a14:imgLayer r:embed="rId5">
-                      <a14:imgEffect>
-                        <a14:saturation sat="300000"/>
-                      </a14:imgEffect>
-                    </a14:imgLayer>
-                  </a14:imgProps>
-                </a:ext>
-              </a:extLst>
-            </a:blip>
-            <a:stretch>
-              <a:fillRect t="-745" b="-745"/>
-            </a:stretch>
-          </a:blipFill>
-        </p:spPr>
-      </p:sp>
-      <p:sp>
-        <p:nvSpPr>
-          <p:cNvPr id="5" name="TextBox 5"/>
-          <p:cNvSpPr txBox="1"/>
-          <p:nvPr/>
-        </p:nvSpPr>
-        <p:spPr>
-          <a:xfrm>
-            <a:off x="1028700" y="118390"/>
-            <a:ext cx="10894822" cy="1194718"/>
-          </a:xfrm>
-          <a:prstGeom prst="rect">
-            <a:avLst/>
-          </a:prstGeom>
-        </p:spPr>
-        <p:txBody>
-          <a:bodyPr lIns="0" tIns="0" rIns="0" bIns="0" rtlCol="0" anchor="t">
-            <a:spAutoFit/>
-          </a:bodyPr>
-          <a:lstStyle/>
-          <a:p>
-            <a:pPr algn="l">
-              <a:lnSpc>
-                <a:spcPts val="9666"/>
-              </a:lnSpc>
-            </a:pPr>
-            <a:r>
-              <a:rPr lang="en-US" sz="6904" b="1">
-                <a:solidFill>
-                  <a:srgbClr val="000000"/>
-                </a:solidFill>
-                <a:latin typeface="Public Sans Bold"/>
-                <a:ea typeface="Public Sans Bold"/>
-                <a:cs typeface="Public Sans Bold"/>
-                <a:sym typeface="Public Sans Bold"/>
-              </a:rPr>
-              <a:t> Architecture technique</a:t>
-            </a:r>
-          </a:p>
-        </p:txBody>
-      </p:sp>
-      <p:sp>
-        <p:nvSpPr>
-          <p:cNvPr id="6" name="TextBox 6"/>
-          <p:cNvSpPr txBox="1"/>
-          <p:nvPr/>
-        </p:nvSpPr>
-        <p:spPr>
-          <a:xfrm>
-            <a:off x="17584511" y="9694965"/>
-            <a:ext cx="528324" cy="464642"/>
-          </a:xfrm>
-          <a:prstGeom prst="rect">
-            <a:avLst/>
-          </a:prstGeom>
-        </p:spPr>
-        <p:txBody>
-          <a:bodyPr lIns="0" tIns="0" rIns="0" bIns="0" rtlCol="0" anchor="t">
-            <a:spAutoFit/>
-          </a:bodyPr>
-          <a:lstStyle/>
-          <a:p>
-            <a:pPr algn="l">
-              <a:lnSpc>
-                <a:spcPts val="3679"/>
-              </a:lnSpc>
-            </a:pPr>
-            <a:r>
-              <a:rPr lang="en-US" sz="2628" b="1">
-                <a:solidFill>
-                  <a:srgbClr val="000000"/>
-                </a:solidFill>
-                <a:latin typeface="Public Sans Medium"/>
-                <a:ea typeface="Public Sans Medium"/>
-                <a:cs typeface="Public Sans Medium"/>
-                <a:sym typeface="Public Sans Medium"/>
-              </a:rPr>
-              <a:t>3</a:t>
-            </a:r>
-          </a:p>
-        </p:txBody>
-      </p:sp>
-    </p:spTree>
-  </p:cSld>
-  <p:clrMapOvr>
-    <a:masterClrMapping/>
-  </p:clrMapOvr>
-</p:sld>
-</file>
-
-<file path=ppt/slides/slide5.xml><?xml version="1.0" encoding="utf-8"?>
-<p:sld xmlns:a="http://schemas.openxmlformats.org/drawingml/2006/main" xmlns:r="http://schemas.openxmlformats.org/officeDocument/2006/relationships" xmlns:p="http://schemas.openxmlformats.org/presentationml/2006/main">
-  <p:cSld>
-    <p:spTree>
-      <p:nvGrpSpPr>
-        <p:cNvPr id="1" name=""/>
-        <p:cNvGrpSpPr/>
-        <p:nvPr/>
-      </p:nvGrpSpPr>
-      <p:grpSpPr>
-        <a:xfrm>
-          <a:off x="0" y="0"/>
-          <a:ext cx="0" cy="0"/>
-          <a:chOff x="0" y="0"/>
-          <a:chExt cx="0" cy="0"/>
-        </a:xfrm>
-      </p:grpSpPr>
-      <p:sp>
-        <p:nvSpPr>
-          <p:cNvPr id="2" name="TextBox 2"/>
-          <p:cNvSpPr txBox="1"/>
-          <p:nvPr/>
-        </p:nvSpPr>
-        <p:spPr>
-          <a:xfrm>
-            <a:off x="1028700" y="885825"/>
-            <a:ext cx="10894822" cy="1194718"/>
-          </a:xfrm>
-          <a:prstGeom prst="rect">
-            <a:avLst/>
-          </a:prstGeom>
-        </p:spPr>
-        <p:txBody>
-          <a:bodyPr lIns="0" tIns="0" rIns="0" bIns="0" rtlCol="0" anchor="t">
-            <a:spAutoFit/>
-          </a:bodyPr>
-          <a:lstStyle/>
-          <a:p>
-            <a:pPr algn="l">
-              <a:lnSpc>
-                <a:spcPts val="9666"/>
-              </a:lnSpc>
-            </a:pPr>
-            <a:r>
-              <a:rPr lang="en-US" sz="6904" b="1">
-                <a:solidFill>
-                  <a:srgbClr val="000000"/>
-                </a:solidFill>
-                <a:latin typeface="Public Sans Bold"/>
-                <a:ea typeface="Public Sans Bold"/>
-                <a:cs typeface="Public Sans Bold"/>
-                <a:sym typeface="Public Sans Bold"/>
-              </a:rPr>
-              <a:t>Démo </a:t>
-            </a:r>
-          </a:p>
-        </p:txBody>
-      </p:sp>
-      <p:sp>
-        <p:nvSpPr>
-          <p:cNvPr id="3" name="TextBox 3"/>
-          <p:cNvSpPr txBox="1"/>
-          <p:nvPr/>
-        </p:nvSpPr>
-        <p:spPr>
-          <a:xfrm>
-            <a:off x="17584511" y="9694965"/>
-            <a:ext cx="528324" cy="464642"/>
-          </a:xfrm>
-          <a:prstGeom prst="rect">
-            <a:avLst/>
-          </a:prstGeom>
-        </p:spPr>
-        <p:txBody>
-          <a:bodyPr lIns="0" tIns="0" rIns="0" bIns="0" rtlCol="0" anchor="t">
-            <a:spAutoFit/>
-          </a:bodyPr>
-          <a:lstStyle/>
-          <a:p>
-            <a:pPr algn="l">
-              <a:lnSpc>
-                <a:spcPts val="3679"/>
-              </a:lnSpc>
-            </a:pPr>
-            <a:r>
-              <a:rPr lang="en-US" sz="2628" b="1">
-                <a:solidFill>
-                  <a:srgbClr val="000000"/>
-                </a:solidFill>
-                <a:latin typeface="Public Sans Medium"/>
-                <a:ea typeface="Public Sans Medium"/>
-                <a:cs typeface="Public Sans Medium"/>
-                <a:sym typeface="Public Sans Medium"/>
-              </a:rPr>
-              <a:t>4</a:t>
-            </a:r>
-          </a:p>
-        </p:txBody>
-      </p:sp>
-      <p:sp>
-        <p:nvSpPr>
-          <p:cNvPr id="4" name="Freeform 4"/>
-          <p:cNvSpPr/>
-          <p:nvPr/>
-        </p:nvSpPr>
-        <p:spPr>
-          <a:xfrm>
-            <a:off x="15889854" y="404140"/>
-            <a:ext cx="3657600" cy="1150481"/>
-          </a:xfrm>
-          <a:custGeom>
-            <a:avLst/>
-            <a:gdLst/>
-            <a:ahLst/>
-            <a:cxnLst/>
-            <a:rect l="l" t="t" r="r" b="b"/>
-            <a:pathLst>
-              <a:path w="3657600" h="1150481">
-                <a:moveTo>
-                  <a:pt x="0" y="0"/>
-                </a:moveTo>
-                <a:lnTo>
-                  <a:pt x="3657600" y="0"/>
-                </a:lnTo>
-                <a:lnTo>
-                  <a:pt x="3657600" y="1150481"/>
-                </a:lnTo>
-                <a:lnTo>
-                  <a:pt x="0" y="1150481"/>
-                </a:lnTo>
-                <a:lnTo>
-                  <a:pt x="0" y="0"/>
-                </a:lnTo>
-                <a:close/>
-              </a:path>
-            </a:pathLst>
-          </a:custGeom>
-          <a:blipFill>
-            <a:blip r:embed="rId2">
-              <a:extLst>
-                <a:ext uri="{96DAC541-7B7A-43D3-8B79-37D633B846F1}">
-                  <asvg:svgBlip xmlns:asvg="http://schemas.microsoft.com/office/drawing/2016/SVG/main" r:embed="rId3"/>
-                </a:ext>
-              </a:extLst>
-            </a:blip>
-            <a:stretch>
-              <a:fillRect/>
-            </a:stretch>
-          </a:blipFill>
-        </p:spPr>
-      </p:sp>
-      <p:sp>
-        <p:nvSpPr>
-          <p:cNvPr id="5" name="Freeform 5"/>
-          <p:cNvSpPr/>
-          <p:nvPr/>
-        </p:nvSpPr>
-        <p:spPr>
-          <a:xfrm rot="-5400000">
-            <a:off x="-800100" y="9385383"/>
-            <a:ext cx="3657600" cy="1150481"/>
-          </a:xfrm>
-          <a:custGeom>
-            <a:avLst/>
-            <a:gdLst/>
-            <a:ahLst/>
-            <a:cxnLst/>
-            <a:rect l="l" t="t" r="r" b="b"/>
-            <a:pathLst>
-              <a:path w="3657600" h="1150481">
-                <a:moveTo>
-                  <a:pt x="0" y="0"/>
-                </a:moveTo>
-                <a:lnTo>
-                  <a:pt x="3657600" y="0"/>
-                </a:lnTo>
-                <a:lnTo>
-                  <a:pt x="3657600" y="1150481"/>
-                </a:lnTo>
-                <a:lnTo>
-                  <a:pt x="0" y="1150481"/>
-                </a:lnTo>
-                <a:lnTo>
-                  <a:pt x="0" y="0"/>
-                </a:lnTo>
-                <a:close/>
-              </a:path>
-            </a:pathLst>
-          </a:custGeom>
-          <a:blipFill>
-            <a:blip r:embed="rId2">
-              <a:extLst>
-                <a:ext uri="{96DAC541-7B7A-43D3-8B79-37D633B846F1}">
-                  <asvg:svgBlip xmlns:asvg="http://schemas.microsoft.com/office/drawing/2016/SVG/main" r:embed="rId3"/>
-                </a:ext>
-              </a:extLst>
-            </a:blip>
-            <a:stretch>
-              <a:fillRect/>
-            </a:stretch>
-          </a:blipFill>
-        </p:spPr>
-      </p:sp>
-      <p:sp>
-        <p:nvSpPr>
-          <p:cNvPr id="6" name="Freeform 6"/>
-          <p:cNvSpPr/>
-          <p:nvPr/>
-        </p:nvSpPr>
-        <p:spPr>
-          <a:xfrm>
-            <a:off x="6263691" y="2263191"/>
-            <a:ext cx="5760617" cy="5760617"/>
-          </a:xfrm>
-          <a:custGeom>
-            <a:avLst/>
-            <a:gdLst/>
-            <a:ahLst/>
-            <a:cxnLst/>
-            <a:rect l="l" t="t" r="r" b="b"/>
-            <a:pathLst>
-              <a:path w="5760617" h="5760617">
-                <a:moveTo>
-                  <a:pt x="0" y="0"/>
-                </a:moveTo>
-                <a:lnTo>
-                  <a:pt x="5760618" y="0"/>
-                </a:lnTo>
-                <a:lnTo>
-                  <a:pt x="5760618" y="5760618"/>
-                </a:lnTo>
-                <a:lnTo>
-                  <a:pt x="0" y="5760618"/>
-                </a:lnTo>
-                <a:lnTo>
-                  <a:pt x="0" y="0"/>
-                </a:lnTo>
-                <a:close/>
-              </a:path>
-            </a:pathLst>
-          </a:custGeom>
-          <a:blipFill>
-            <a:blip r:embed="rId4"/>
-            <a:stretch>
-              <a:fillRect/>
-            </a:stretch>
-          </a:blipFill>
-        </p:spPr>
-      </p:sp>
-    </p:spTree>
-  </p:cSld>
-  <p:clrMapOvr>
-    <a:masterClrMapping/>
-  </p:clrMapOvr>
-  <p:timing>
-    <p:tnLst>
-      <p:par>
-        <p:cTn id="1" dur="indefinite" restart="never" nodeType="tmRoot">
-          <p:childTnLst>
-            <p:seq concurrent="1" nextAc="seek">
-              <p:cTn id="2" dur="indefinite" nodeType="mainSeq">
-                <p:childTnLst>
-                  <p:par>
-                    <p:cTn id="3" fill="hold">
-                      <p:stCondLst>
-                        <p:cond delay="indefinite"/>
-                      </p:stCondLst>
-                      <p:childTnLst>
-                        <p:par>
-                          <p:cTn id="4" fill="hold">
-                            <p:stCondLst>
-                              <p:cond delay="0"/>
-                            </p:stCondLst>
-                            <p:childTnLst>
-                              <p:par>
-                                <p:cTn id="5" presetID="2" presetClass="entr" presetSubtype="4" fill="hold" nodeType="clickEffect">
-                                  <p:stCondLst>
-                                    <p:cond delay="0"/>
-                                  </p:stCondLst>
-                                  <p:childTnLst>
-                                    <p:set>
-                                      <p:cBhvr>
-                                        <p:cTn id="6" dur="1" fill="hold">
-                                          <p:stCondLst>
-                                            <p:cond delay="0"/>
-                                          </p:stCondLst>
-                                        </p:cTn>
-                                        <p:tgtEl>
-                                          <p:spTgt spid="6"/>
-                                        </p:tgtEl>
-                                        <p:attrNameLst>
-                                          <p:attrName>style.visibility</p:attrName>
-                                        </p:attrNameLst>
-                                      </p:cBhvr>
-                                      <p:to>
-                                        <p:strVal val="visible"/>
-                                      </p:to>
-                                    </p:set>
-                                    <p:anim calcmode="lin" valueType="num">
-                                      <p:cBhvr additive="base">
-                                        <p:cTn id="7" dur="500" fill="hold"/>
-                                        <p:tgtEl>
-                                          <p:spTgt spid="6"/>
-                                        </p:tgtEl>
-                                        <p:attrNameLst>
-                                          <p:attrName>ppt_x</p:attrName>
-                                        </p:attrNameLst>
-                                      </p:cBhvr>
-                                      <p:tavLst>
-                                        <p:tav tm="0">
-                                          <p:val>
-                                            <p:strVal val="#ppt_x"/>
-                                          </p:val>
-                                        </p:tav>
-                                        <p:tav tm="100000">
-                                          <p:val>
-                                            <p:strVal val="#ppt_x"/>
-                                          </p:val>
-                                        </p:tav>
-                                      </p:tavLst>
-                                    </p:anim>
-                                    <p:anim calcmode="lin" valueType="num">
-                                      <p:cBhvr additive="base">
-                                        <p:cTn id="8" dur="500" fill="hold"/>
-                                        <p:tgtEl>
-                                          <p:spTgt spid="6"/>
-                                        </p:tgtEl>
-                                        <p:attrNameLst>
-                                          <p:attrName>ppt_y</p:attrName>
-                                        </p:attrNameLst>
-                                      </p:cBhvr>
-                                      <p:tavLst>
-                                        <p:tav tm="0">
-                                          <p:val>
-                                            <p:strVal val="1+#ppt_h/2"/>
-                                          </p:val>
-                                        </p:tav>
-                                        <p:tav tm="100000">
-                                          <p:val>
-                                            <p:strVal val="#ppt_y"/>
-                                          </p:val>
-                                        </p:tav>
-                                      </p:tavLst>
-                                    </p:anim>
-                                  </p:childTnLst>
-                                </p:cTn>
-                              </p:par>
-                            </p:childTnLst>
-                          </p:cTn>
-                        </p:par>
-                      </p:childTnLst>
-                    </p:cTn>
-                  </p:par>
-                </p:childTnLst>
-              </p:cTn>
-              <p:prevCondLst>
-                <p:cond evt="onPrev" delay="0">
-                  <p:tgtEl>
-                    <p:sldTgt/>
-                  </p:tgtEl>
-                </p:cond>
-              </p:prevCondLst>
-              <p:nextCondLst>
-                <p:cond evt="onNext" delay="0">
-                  <p:tgtEl>
-                    <p:sldTgt/>
-                  </p:tgtEl>
-                </p:cond>
-              </p:nextCondLst>
-            </p:seq>
-          </p:childTnLst>
-        </p:cTn>
-      </p:par>
-    </p:tnLst>
-  </p:timing>
-</p:sld>
-</file>
-
-<file path=ppt/slides/slide6.xml><?xml version="1.0" encoding="utf-8"?>
-<p:sld xmlns:a="http://schemas.openxmlformats.org/drawingml/2006/main" xmlns:r="http://schemas.openxmlformats.org/officeDocument/2006/relationships" xmlns:p="http://schemas.openxmlformats.org/presentationml/2006/main">
-  <p:cSld>
-    <p:spTree>
-      <p:nvGrpSpPr>
-        <p:cNvPr id="1" name=""/>
-        <p:cNvGrpSpPr/>
-        <p:nvPr/>
-      </p:nvGrpSpPr>
-      <p:grpSpPr>
-        <a:xfrm>
-          <a:off x="0" y="0"/>
-          <a:ext cx="0" cy="0"/>
-          <a:chOff x="0" y="0"/>
-          <a:chExt cx="0" cy="0"/>
-        </a:xfrm>
-      </p:grpSpPr>
-      <p:sp>
-        <p:nvSpPr>
-          <p:cNvPr id="2" name="Freeform 2"/>
-          <p:cNvSpPr/>
-          <p:nvPr/>
-        </p:nvSpPr>
-        <p:spPr>
-          <a:xfrm rot="-5400000">
-            <a:off x="-1070809" y="7755567"/>
-            <a:ext cx="3657600" cy="1150481"/>
-          </a:xfrm>
-          <a:custGeom>
-            <a:avLst/>
-            <a:gdLst/>
-            <a:ahLst/>
-            <a:cxnLst/>
-            <a:rect l="l" t="t" r="r" b="b"/>
-            <a:pathLst>
-              <a:path w="3657600" h="1150481">
-                <a:moveTo>
-                  <a:pt x="0" y="0"/>
-                </a:moveTo>
-                <a:lnTo>
-                  <a:pt x="3657600" y="0"/>
-                </a:lnTo>
-                <a:lnTo>
-                  <a:pt x="3657600" y="1150481"/>
-                </a:lnTo>
-                <a:lnTo>
-                  <a:pt x="0" y="1150481"/>
-                </a:lnTo>
-                <a:lnTo>
-                  <a:pt x="0" y="0"/>
-                </a:lnTo>
-                <a:close/>
-              </a:path>
-            </a:pathLst>
-          </a:custGeom>
-          <a:blipFill>
-            <a:blip r:embed="rId3">
-              <a:extLst>
-                <a:ext uri="{96DAC541-7B7A-43D3-8B79-37D633B846F1}">
-                  <asvg:svgBlip xmlns:asvg="http://schemas.microsoft.com/office/drawing/2016/SVG/main" r:embed="rId4"/>
-                </a:ext>
-              </a:extLst>
-            </a:blip>
-            <a:stretch>
-              <a:fillRect/>
-            </a:stretch>
-          </a:blipFill>
-        </p:spPr>
-      </p:sp>
-      <p:sp>
-        <p:nvSpPr>
-          <p:cNvPr id="3" name="Freeform 3"/>
-          <p:cNvSpPr/>
-          <p:nvPr/>
-        </p:nvSpPr>
-        <p:spPr>
-          <a:xfrm rot="-6201679">
-            <a:off x="14072535" y="-2797463"/>
-            <a:ext cx="6773271" cy="6773271"/>
-          </a:xfrm>
-          <a:custGeom>
-            <a:avLst/>
-            <a:gdLst/>
-            <a:ahLst/>
-            <a:cxnLst/>
-            <a:rect l="l" t="t" r="r" b="b"/>
-            <a:pathLst>
-              <a:path w="6773271" h="6773271">
-                <a:moveTo>
-                  <a:pt x="0" y="0"/>
-                </a:moveTo>
-                <a:lnTo>
-                  <a:pt x="6773271" y="0"/>
-                </a:lnTo>
-                <a:lnTo>
-                  <a:pt x="6773271" y="6773271"/>
-                </a:lnTo>
-                <a:lnTo>
-                  <a:pt x="0" y="6773271"/>
-                </a:lnTo>
-                <a:lnTo>
-                  <a:pt x="0" y="0"/>
-                </a:lnTo>
-                <a:close/>
-              </a:path>
-            </a:pathLst>
-          </a:custGeom>
-          <a:blipFill>
-            <a:blip r:embed="rId5">
-              <a:extLst>
-                <a:ext uri="{96DAC541-7B7A-43D3-8B79-37D633B846F1}">
-                  <asvg:svgBlip xmlns:asvg="http://schemas.microsoft.com/office/drawing/2016/SVG/main" r:embed="rId6"/>
-                </a:ext>
-              </a:extLst>
-            </a:blip>
-            <a:stretch>
-              <a:fillRect/>
-            </a:stretch>
-          </a:blipFill>
-        </p:spPr>
-      </p:sp>
-      <p:sp>
-        <p:nvSpPr>
-          <p:cNvPr id="4" name="TextBox 4"/>
-          <p:cNvSpPr txBox="1"/>
-          <p:nvPr/>
-        </p:nvSpPr>
-        <p:spPr>
-          <a:xfrm>
-            <a:off x="2198300" y="3149740"/>
-            <a:ext cx="11593900" cy="4667170"/>
-          </a:xfrm>
-          <a:prstGeom prst="rect">
-            <a:avLst/>
-          </a:prstGeom>
-        </p:spPr>
-        <p:txBody>
-          <a:bodyPr wrap="square" lIns="0" tIns="0" rIns="0" bIns="0" rtlCol="0" anchor="t">
-            <a:spAutoFit/>
-          </a:bodyPr>
-          <a:lstStyle/>
-          <a:p>
-            <a:pPr algn="just">
-              <a:lnSpc>
-                <a:spcPts val="3679"/>
-              </a:lnSpc>
-            </a:pPr>
-            <a:r>
-              <a:rPr lang="en-US" sz="2628" b="1" dirty="0">
-                <a:solidFill>
-                  <a:srgbClr val="000000"/>
-                </a:solidFill>
-                <a:latin typeface="Public Sans Medium"/>
-                <a:ea typeface="Public Sans Medium"/>
-                <a:cs typeface="Public Sans Medium"/>
-                <a:sym typeface="Public Sans Medium"/>
-              </a:rPr>
-              <a:t>    Application Blazor Server (C#)</a:t>
-            </a:r>
-          </a:p>
-          <a:p>
-            <a:pPr algn="just">
-              <a:lnSpc>
-                <a:spcPts val="3679"/>
-              </a:lnSpc>
-            </a:pPr>
-            <a:r>
-              <a:rPr lang="en-US" sz="2628" b="1" dirty="0">
-                <a:solidFill>
-                  <a:srgbClr val="000000"/>
-                </a:solidFill>
-                <a:latin typeface="Public Sans Medium"/>
-                <a:ea typeface="Public Sans Medium"/>
-                <a:cs typeface="Public Sans Medium"/>
-                <a:sym typeface="Public Sans Medium"/>
-              </a:rPr>
-              <a:t>        </a:t>
-            </a:r>
-            <a:r>
-              <a:rPr lang="en-US" sz="2628" b="1" dirty="0" err="1">
-                <a:solidFill>
-                  <a:srgbClr val="000000"/>
-                </a:solidFill>
-                <a:latin typeface="Public Sans Medium"/>
-                <a:ea typeface="Public Sans Medium"/>
-                <a:cs typeface="Public Sans Medium"/>
-                <a:sym typeface="Public Sans Medium"/>
-              </a:rPr>
-              <a:t>Hybride</a:t>
-            </a:r>
-            <a:r>
-              <a:rPr lang="en-US" sz="2628" b="1" dirty="0">
-                <a:solidFill>
-                  <a:srgbClr val="000000"/>
-                </a:solidFill>
-                <a:latin typeface="Public Sans Medium"/>
-                <a:ea typeface="Public Sans Medium"/>
-                <a:cs typeface="Public Sans Medium"/>
-                <a:sym typeface="Public Sans Medium"/>
-              </a:rPr>
-              <a:t> : Web (cloud) + Desktop (Electron.NET – Windows &amp; Linux)</a:t>
-            </a:r>
-          </a:p>
-          <a:p>
-            <a:pPr algn="just">
-              <a:lnSpc>
-                <a:spcPts val="3679"/>
-              </a:lnSpc>
-            </a:pPr>
-            <a:r>
-              <a:rPr lang="en-US" sz="2628" b="1" dirty="0">
-                <a:solidFill>
-                  <a:srgbClr val="000000"/>
-                </a:solidFill>
-                <a:latin typeface="Public Sans Medium"/>
-                <a:ea typeface="Public Sans Medium"/>
-                <a:cs typeface="Public Sans Medium"/>
-                <a:sym typeface="Public Sans Medium"/>
-              </a:rPr>
-              <a:t>        PWA pour </a:t>
-            </a:r>
-            <a:r>
-              <a:rPr lang="en-US" sz="2628" b="1" dirty="0" err="1">
-                <a:solidFill>
-                  <a:srgbClr val="000000"/>
-                </a:solidFill>
-                <a:latin typeface="Public Sans Medium"/>
-                <a:ea typeface="Public Sans Medium"/>
-                <a:cs typeface="Public Sans Medium"/>
-                <a:sym typeface="Public Sans Medium"/>
-              </a:rPr>
-              <a:t>une</a:t>
-            </a:r>
-            <a:r>
-              <a:rPr lang="en-US" sz="2628" b="1" dirty="0">
-                <a:solidFill>
-                  <a:srgbClr val="000000"/>
-                </a:solidFill>
-                <a:latin typeface="Public Sans Medium"/>
-                <a:ea typeface="Public Sans Medium"/>
-                <a:cs typeface="Public Sans Medium"/>
-                <a:sym typeface="Public Sans Medium"/>
-              </a:rPr>
-              <a:t> </a:t>
-            </a:r>
-            <a:r>
-              <a:rPr lang="en-US" sz="2628" b="1" dirty="0" err="1">
-                <a:solidFill>
-                  <a:srgbClr val="000000"/>
-                </a:solidFill>
-                <a:latin typeface="Public Sans Medium"/>
-                <a:ea typeface="Public Sans Medium"/>
-                <a:cs typeface="Public Sans Medium"/>
-                <a:sym typeface="Public Sans Medium"/>
-              </a:rPr>
-              <a:t>meilleure</a:t>
-            </a:r>
-            <a:r>
-              <a:rPr lang="en-US" sz="2628" b="1" dirty="0">
-                <a:solidFill>
-                  <a:srgbClr val="000000"/>
-                </a:solidFill>
-                <a:latin typeface="Public Sans Medium"/>
-                <a:ea typeface="Public Sans Medium"/>
-                <a:cs typeface="Public Sans Medium"/>
-                <a:sym typeface="Public Sans Medium"/>
-              </a:rPr>
-              <a:t> </a:t>
-            </a:r>
-            <a:r>
-              <a:rPr lang="en-US" sz="2628" b="1" dirty="0" err="1">
-                <a:solidFill>
-                  <a:srgbClr val="000000"/>
-                </a:solidFill>
-                <a:latin typeface="Public Sans Medium"/>
-                <a:ea typeface="Public Sans Medium"/>
-                <a:cs typeface="Public Sans Medium"/>
-                <a:sym typeface="Public Sans Medium"/>
-              </a:rPr>
-              <a:t>expérience</a:t>
-            </a:r>
-            <a:endParaRPr lang="en-US" sz="2628" b="1" dirty="0">
-              <a:solidFill>
-                <a:srgbClr val="000000"/>
-              </a:solidFill>
-              <a:latin typeface="Public Sans Medium"/>
-              <a:ea typeface="Public Sans Medium"/>
-              <a:cs typeface="Public Sans Medium"/>
-              <a:sym typeface="Public Sans Medium"/>
-            </a:endParaRPr>
-          </a:p>
-          <a:p>
-            <a:pPr algn="just">
-              <a:lnSpc>
-                <a:spcPts val="3679"/>
-              </a:lnSpc>
-            </a:pPr>
-            <a:endParaRPr lang="en-US" sz="2628" b="1" dirty="0">
-              <a:solidFill>
-                <a:srgbClr val="000000"/>
-              </a:solidFill>
-              <a:latin typeface="Public Sans Medium"/>
-              <a:ea typeface="Public Sans Medium"/>
-              <a:cs typeface="Public Sans Medium"/>
-              <a:sym typeface="Public Sans Medium"/>
-            </a:endParaRPr>
-          </a:p>
-          <a:p>
-            <a:pPr algn="just">
-              <a:lnSpc>
-                <a:spcPts val="3679"/>
-              </a:lnSpc>
-            </a:pPr>
-            <a:r>
-              <a:rPr lang="en-US" sz="2628" b="1" dirty="0">
-                <a:solidFill>
-                  <a:srgbClr val="000000"/>
-                </a:solidFill>
-                <a:latin typeface="Public Sans Medium"/>
-                <a:ea typeface="Public Sans Medium"/>
-                <a:cs typeface="Public Sans Medium"/>
-                <a:sym typeface="Public Sans Medium"/>
-              </a:rPr>
-              <a:t>    Cloud : Google Cloud Run</a:t>
-            </a:r>
-          </a:p>
-          <a:p>
-            <a:pPr algn="just">
-              <a:lnSpc>
-                <a:spcPts val="3679"/>
-              </a:lnSpc>
-            </a:pPr>
-            <a:r>
-              <a:rPr lang="en-US" sz="2628" b="1" dirty="0">
-                <a:solidFill>
-                  <a:srgbClr val="000000"/>
-                </a:solidFill>
-                <a:latin typeface="Public Sans Medium"/>
-                <a:ea typeface="Public Sans Medium"/>
-                <a:cs typeface="Public Sans Medium"/>
-                <a:sym typeface="Public Sans Medium"/>
-              </a:rPr>
-              <a:t>        </a:t>
-            </a:r>
-            <a:r>
-              <a:rPr lang="en-US" sz="2628" b="1" dirty="0" err="1">
-                <a:solidFill>
-                  <a:srgbClr val="000000"/>
-                </a:solidFill>
-                <a:latin typeface="Public Sans Medium"/>
-                <a:ea typeface="Public Sans Medium"/>
-                <a:cs typeface="Public Sans Medium"/>
-                <a:sym typeface="Public Sans Medium"/>
-              </a:rPr>
-              <a:t>Hébergement</a:t>
-            </a:r>
-            <a:r>
-              <a:rPr lang="en-US" sz="2628" b="1" dirty="0">
-                <a:solidFill>
-                  <a:srgbClr val="000000"/>
-                </a:solidFill>
-                <a:latin typeface="Public Sans Medium"/>
-                <a:ea typeface="Public Sans Medium"/>
-                <a:cs typeface="Public Sans Medium"/>
-                <a:sym typeface="Public Sans Medium"/>
-              </a:rPr>
-              <a:t> web avec </a:t>
-            </a:r>
-            <a:r>
-              <a:rPr lang="en-US" sz="2628" b="1" dirty="0" err="1">
-                <a:solidFill>
-                  <a:srgbClr val="000000"/>
-                </a:solidFill>
-                <a:latin typeface="Public Sans Medium"/>
-                <a:ea typeface="Public Sans Medium"/>
-                <a:cs typeface="Public Sans Medium"/>
-                <a:sym typeface="Public Sans Medium"/>
-              </a:rPr>
-              <a:t>scalabilité</a:t>
-            </a:r>
-            <a:r>
-              <a:rPr lang="en-US" sz="2628" b="1" dirty="0">
-                <a:solidFill>
-                  <a:srgbClr val="000000"/>
-                </a:solidFill>
-                <a:latin typeface="Public Sans Medium"/>
-                <a:ea typeface="Public Sans Medium"/>
-                <a:cs typeface="Public Sans Medium"/>
-                <a:sym typeface="Public Sans Medium"/>
-              </a:rPr>
-              <a:t> auto</a:t>
-            </a:r>
-          </a:p>
-          <a:p>
-            <a:pPr algn="just">
-              <a:lnSpc>
-                <a:spcPts val="3679"/>
-              </a:lnSpc>
-            </a:pPr>
-            <a:endParaRPr lang="en-US" sz="2628" b="1" dirty="0">
-              <a:solidFill>
-                <a:srgbClr val="000000"/>
-              </a:solidFill>
-              <a:latin typeface="Public Sans Medium"/>
-              <a:ea typeface="Public Sans Medium"/>
-              <a:cs typeface="Public Sans Medium"/>
-              <a:sym typeface="Public Sans Medium"/>
-            </a:endParaRPr>
-          </a:p>
-          <a:p>
-            <a:pPr algn="just">
-              <a:lnSpc>
-                <a:spcPts val="3679"/>
-              </a:lnSpc>
-            </a:pPr>
-            <a:r>
-              <a:rPr lang="en-US" sz="2628" b="1" dirty="0">
-                <a:solidFill>
-                  <a:srgbClr val="000000"/>
-                </a:solidFill>
-                <a:latin typeface="Public Sans Medium"/>
-                <a:ea typeface="Public Sans Medium"/>
-                <a:cs typeface="Public Sans Medium"/>
-                <a:sym typeface="Public Sans Medium"/>
-              </a:rPr>
-              <a:t>   CI/CD via GitHub Actions :</a:t>
-            </a:r>
-          </a:p>
-          <a:p>
-            <a:pPr algn="just">
-              <a:lnSpc>
-                <a:spcPts val="3679"/>
-              </a:lnSpc>
-            </a:pPr>
-            <a:r>
-              <a:rPr lang="en-US" sz="2628" b="1" dirty="0">
-                <a:solidFill>
-                  <a:srgbClr val="000000"/>
-                </a:solidFill>
-                <a:latin typeface="Public Sans Medium"/>
-                <a:ea typeface="Public Sans Medium"/>
-                <a:cs typeface="Public Sans Medium"/>
-                <a:sym typeface="Public Sans Medium"/>
-              </a:rPr>
-              <a:t>            Build Docker → Artifact Registry → </a:t>
-            </a:r>
-            <a:r>
-              <a:rPr lang="en-US" sz="2628" b="1" dirty="0" err="1">
-                <a:solidFill>
-                  <a:srgbClr val="000000"/>
-                </a:solidFill>
-                <a:latin typeface="Public Sans Medium"/>
-                <a:ea typeface="Public Sans Medium"/>
-                <a:cs typeface="Public Sans Medium"/>
-                <a:sym typeface="Public Sans Medium"/>
-              </a:rPr>
-              <a:t>Déploiement</a:t>
-            </a:r>
-            <a:r>
-              <a:rPr lang="en-US" sz="2628" b="1" dirty="0">
-                <a:solidFill>
-                  <a:srgbClr val="000000"/>
-                </a:solidFill>
-                <a:latin typeface="Public Sans Medium"/>
-                <a:ea typeface="Public Sans Medium"/>
-                <a:cs typeface="Public Sans Medium"/>
-                <a:sym typeface="Public Sans Medium"/>
-              </a:rPr>
-              <a:t> Cloud Run</a:t>
-            </a:r>
-          </a:p>
-          <a:p>
-            <a:pPr algn="just">
-              <a:lnSpc>
-                <a:spcPts val="3679"/>
-              </a:lnSpc>
-            </a:pPr>
-            <a:r>
-              <a:rPr lang="en-US" sz="2628" b="1" dirty="0">
-                <a:solidFill>
-                  <a:srgbClr val="000000"/>
-                </a:solidFill>
-                <a:latin typeface="Public Sans Medium"/>
-                <a:ea typeface="Public Sans Medium"/>
-                <a:cs typeface="Public Sans Medium"/>
-                <a:sym typeface="Public Sans Medium"/>
-              </a:rPr>
-              <a:t>            Compilation Electron.NET (setup Windows/Linux)</a:t>
-            </a:r>
-          </a:p>
-        </p:txBody>
-      </p:sp>
-      <p:sp>
-        <p:nvSpPr>
-          <p:cNvPr id="5" name="Freeform 5"/>
-          <p:cNvSpPr/>
-          <p:nvPr/>
-        </p:nvSpPr>
-        <p:spPr>
-          <a:xfrm>
-            <a:off x="13381582" y="5272080"/>
-            <a:ext cx="3477034" cy="3477034"/>
-          </a:xfrm>
-          <a:custGeom>
-            <a:avLst/>
-            <a:gdLst/>
-            <a:ahLst/>
-            <a:cxnLst/>
-            <a:rect l="l" t="t" r="r" b="b"/>
-            <a:pathLst>
-              <a:path w="3477034" h="3477034">
-                <a:moveTo>
-                  <a:pt x="0" y="0"/>
-                </a:moveTo>
-                <a:lnTo>
-                  <a:pt x="3477034" y="0"/>
-                </a:lnTo>
-                <a:lnTo>
-                  <a:pt x="3477034" y="3477034"/>
-                </a:lnTo>
-                <a:lnTo>
-                  <a:pt x="0" y="3477034"/>
-                </a:lnTo>
-                <a:lnTo>
-                  <a:pt x="0" y="0"/>
-                </a:lnTo>
-                <a:close/>
-              </a:path>
-            </a:pathLst>
-          </a:custGeom>
-          <a:blipFill>
-            <a:blip r:embed="rId7"/>
-            <a:stretch>
-              <a:fillRect/>
-            </a:stretch>
-          </a:blipFill>
-        </p:spPr>
-      </p:sp>
-      <p:sp>
-        <p:nvSpPr>
-          <p:cNvPr id="6" name="TextBox 6"/>
-          <p:cNvSpPr txBox="1"/>
-          <p:nvPr/>
-        </p:nvSpPr>
-        <p:spPr>
-          <a:xfrm>
-            <a:off x="1028700" y="885825"/>
-            <a:ext cx="10894822" cy="1194718"/>
-          </a:xfrm>
-          <a:prstGeom prst="rect">
-            <a:avLst/>
-          </a:prstGeom>
-        </p:spPr>
-        <p:txBody>
-          <a:bodyPr lIns="0" tIns="0" rIns="0" bIns="0" rtlCol="0" anchor="t">
-            <a:spAutoFit/>
-          </a:bodyPr>
-          <a:lstStyle/>
-          <a:p>
-            <a:pPr algn="l">
-              <a:lnSpc>
-                <a:spcPts val="9666"/>
-              </a:lnSpc>
-            </a:pPr>
-            <a:r>
-              <a:rPr lang="en-US" sz="6904" b="1">
-                <a:solidFill>
-                  <a:srgbClr val="000000"/>
-                </a:solidFill>
-                <a:latin typeface="Public Sans Bold"/>
-                <a:ea typeface="Public Sans Bold"/>
-                <a:cs typeface="Public Sans Bold"/>
-                <a:sym typeface="Public Sans Bold"/>
-              </a:rPr>
-              <a:t>Points techniques </a:t>
-            </a:r>
-          </a:p>
-        </p:txBody>
-      </p:sp>
-      <p:sp>
-        <p:nvSpPr>
-          <p:cNvPr id="7" name="TextBox 7"/>
-          <p:cNvSpPr txBox="1"/>
-          <p:nvPr/>
-        </p:nvSpPr>
-        <p:spPr>
-          <a:xfrm>
-            <a:off x="17584511" y="9694965"/>
-            <a:ext cx="528324" cy="464642"/>
-          </a:xfrm>
-          <a:prstGeom prst="rect">
-            <a:avLst/>
-          </a:prstGeom>
-        </p:spPr>
-        <p:txBody>
-          <a:bodyPr lIns="0" tIns="0" rIns="0" bIns="0" rtlCol="0" anchor="t">
-            <a:spAutoFit/>
-          </a:bodyPr>
-          <a:lstStyle/>
-          <a:p>
-            <a:pPr algn="l">
-              <a:lnSpc>
-                <a:spcPts val="3679"/>
-              </a:lnSpc>
-            </a:pPr>
-            <a:r>
-              <a:rPr lang="en-US" sz="2628" b="1">
-                <a:solidFill>
-                  <a:srgbClr val="000000"/>
-                </a:solidFill>
-                <a:latin typeface="Public Sans Medium"/>
-                <a:ea typeface="Public Sans Medium"/>
-                <a:cs typeface="Public Sans Medium"/>
-                <a:sym typeface="Public Sans Medium"/>
-              </a:rPr>
-              <a:t>4</a:t>
-            </a:r>
-          </a:p>
-        </p:txBody>
-      </p:sp>
-    </p:spTree>
-  </p:cSld>
-  <p:clrMapOvr>
-    <a:masterClrMapping/>
-  </p:clrMapOvr>
-</p:sld>
-</file>
-
-<file path=ppt/slides/slide7.xml><?xml version="1.0" encoding="utf-8"?>
-<p:sld xmlns:a="http://schemas.openxmlformats.org/drawingml/2006/main" xmlns:r="http://schemas.openxmlformats.org/officeDocument/2006/relationships" xmlns:p="http://schemas.openxmlformats.org/presentationml/2006/main">
-  <p:cSld>
-    <p:spTree>
-      <p:nvGrpSpPr>
-        <p:cNvPr id="1" name=""/>
-        <p:cNvGrpSpPr/>
-        <p:nvPr/>
-      </p:nvGrpSpPr>
-      <p:grpSpPr>
-        <a:xfrm>
-          <a:off x="0" y="0"/>
-          <a:ext cx="0" cy="0"/>
-          <a:chOff x="0" y="0"/>
-          <a:chExt cx="0" cy="0"/>
-        </a:xfrm>
-      </p:grpSpPr>
-      <p:sp>
-        <p:nvSpPr>
-          <p:cNvPr id="2" name="TextBox 2"/>
-          <p:cNvSpPr txBox="1"/>
-          <p:nvPr/>
-        </p:nvSpPr>
-        <p:spPr>
-          <a:xfrm>
-            <a:off x="1028700" y="885825"/>
-            <a:ext cx="10894822" cy="1194718"/>
-          </a:xfrm>
-          <a:prstGeom prst="rect">
-            <a:avLst/>
-          </a:prstGeom>
-        </p:spPr>
-        <p:txBody>
-          <a:bodyPr lIns="0" tIns="0" rIns="0" bIns="0" rtlCol="0" anchor="t">
-            <a:spAutoFit/>
-          </a:bodyPr>
-          <a:lstStyle/>
-          <a:p>
-            <a:pPr algn="l">
-              <a:lnSpc>
-                <a:spcPts val="9666"/>
-              </a:lnSpc>
-            </a:pPr>
-            <a:r>
-              <a:rPr lang="en-US" sz="6904" b="1">
-                <a:solidFill>
-                  <a:srgbClr val="000000"/>
-                </a:solidFill>
-                <a:latin typeface="Public Sans Bold"/>
-                <a:ea typeface="Public Sans Bold"/>
-                <a:cs typeface="Public Sans Bold"/>
-                <a:sym typeface="Public Sans Bold"/>
-              </a:rPr>
-              <a:t>Conclusion</a:t>
-            </a:r>
-          </a:p>
-        </p:txBody>
-      </p:sp>
-      <p:sp>
-        <p:nvSpPr>
-          <p:cNvPr id="3" name="TextBox 3"/>
-          <p:cNvSpPr txBox="1"/>
-          <p:nvPr/>
-        </p:nvSpPr>
-        <p:spPr>
-          <a:xfrm>
-            <a:off x="17584511" y="9694965"/>
-            <a:ext cx="528324" cy="464642"/>
-          </a:xfrm>
-          <a:prstGeom prst="rect">
-            <a:avLst/>
-          </a:prstGeom>
-        </p:spPr>
-        <p:txBody>
-          <a:bodyPr lIns="0" tIns="0" rIns="0" bIns="0" rtlCol="0" anchor="t">
-            <a:spAutoFit/>
-          </a:bodyPr>
-          <a:lstStyle/>
-          <a:p>
-            <a:pPr algn="l">
-              <a:lnSpc>
-                <a:spcPts val="3679"/>
-              </a:lnSpc>
-            </a:pPr>
-            <a:r>
-              <a:rPr lang="en-US" sz="2628" b="1">
-                <a:solidFill>
-                  <a:srgbClr val="000000"/>
-                </a:solidFill>
-                <a:latin typeface="Public Sans Medium"/>
-                <a:ea typeface="Public Sans Medium"/>
-                <a:cs typeface="Public Sans Medium"/>
-                <a:sym typeface="Public Sans Medium"/>
-              </a:rPr>
-              <a:t>4</a:t>
-            </a:r>
-          </a:p>
-        </p:txBody>
-      </p:sp>
-      <p:sp>
-        <p:nvSpPr>
-          <p:cNvPr id="4" name="Freeform 4"/>
-          <p:cNvSpPr/>
-          <p:nvPr/>
-        </p:nvSpPr>
-        <p:spPr>
-          <a:xfrm rot="-5400000">
-            <a:off x="-1070809" y="7755567"/>
-            <a:ext cx="3657600" cy="1150481"/>
-          </a:xfrm>
-          <a:custGeom>
-            <a:avLst/>
-            <a:gdLst/>
-            <a:ahLst/>
-            <a:cxnLst/>
-            <a:rect l="l" t="t" r="r" b="b"/>
-            <a:pathLst>
-              <a:path w="3657600" h="1150481">
-                <a:moveTo>
-                  <a:pt x="0" y="0"/>
-                </a:moveTo>
-                <a:lnTo>
-                  <a:pt x="3657600" y="0"/>
-                </a:lnTo>
-                <a:lnTo>
-                  <a:pt x="3657600" y="1150481"/>
-                </a:lnTo>
-                <a:lnTo>
-                  <a:pt x="0" y="1150481"/>
-                </a:lnTo>
-                <a:lnTo>
-                  <a:pt x="0" y="0"/>
-                </a:lnTo>
-                <a:close/>
-              </a:path>
-            </a:pathLst>
-          </a:custGeom>
-          <a:blipFill>
-            <a:blip r:embed="rId2">
-              <a:extLst>
-                <a:ext uri="{96DAC541-7B7A-43D3-8B79-37D633B846F1}">
-                  <asvg:svgBlip xmlns:asvg="http://schemas.microsoft.com/office/drawing/2016/SVG/main" r:embed="rId3"/>
-                </a:ext>
-              </a:extLst>
-            </a:blip>
-            <a:stretch>
-              <a:fillRect/>
-            </a:stretch>
-          </a:blipFill>
-        </p:spPr>
-      </p:sp>
-      <p:sp>
-        <p:nvSpPr>
-          <p:cNvPr id="5" name="Freeform 5"/>
-          <p:cNvSpPr/>
-          <p:nvPr/>
-        </p:nvSpPr>
-        <p:spPr>
-          <a:xfrm rot="-6201679">
-            <a:off x="14072535" y="-2797463"/>
-            <a:ext cx="6773271" cy="6773271"/>
-          </a:xfrm>
-          <a:custGeom>
-            <a:avLst/>
-            <a:gdLst/>
-            <a:ahLst/>
-            <a:cxnLst/>
-            <a:rect l="l" t="t" r="r" b="b"/>
-            <a:pathLst>
-              <a:path w="6773271" h="6773271">
-                <a:moveTo>
-                  <a:pt x="0" y="0"/>
-                </a:moveTo>
-                <a:lnTo>
-                  <a:pt x="6773271" y="0"/>
-                </a:lnTo>
-                <a:lnTo>
-                  <a:pt x="6773271" y="6773271"/>
-                </a:lnTo>
-                <a:lnTo>
-                  <a:pt x="0" y="6773271"/>
-                </a:lnTo>
-                <a:lnTo>
-                  <a:pt x="0" y="0"/>
-                </a:lnTo>
-                <a:close/>
-              </a:path>
-            </a:pathLst>
-          </a:custGeom>
-          <a:blipFill>
-            <a:blip r:embed="rId4">
-              <a:extLst>
-                <a:ext uri="{96DAC541-7B7A-43D3-8B79-37D633B846F1}">
-                  <asvg:svgBlip xmlns:asvg="http://schemas.microsoft.com/office/drawing/2016/SVG/main" r:embed="rId5"/>
-                </a:ext>
-              </a:extLst>
-            </a:blip>
-            <a:stretch>
-              <a:fillRect/>
-            </a:stretch>
-          </a:blipFill>
-        </p:spPr>
-      </p:sp>
-      <p:sp>
-        <p:nvSpPr>
-          <p:cNvPr id="6" name="TextBox 6"/>
-          <p:cNvSpPr txBox="1"/>
-          <p:nvPr/>
-        </p:nvSpPr>
-        <p:spPr>
-          <a:xfrm>
-            <a:off x="3659743" y="4312197"/>
-            <a:ext cx="10968513" cy="2333545"/>
-          </a:xfrm>
-          <a:prstGeom prst="rect">
-            <a:avLst/>
-          </a:prstGeom>
-        </p:spPr>
-        <p:txBody>
-          <a:bodyPr lIns="0" tIns="0" rIns="0" bIns="0" rtlCol="0" anchor="t">
-            <a:spAutoFit/>
-          </a:bodyPr>
-          <a:lstStyle/>
-          <a:p>
-            <a:pPr algn="just">
-              <a:lnSpc>
-                <a:spcPts val="3679"/>
-              </a:lnSpc>
-            </a:pPr>
-            <a:r>
-              <a:rPr lang="en-US" sz="2628" b="1">
-                <a:solidFill>
-                  <a:srgbClr val="000000"/>
-                </a:solidFill>
-                <a:latin typeface="Public Sans Medium"/>
-                <a:ea typeface="Public Sans Medium"/>
-                <a:cs typeface="Public Sans Medium"/>
-                <a:sym typeface="Public Sans Medium"/>
-              </a:rPr>
-              <a:t>Bilan riche en apprentissages techniques.</a:t>
-            </a:r>
-          </a:p>
-          <a:p>
-            <a:pPr algn="just">
-              <a:lnSpc>
-                <a:spcPts val="3679"/>
-              </a:lnSpc>
-            </a:pPr>
-            <a:endParaRPr lang="en-US" sz="2628" b="1">
-              <a:solidFill>
-                <a:srgbClr val="000000"/>
-              </a:solidFill>
-              <a:latin typeface="Public Sans Medium"/>
-              <a:ea typeface="Public Sans Medium"/>
-              <a:cs typeface="Public Sans Medium"/>
-              <a:sym typeface="Public Sans Medium"/>
-            </a:endParaRPr>
-          </a:p>
-          <a:p>
-            <a:pPr algn="just">
-              <a:lnSpc>
-                <a:spcPts val="3679"/>
-              </a:lnSpc>
-            </a:pPr>
-            <a:r>
-              <a:rPr lang="en-US" sz="2628" b="1">
-                <a:solidFill>
-                  <a:srgbClr val="000000"/>
-                </a:solidFill>
-                <a:latin typeface="Public Sans Medium"/>
-                <a:ea typeface="Public Sans Medium"/>
-                <a:cs typeface="Public Sans Medium"/>
-                <a:sym typeface="Public Sans Medium"/>
-              </a:rPr>
-              <a:t>Prochaines étapes : déploiement commercial, améliorations fonctionnelles et intégration d'IA.</a:t>
-            </a:r>
-          </a:p>
-          <a:p>
-            <a:pPr algn="just">
-              <a:lnSpc>
-                <a:spcPts val="3679"/>
-              </a:lnSpc>
-            </a:pPr>
-            <a:endParaRPr lang="en-US" sz="2628" b="1">
-              <a:solidFill>
-                <a:srgbClr val="000000"/>
-              </a:solidFill>
-              <a:latin typeface="Public Sans Medium"/>
-              <a:ea typeface="Public Sans Medium"/>
-              <a:cs typeface="Public Sans Medium"/>
-              <a:sym typeface="Public Sans Medium"/>
-            </a:endParaRPr>
-          </a:p>
-        </p:txBody>
-      </p:sp>
-    </p:spTree>
-  </p:cSld>
-  <p:clrMapOvr>
-    <a:masterClrMapping/>
-  </p:clrMapOvr>
-</p:sld>
-</file>
-
-<file path=ppt/slides/slide8.xml><?xml version="1.0" encoding="utf-8"?>
+<file path=ppt/slides/slide10.xml><?xml version="1.0" encoding="utf-8"?>
 <p:sld xmlns:a="http://schemas.openxmlformats.org/drawingml/2006/main" xmlns:r="http://schemas.openxmlformats.org/officeDocument/2006/relationships" xmlns:p="http://schemas.openxmlformats.org/presentationml/2006/main">
   <p:cSld>
     <p:spTree>
@@ -7767,6 +5870,4472 @@
 </p:sld>
 </file>
 
+<file path=ppt/slides/slide2.xml><?xml version="1.0" encoding="utf-8"?>
+<p:sld xmlns:a="http://schemas.openxmlformats.org/drawingml/2006/main" xmlns:r="http://schemas.openxmlformats.org/officeDocument/2006/relationships" xmlns:p="http://schemas.openxmlformats.org/presentationml/2006/main">
+  <p:cSld>
+    <p:spTree>
+      <p:nvGrpSpPr>
+        <p:cNvPr id="1" name=""/>
+        <p:cNvGrpSpPr/>
+        <p:nvPr/>
+      </p:nvGrpSpPr>
+      <p:grpSpPr>
+        <a:xfrm>
+          <a:off x="0" y="0"/>
+          <a:ext cx="0" cy="0"/>
+          <a:chOff x="0" y="0"/>
+          <a:chExt cx="0" cy="0"/>
+        </a:xfrm>
+      </p:grpSpPr>
+      <p:sp>
+        <p:nvSpPr>
+          <p:cNvPr id="2" name="Freeform 2"/>
+          <p:cNvSpPr/>
+          <p:nvPr/>
+        </p:nvSpPr>
+        <p:spPr>
+          <a:xfrm>
+            <a:off x="-1358182" y="6321765"/>
+            <a:ext cx="5580400" cy="5580400"/>
+          </a:xfrm>
+          <a:custGeom>
+            <a:avLst/>
+            <a:gdLst/>
+            <a:ahLst/>
+            <a:cxnLst/>
+            <a:rect l="l" t="t" r="r" b="b"/>
+            <a:pathLst>
+              <a:path w="5580400" h="5580400">
+                <a:moveTo>
+                  <a:pt x="0" y="0"/>
+                </a:moveTo>
+                <a:lnTo>
+                  <a:pt x="5580401" y="0"/>
+                </a:lnTo>
+                <a:lnTo>
+                  <a:pt x="5580401" y="5580400"/>
+                </a:lnTo>
+                <a:lnTo>
+                  <a:pt x="0" y="5580400"/>
+                </a:lnTo>
+                <a:lnTo>
+                  <a:pt x="0" y="0"/>
+                </a:lnTo>
+                <a:close/>
+              </a:path>
+            </a:pathLst>
+          </a:custGeom>
+          <a:blipFill>
+            <a:blip r:embed="rId3">
+              <a:extLst>
+                <a:ext uri="{96DAC541-7B7A-43D3-8B79-37D633B846F1}">
+                  <asvg:svgBlip xmlns:asvg="http://schemas.microsoft.com/office/drawing/2016/SVG/main" r:embed="rId4"/>
+                </a:ext>
+              </a:extLst>
+            </a:blip>
+            <a:stretch>
+              <a:fillRect/>
+            </a:stretch>
+          </a:blipFill>
+        </p:spPr>
+      </p:sp>
+      <p:sp>
+        <p:nvSpPr>
+          <p:cNvPr id="3" name="Freeform 3"/>
+          <p:cNvSpPr/>
+          <p:nvPr/>
+        </p:nvSpPr>
+        <p:spPr>
+          <a:xfrm>
+            <a:off x="11287843" y="4041178"/>
+            <a:ext cx="1637054" cy="1637054"/>
+          </a:xfrm>
+          <a:custGeom>
+            <a:avLst/>
+            <a:gdLst/>
+            <a:ahLst/>
+            <a:cxnLst/>
+            <a:rect l="l" t="t" r="r" b="b"/>
+            <a:pathLst>
+              <a:path w="1637054" h="1637054">
+                <a:moveTo>
+                  <a:pt x="0" y="0"/>
+                </a:moveTo>
+                <a:lnTo>
+                  <a:pt x="1637053" y="0"/>
+                </a:lnTo>
+                <a:lnTo>
+                  <a:pt x="1637053" y="1637053"/>
+                </a:lnTo>
+                <a:lnTo>
+                  <a:pt x="0" y="1637053"/>
+                </a:lnTo>
+                <a:lnTo>
+                  <a:pt x="0" y="0"/>
+                </a:lnTo>
+                <a:close/>
+              </a:path>
+            </a:pathLst>
+          </a:custGeom>
+          <a:blipFill>
+            <a:blip r:embed="rId5"/>
+            <a:stretch>
+              <a:fillRect/>
+            </a:stretch>
+          </a:blipFill>
+        </p:spPr>
+      </p:sp>
+      <p:sp>
+        <p:nvSpPr>
+          <p:cNvPr id="4" name="Freeform 4"/>
+          <p:cNvSpPr/>
+          <p:nvPr/>
+        </p:nvSpPr>
+        <p:spPr>
+          <a:xfrm>
+            <a:off x="12924896" y="1945536"/>
+            <a:ext cx="1772061" cy="1772061"/>
+          </a:xfrm>
+          <a:custGeom>
+            <a:avLst/>
+            <a:gdLst/>
+            <a:ahLst/>
+            <a:cxnLst/>
+            <a:rect l="l" t="t" r="r" b="b"/>
+            <a:pathLst>
+              <a:path w="1772061" h="1772061">
+                <a:moveTo>
+                  <a:pt x="0" y="0"/>
+                </a:moveTo>
+                <a:lnTo>
+                  <a:pt x="1772061" y="0"/>
+                </a:lnTo>
+                <a:lnTo>
+                  <a:pt x="1772061" y="1772060"/>
+                </a:lnTo>
+                <a:lnTo>
+                  <a:pt x="0" y="1772060"/>
+                </a:lnTo>
+                <a:lnTo>
+                  <a:pt x="0" y="0"/>
+                </a:lnTo>
+                <a:close/>
+              </a:path>
+            </a:pathLst>
+          </a:custGeom>
+          <a:blipFill>
+            <a:blip r:embed="rId6"/>
+            <a:stretch>
+              <a:fillRect/>
+            </a:stretch>
+          </a:blipFill>
+        </p:spPr>
+      </p:sp>
+      <p:sp>
+        <p:nvSpPr>
+          <p:cNvPr id="5" name="Freeform 5"/>
+          <p:cNvSpPr/>
+          <p:nvPr/>
+        </p:nvSpPr>
+        <p:spPr>
+          <a:xfrm>
+            <a:off x="14469643" y="3717596"/>
+            <a:ext cx="2581036" cy="2284217"/>
+          </a:xfrm>
+          <a:custGeom>
+            <a:avLst/>
+            <a:gdLst/>
+            <a:ahLst/>
+            <a:cxnLst/>
+            <a:rect l="l" t="t" r="r" b="b"/>
+            <a:pathLst>
+              <a:path w="2581036" h="2284217">
+                <a:moveTo>
+                  <a:pt x="0" y="0"/>
+                </a:moveTo>
+                <a:lnTo>
+                  <a:pt x="2581035" y="0"/>
+                </a:lnTo>
+                <a:lnTo>
+                  <a:pt x="2581035" y="2284217"/>
+                </a:lnTo>
+                <a:lnTo>
+                  <a:pt x="0" y="2284217"/>
+                </a:lnTo>
+                <a:lnTo>
+                  <a:pt x="0" y="0"/>
+                </a:lnTo>
+                <a:close/>
+              </a:path>
+            </a:pathLst>
+          </a:custGeom>
+          <a:blipFill>
+            <a:blip r:embed="rId7"/>
+            <a:stretch>
+              <a:fillRect/>
+            </a:stretch>
+          </a:blipFill>
+        </p:spPr>
+      </p:sp>
+      <p:sp>
+        <p:nvSpPr>
+          <p:cNvPr id="6" name="Freeform 6"/>
+          <p:cNvSpPr/>
+          <p:nvPr/>
+        </p:nvSpPr>
+        <p:spPr>
+          <a:xfrm>
+            <a:off x="13061999" y="5678231"/>
+            <a:ext cx="1634958" cy="1634958"/>
+          </a:xfrm>
+          <a:custGeom>
+            <a:avLst/>
+            <a:gdLst/>
+            <a:ahLst/>
+            <a:cxnLst/>
+            <a:rect l="l" t="t" r="r" b="b"/>
+            <a:pathLst>
+              <a:path w="1634958" h="1634958">
+                <a:moveTo>
+                  <a:pt x="0" y="0"/>
+                </a:moveTo>
+                <a:lnTo>
+                  <a:pt x="1634958" y="0"/>
+                </a:lnTo>
+                <a:lnTo>
+                  <a:pt x="1634958" y="1634958"/>
+                </a:lnTo>
+                <a:lnTo>
+                  <a:pt x="0" y="1634958"/>
+                </a:lnTo>
+                <a:lnTo>
+                  <a:pt x="0" y="0"/>
+                </a:lnTo>
+                <a:close/>
+              </a:path>
+            </a:pathLst>
+          </a:custGeom>
+          <a:blipFill>
+            <a:blip r:embed="rId8"/>
+            <a:stretch>
+              <a:fillRect/>
+            </a:stretch>
+          </a:blipFill>
+        </p:spPr>
+      </p:sp>
+      <p:sp>
+        <p:nvSpPr>
+          <p:cNvPr id="7" name="TextBox 7"/>
+          <p:cNvSpPr txBox="1"/>
+          <p:nvPr/>
+        </p:nvSpPr>
+        <p:spPr>
+          <a:xfrm>
+            <a:off x="1028700" y="885825"/>
+            <a:ext cx="5783195" cy="1194718"/>
+          </a:xfrm>
+          <a:prstGeom prst="rect">
+            <a:avLst/>
+          </a:prstGeom>
+        </p:spPr>
+        <p:txBody>
+          <a:bodyPr lIns="0" tIns="0" rIns="0" bIns="0" rtlCol="0" anchor="t">
+            <a:spAutoFit/>
+          </a:bodyPr>
+          <a:lstStyle/>
+          <a:p>
+            <a:pPr algn="l">
+              <a:lnSpc>
+                <a:spcPts val="9666"/>
+              </a:lnSpc>
+            </a:pPr>
+            <a:r>
+              <a:rPr lang="en-US" sz="6904" b="1">
+                <a:solidFill>
+                  <a:srgbClr val="000000"/>
+                </a:solidFill>
+                <a:latin typeface="Public Sans Bold"/>
+                <a:ea typeface="Public Sans Bold"/>
+                <a:cs typeface="Public Sans Bold"/>
+                <a:sym typeface="Public Sans Bold"/>
+              </a:rPr>
+              <a:t>Introduction</a:t>
+            </a:r>
+          </a:p>
+        </p:txBody>
+      </p:sp>
+      <p:sp>
+        <p:nvSpPr>
+          <p:cNvPr id="8" name="TextBox 8"/>
+          <p:cNvSpPr txBox="1"/>
+          <p:nvPr/>
+        </p:nvSpPr>
+        <p:spPr>
+          <a:xfrm>
+            <a:off x="1028700" y="2337612"/>
+            <a:ext cx="8714396" cy="2333545"/>
+          </a:xfrm>
+          <a:prstGeom prst="rect">
+            <a:avLst/>
+          </a:prstGeom>
+        </p:spPr>
+        <p:txBody>
+          <a:bodyPr lIns="0" tIns="0" rIns="0" bIns="0" rtlCol="0" anchor="t">
+            <a:spAutoFit/>
+          </a:bodyPr>
+          <a:lstStyle/>
+          <a:p>
+            <a:pPr algn="just">
+              <a:lnSpc>
+                <a:spcPts val="3679"/>
+              </a:lnSpc>
+            </a:pPr>
+            <a:r>
+              <a:rPr lang="en-US" sz="2628" b="1">
+                <a:solidFill>
+                  <a:srgbClr val="000000"/>
+                </a:solidFill>
+                <a:latin typeface="Public Sans Medium"/>
+                <a:ea typeface="Public Sans Medium"/>
+                <a:cs typeface="Public Sans Medium"/>
+                <a:sym typeface="Public Sans Medium"/>
+              </a:rPr>
+              <a:t>Application de gestion pour petits garages : factures, devis, clients, véhicules et inventaire.</a:t>
+            </a:r>
+          </a:p>
+          <a:p>
+            <a:pPr algn="just">
+              <a:lnSpc>
+                <a:spcPts val="3679"/>
+              </a:lnSpc>
+            </a:pPr>
+            <a:endParaRPr lang="en-US" sz="2628" b="1">
+              <a:solidFill>
+                <a:srgbClr val="000000"/>
+              </a:solidFill>
+              <a:latin typeface="Public Sans Medium"/>
+              <a:ea typeface="Public Sans Medium"/>
+              <a:cs typeface="Public Sans Medium"/>
+              <a:sym typeface="Public Sans Medium"/>
+            </a:endParaRPr>
+          </a:p>
+          <a:p>
+            <a:pPr algn="just">
+              <a:lnSpc>
+                <a:spcPts val="3679"/>
+              </a:lnSpc>
+            </a:pPr>
+            <a:r>
+              <a:rPr lang="en-US" sz="2628" b="1">
+                <a:solidFill>
+                  <a:srgbClr val="000000"/>
+                </a:solidFill>
+                <a:latin typeface="Public Sans Medium"/>
+                <a:ea typeface="Public Sans Medium"/>
+                <a:cs typeface="Public Sans Medium"/>
+                <a:sym typeface="Public Sans Medium"/>
+              </a:rPr>
+              <a:t>Basée sur les technologies cloud pour une solution moderne et accessible.</a:t>
+            </a:r>
+          </a:p>
+        </p:txBody>
+      </p:sp>
+      <p:sp>
+        <p:nvSpPr>
+          <p:cNvPr id="9" name="TextBox 9"/>
+          <p:cNvSpPr txBox="1"/>
+          <p:nvPr/>
+        </p:nvSpPr>
+        <p:spPr>
+          <a:xfrm>
+            <a:off x="17584511" y="9694965"/>
+            <a:ext cx="528324" cy="464642"/>
+          </a:xfrm>
+          <a:prstGeom prst="rect">
+            <a:avLst/>
+          </a:prstGeom>
+        </p:spPr>
+        <p:txBody>
+          <a:bodyPr lIns="0" tIns="0" rIns="0" bIns="0" rtlCol="0" anchor="t">
+            <a:spAutoFit/>
+          </a:bodyPr>
+          <a:lstStyle/>
+          <a:p>
+            <a:pPr algn="l">
+              <a:lnSpc>
+                <a:spcPts val="3679"/>
+              </a:lnSpc>
+            </a:pPr>
+            <a:r>
+              <a:rPr lang="en-US" sz="2628" b="1">
+                <a:solidFill>
+                  <a:srgbClr val="000000"/>
+                </a:solidFill>
+                <a:latin typeface="Public Sans Medium"/>
+                <a:ea typeface="Public Sans Medium"/>
+                <a:cs typeface="Public Sans Medium"/>
+                <a:sym typeface="Public Sans Medium"/>
+              </a:rPr>
+              <a:t>1</a:t>
+            </a:r>
+          </a:p>
+        </p:txBody>
+      </p:sp>
+    </p:spTree>
+  </p:cSld>
+  <p:clrMapOvr>
+    <a:masterClrMapping/>
+  </p:clrMapOvr>
+  <p:timing>
+    <p:tnLst>
+      <p:par>
+        <p:cTn id="1" dur="indefinite" restart="never" nodeType="tmRoot">
+          <p:childTnLst>
+            <p:seq concurrent="1" nextAc="seek">
+              <p:cTn id="2" dur="indefinite" nodeType="mainSeq">
+                <p:childTnLst>
+                  <p:par>
+                    <p:cTn id="3" fill="hold">
+                      <p:stCondLst>
+                        <p:cond delay="indefinite"/>
+                        <p:cond evt="onBegin" delay="0">
+                          <p:tn val="2"/>
+                        </p:cond>
+                      </p:stCondLst>
+                      <p:childTnLst>
+                        <p:par>
+                          <p:cTn id="4" fill="hold">
+                            <p:stCondLst>
+                              <p:cond delay="0"/>
+                            </p:stCondLst>
+                            <p:childTnLst>
+                              <p:par>
+                                <p:cTn id="5" presetID="53" presetClass="entr" presetSubtype="16" fill="hold" nodeType="withEffect">
+                                  <p:stCondLst>
+                                    <p:cond delay="0"/>
+                                  </p:stCondLst>
+                                  <p:childTnLst>
+                                    <p:set>
+                                      <p:cBhvr>
+                                        <p:cTn id="6" dur="1" fill="hold">
+                                          <p:stCondLst>
+                                            <p:cond delay="0"/>
+                                          </p:stCondLst>
+                                        </p:cTn>
+                                        <p:tgtEl>
+                                          <p:spTgt spid="4"/>
+                                        </p:tgtEl>
+                                        <p:attrNameLst>
+                                          <p:attrName>style.visibility</p:attrName>
+                                        </p:attrNameLst>
+                                      </p:cBhvr>
+                                      <p:to>
+                                        <p:strVal val="visible"/>
+                                      </p:to>
+                                    </p:set>
+                                    <p:anim calcmode="lin" valueType="num">
+                                      <p:cBhvr>
+                                        <p:cTn id="7" dur="500" fill="hold"/>
+                                        <p:tgtEl>
+                                          <p:spTgt spid="4"/>
+                                        </p:tgtEl>
+                                        <p:attrNameLst>
+                                          <p:attrName>ppt_w</p:attrName>
+                                        </p:attrNameLst>
+                                      </p:cBhvr>
+                                      <p:tavLst>
+                                        <p:tav tm="0">
+                                          <p:val>
+                                            <p:fltVal val="0"/>
+                                          </p:val>
+                                        </p:tav>
+                                        <p:tav tm="100000">
+                                          <p:val>
+                                            <p:strVal val="#ppt_w"/>
+                                          </p:val>
+                                        </p:tav>
+                                      </p:tavLst>
+                                    </p:anim>
+                                    <p:anim calcmode="lin" valueType="num">
+                                      <p:cBhvr>
+                                        <p:cTn id="8" dur="500" fill="hold"/>
+                                        <p:tgtEl>
+                                          <p:spTgt spid="4"/>
+                                        </p:tgtEl>
+                                        <p:attrNameLst>
+                                          <p:attrName>ppt_h</p:attrName>
+                                        </p:attrNameLst>
+                                      </p:cBhvr>
+                                      <p:tavLst>
+                                        <p:tav tm="0">
+                                          <p:val>
+                                            <p:fltVal val="0"/>
+                                          </p:val>
+                                        </p:tav>
+                                        <p:tav tm="100000">
+                                          <p:val>
+                                            <p:strVal val="#ppt_h"/>
+                                          </p:val>
+                                        </p:tav>
+                                      </p:tavLst>
+                                    </p:anim>
+                                    <p:animEffect transition="in" filter="fade">
+                                      <p:cBhvr>
+                                        <p:cTn id="9" dur="500"/>
+                                        <p:tgtEl>
+                                          <p:spTgt spid="4"/>
+                                        </p:tgtEl>
+                                      </p:cBhvr>
+                                    </p:animEffect>
+                                  </p:childTnLst>
+                                </p:cTn>
+                              </p:par>
+                              <p:par>
+                                <p:cTn id="10" presetID="53" presetClass="entr" presetSubtype="16" fill="hold" nodeType="withEffect">
+                                  <p:stCondLst>
+                                    <p:cond delay="0"/>
+                                  </p:stCondLst>
+                                  <p:childTnLst>
+                                    <p:set>
+                                      <p:cBhvr>
+                                        <p:cTn id="11" dur="1" fill="hold">
+                                          <p:stCondLst>
+                                            <p:cond delay="0"/>
+                                          </p:stCondLst>
+                                        </p:cTn>
+                                        <p:tgtEl>
+                                          <p:spTgt spid="3"/>
+                                        </p:tgtEl>
+                                        <p:attrNameLst>
+                                          <p:attrName>style.visibility</p:attrName>
+                                        </p:attrNameLst>
+                                      </p:cBhvr>
+                                      <p:to>
+                                        <p:strVal val="visible"/>
+                                      </p:to>
+                                    </p:set>
+                                    <p:anim calcmode="lin" valueType="num">
+                                      <p:cBhvr>
+                                        <p:cTn id="12" dur="500" fill="hold"/>
+                                        <p:tgtEl>
+                                          <p:spTgt spid="3"/>
+                                        </p:tgtEl>
+                                        <p:attrNameLst>
+                                          <p:attrName>ppt_w</p:attrName>
+                                        </p:attrNameLst>
+                                      </p:cBhvr>
+                                      <p:tavLst>
+                                        <p:tav tm="0">
+                                          <p:val>
+                                            <p:fltVal val="0"/>
+                                          </p:val>
+                                        </p:tav>
+                                        <p:tav tm="100000">
+                                          <p:val>
+                                            <p:strVal val="#ppt_w"/>
+                                          </p:val>
+                                        </p:tav>
+                                      </p:tavLst>
+                                    </p:anim>
+                                    <p:anim calcmode="lin" valueType="num">
+                                      <p:cBhvr>
+                                        <p:cTn id="13" dur="500" fill="hold"/>
+                                        <p:tgtEl>
+                                          <p:spTgt spid="3"/>
+                                        </p:tgtEl>
+                                        <p:attrNameLst>
+                                          <p:attrName>ppt_h</p:attrName>
+                                        </p:attrNameLst>
+                                      </p:cBhvr>
+                                      <p:tavLst>
+                                        <p:tav tm="0">
+                                          <p:val>
+                                            <p:fltVal val="0"/>
+                                          </p:val>
+                                        </p:tav>
+                                        <p:tav tm="100000">
+                                          <p:val>
+                                            <p:strVal val="#ppt_h"/>
+                                          </p:val>
+                                        </p:tav>
+                                      </p:tavLst>
+                                    </p:anim>
+                                    <p:animEffect transition="in" filter="fade">
+                                      <p:cBhvr>
+                                        <p:cTn id="14" dur="500"/>
+                                        <p:tgtEl>
+                                          <p:spTgt spid="3"/>
+                                        </p:tgtEl>
+                                      </p:cBhvr>
+                                    </p:animEffect>
+                                  </p:childTnLst>
+                                </p:cTn>
+                              </p:par>
+                              <p:par>
+                                <p:cTn id="15" presetID="53" presetClass="entr" presetSubtype="16" fill="hold" nodeType="withEffect">
+                                  <p:stCondLst>
+                                    <p:cond delay="0"/>
+                                  </p:stCondLst>
+                                  <p:childTnLst>
+                                    <p:set>
+                                      <p:cBhvr>
+                                        <p:cTn id="16" dur="1" fill="hold">
+                                          <p:stCondLst>
+                                            <p:cond delay="0"/>
+                                          </p:stCondLst>
+                                        </p:cTn>
+                                        <p:tgtEl>
+                                          <p:spTgt spid="6"/>
+                                        </p:tgtEl>
+                                        <p:attrNameLst>
+                                          <p:attrName>style.visibility</p:attrName>
+                                        </p:attrNameLst>
+                                      </p:cBhvr>
+                                      <p:to>
+                                        <p:strVal val="visible"/>
+                                      </p:to>
+                                    </p:set>
+                                    <p:anim calcmode="lin" valueType="num">
+                                      <p:cBhvr>
+                                        <p:cTn id="17" dur="500" fill="hold"/>
+                                        <p:tgtEl>
+                                          <p:spTgt spid="6"/>
+                                        </p:tgtEl>
+                                        <p:attrNameLst>
+                                          <p:attrName>ppt_w</p:attrName>
+                                        </p:attrNameLst>
+                                      </p:cBhvr>
+                                      <p:tavLst>
+                                        <p:tav tm="0">
+                                          <p:val>
+                                            <p:fltVal val="0"/>
+                                          </p:val>
+                                        </p:tav>
+                                        <p:tav tm="100000">
+                                          <p:val>
+                                            <p:strVal val="#ppt_w"/>
+                                          </p:val>
+                                        </p:tav>
+                                      </p:tavLst>
+                                    </p:anim>
+                                    <p:anim calcmode="lin" valueType="num">
+                                      <p:cBhvr>
+                                        <p:cTn id="18" dur="500" fill="hold"/>
+                                        <p:tgtEl>
+                                          <p:spTgt spid="6"/>
+                                        </p:tgtEl>
+                                        <p:attrNameLst>
+                                          <p:attrName>ppt_h</p:attrName>
+                                        </p:attrNameLst>
+                                      </p:cBhvr>
+                                      <p:tavLst>
+                                        <p:tav tm="0">
+                                          <p:val>
+                                            <p:fltVal val="0"/>
+                                          </p:val>
+                                        </p:tav>
+                                        <p:tav tm="100000">
+                                          <p:val>
+                                            <p:strVal val="#ppt_h"/>
+                                          </p:val>
+                                        </p:tav>
+                                      </p:tavLst>
+                                    </p:anim>
+                                    <p:animEffect transition="in" filter="fade">
+                                      <p:cBhvr>
+                                        <p:cTn id="19" dur="500"/>
+                                        <p:tgtEl>
+                                          <p:spTgt spid="6"/>
+                                        </p:tgtEl>
+                                      </p:cBhvr>
+                                    </p:animEffect>
+                                  </p:childTnLst>
+                                </p:cTn>
+                              </p:par>
+                              <p:par>
+                                <p:cTn id="20" presetID="53" presetClass="entr" presetSubtype="16" fill="hold" nodeType="withEffect">
+                                  <p:stCondLst>
+                                    <p:cond delay="0"/>
+                                  </p:stCondLst>
+                                  <p:childTnLst>
+                                    <p:set>
+                                      <p:cBhvr>
+                                        <p:cTn id="21" dur="1" fill="hold">
+                                          <p:stCondLst>
+                                            <p:cond delay="0"/>
+                                          </p:stCondLst>
+                                        </p:cTn>
+                                        <p:tgtEl>
+                                          <p:spTgt spid="5"/>
+                                        </p:tgtEl>
+                                        <p:attrNameLst>
+                                          <p:attrName>style.visibility</p:attrName>
+                                        </p:attrNameLst>
+                                      </p:cBhvr>
+                                      <p:to>
+                                        <p:strVal val="visible"/>
+                                      </p:to>
+                                    </p:set>
+                                    <p:anim calcmode="lin" valueType="num">
+                                      <p:cBhvr>
+                                        <p:cTn id="22" dur="500" fill="hold"/>
+                                        <p:tgtEl>
+                                          <p:spTgt spid="5"/>
+                                        </p:tgtEl>
+                                        <p:attrNameLst>
+                                          <p:attrName>ppt_w</p:attrName>
+                                        </p:attrNameLst>
+                                      </p:cBhvr>
+                                      <p:tavLst>
+                                        <p:tav tm="0">
+                                          <p:val>
+                                            <p:fltVal val="0"/>
+                                          </p:val>
+                                        </p:tav>
+                                        <p:tav tm="100000">
+                                          <p:val>
+                                            <p:strVal val="#ppt_w"/>
+                                          </p:val>
+                                        </p:tav>
+                                      </p:tavLst>
+                                    </p:anim>
+                                    <p:anim calcmode="lin" valueType="num">
+                                      <p:cBhvr>
+                                        <p:cTn id="23" dur="500" fill="hold"/>
+                                        <p:tgtEl>
+                                          <p:spTgt spid="5"/>
+                                        </p:tgtEl>
+                                        <p:attrNameLst>
+                                          <p:attrName>ppt_h</p:attrName>
+                                        </p:attrNameLst>
+                                      </p:cBhvr>
+                                      <p:tavLst>
+                                        <p:tav tm="0">
+                                          <p:val>
+                                            <p:fltVal val="0"/>
+                                          </p:val>
+                                        </p:tav>
+                                        <p:tav tm="100000">
+                                          <p:val>
+                                            <p:strVal val="#ppt_h"/>
+                                          </p:val>
+                                        </p:tav>
+                                      </p:tavLst>
+                                    </p:anim>
+                                    <p:animEffect transition="in" filter="fade">
+                                      <p:cBhvr>
+                                        <p:cTn id="24" dur="500"/>
+                                        <p:tgtEl>
+                                          <p:spTgt spid="5"/>
+                                        </p:tgtEl>
+                                      </p:cBhvr>
+                                    </p:animEffect>
+                                  </p:childTnLst>
+                                </p:cTn>
+                              </p:par>
+                            </p:childTnLst>
+                          </p:cTn>
+                        </p:par>
+                      </p:childTnLst>
+                    </p:cTn>
+                  </p:par>
+                </p:childTnLst>
+              </p:cTn>
+              <p:prevCondLst>
+                <p:cond evt="onPrev" delay="0">
+                  <p:tgtEl>
+                    <p:sldTgt/>
+                  </p:tgtEl>
+                </p:cond>
+              </p:prevCondLst>
+              <p:nextCondLst>
+                <p:cond evt="onNext" delay="0">
+                  <p:tgtEl>
+                    <p:sldTgt/>
+                  </p:tgtEl>
+                </p:cond>
+              </p:nextCondLst>
+            </p:seq>
+          </p:childTnLst>
+        </p:cTn>
+      </p:par>
+    </p:tnLst>
+  </p:timing>
+</p:sld>
+</file>
+
+<file path=ppt/slides/slide3.xml><?xml version="1.0" encoding="utf-8"?>
+<p:sld xmlns:a="http://schemas.openxmlformats.org/drawingml/2006/main" xmlns:r="http://schemas.openxmlformats.org/officeDocument/2006/relationships" xmlns:p="http://schemas.openxmlformats.org/presentationml/2006/main">
+  <p:cSld>
+    <p:spTree>
+      <p:nvGrpSpPr>
+        <p:cNvPr id="1" name=""/>
+        <p:cNvGrpSpPr/>
+        <p:nvPr/>
+      </p:nvGrpSpPr>
+      <p:grpSpPr>
+        <a:xfrm>
+          <a:off x="0" y="0"/>
+          <a:ext cx="0" cy="0"/>
+          <a:chOff x="0" y="0"/>
+          <a:chExt cx="0" cy="0"/>
+        </a:xfrm>
+      </p:grpSpPr>
+      <p:sp>
+        <p:nvSpPr>
+          <p:cNvPr id="2" name="Freeform 2"/>
+          <p:cNvSpPr/>
+          <p:nvPr/>
+        </p:nvSpPr>
+        <p:spPr>
+          <a:xfrm rot="-6201679">
+            <a:off x="13021546" y="-1650930"/>
+            <a:ext cx="6773271" cy="6773271"/>
+          </a:xfrm>
+          <a:custGeom>
+            <a:avLst/>
+            <a:gdLst/>
+            <a:ahLst/>
+            <a:cxnLst/>
+            <a:rect l="l" t="t" r="r" b="b"/>
+            <a:pathLst>
+              <a:path w="6773271" h="6773271">
+                <a:moveTo>
+                  <a:pt x="0" y="0"/>
+                </a:moveTo>
+                <a:lnTo>
+                  <a:pt x="6773271" y="0"/>
+                </a:lnTo>
+                <a:lnTo>
+                  <a:pt x="6773271" y="6773271"/>
+                </a:lnTo>
+                <a:lnTo>
+                  <a:pt x="0" y="6773271"/>
+                </a:lnTo>
+                <a:lnTo>
+                  <a:pt x="0" y="0"/>
+                </a:lnTo>
+                <a:close/>
+              </a:path>
+            </a:pathLst>
+          </a:custGeom>
+          <a:blipFill>
+            <a:blip r:embed="rId3">
+              <a:extLst>
+                <a:ext uri="{96DAC541-7B7A-43D3-8B79-37D633B846F1}">
+                  <asvg:svgBlip xmlns:asvg="http://schemas.microsoft.com/office/drawing/2016/SVG/main" r:embed="rId4"/>
+                </a:ext>
+              </a:extLst>
+            </a:blip>
+            <a:stretch>
+              <a:fillRect/>
+            </a:stretch>
+          </a:blipFill>
+        </p:spPr>
+      </p:sp>
+      <p:sp>
+        <p:nvSpPr>
+          <p:cNvPr id="3" name="Freeform 3"/>
+          <p:cNvSpPr/>
+          <p:nvPr/>
+        </p:nvSpPr>
+        <p:spPr>
+          <a:xfrm>
+            <a:off x="8167025" y="5972535"/>
+            <a:ext cx="3152142" cy="3152142"/>
+          </a:xfrm>
+          <a:custGeom>
+            <a:avLst/>
+            <a:gdLst/>
+            <a:ahLst/>
+            <a:cxnLst/>
+            <a:rect l="l" t="t" r="r" b="b"/>
+            <a:pathLst>
+              <a:path w="3152142" h="3152142">
+                <a:moveTo>
+                  <a:pt x="0" y="0"/>
+                </a:moveTo>
+                <a:lnTo>
+                  <a:pt x="3152142" y="0"/>
+                </a:lnTo>
+                <a:lnTo>
+                  <a:pt x="3152142" y="3152142"/>
+                </a:lnTo>
+                <a:lnTo>
+                  <a:pt x="0" y="3152142"/>
+                </a:lnTo>
+                <a:lnTo>
+                  <a:pt x="0" y="0"/>
+                </a:lnTo>
+                <a:close/>
+              </a:path>
+            </a:pathLst>
+          </a:custGeom>
+          <a:blipFill>
+            <a:blip r:embed="rId5"/>
+            <a:stretch>
+              <a:fillRect/>
+            </a:stretch>
+          </a:blipFill>
+        </p:spPr>
+      </p:sp>
+      <p:sp>
+        <p:nvSpPr>
+          <p:cNvPr id="4" name="TextBox 4"/>
+          <p:cNvSpPr txBox="1"/>
+          <p:nvPr/>
+        </p:nvSpPr>
+        <p:spPr>
+          <a:xfrm>
+            <a:off x="1028700" y="885825"/>
+            <a:ext cx="9509428" cy="1194718"/>
+          </a:xfrm>
+          <a:prstGeom prst="rect">
+            <a:avLst/>
+          </a:prstGeom>
+        </p:spPr>
+        <p:txBody>
+          <a:bodyPr lIns="0" tIns="0" rIns="0" bIns="0" rtlCol="0" anchor="t">
+            <a:spAutoFit/>
+          </a:bodyPr>
+          <a:lstStyle/>
+          <a:p>
+            <a:pPr algn="l">
+              <a:lnSpc>
+                <a:spcPts val="9666"/>
+              </a:lnSpc>
+            </a:pPr>
+            <a:r>
+              <a:rPr lang="en-US" sz="6904" b="1">
+                <a:solidFill>
+                  <a:srgbClr val="000000"/>
+                </a:solidFill>
+                <a:latin typeface="Public Sans Bold"/>
+                <a:ea typeface="Public Sans Bold"/>
+                <a:cs typeface="Public Sans Bold"/>
+                <a:sym typeface="Public Sans Bold"/>
+              </a:rPr>
+              <a:t>Objectifs et contexte</a:t>
+            </a:r>
+          </a:p>
+        </p:txBody>
+      </p:sp>
+      <p:sp>
+        <p:nvSpPr>
+          <p:cNvPr id="5" name="TextBox 5"/>
+          <p:cNvSpPr txBox="1"/>
+          <p:nvPr/>
+        </p:nvSpPr>
+        <p:spPr>
+          <a:xfrm>
+            <a:off x="1028700" y="2337612"/>
+            <a:ext cx="8714396" cy="2800270"/>
+          </a:xfrm>
+          <a:prstGeom prst="rect">
+            <a:avLst/>
+          </a:prstGeom>
+        </p:spPr>
+        <p:txBody>
+          <a:bodyPr lIns="0" tIns="0" rIns="0" bIns="0" rtlCol="0" anchor="t">
+            <a:spAutoFit/>
+          </a:bodyPr>
+          <a:lstStyle/>
+          <a:p>
+            <a:pPr algn="just">
+              <a:lnSpc>
+                <a:spcPts val="3679"/>
+              </a:lnSpc>
+            </a:pPr>
+            <a:r>
+              <a:rPr lang="en-US" sz="2628" b="1" dirty="0">
+                <a:solidFill>
+                  <a:srgbClr val="000000"/>
+                </a:solidFill>
+                <a:latin typeface="Public Sans Medium"/>
+                <a:ea typeface="Public Sans Medium"/>
+                <a:cs typeface="Public Sans Medium"/>
+                <a:sym typeface="Public Sans Medium"/>
+              </a:rPr>
+              <a:t>De </a:t>
+            </a:r>
+            <a:r>
+              <a:rPr lang="en-US" sz="2628" b="1" dirty="0" err="1">
+                <a:solidFill>
+                  <a:srgbClr val="000000"/>
+                </a:solidFill>
+                <a:latin typeface="Public Sans Medium"/>
+                <a:ea typeface="Public Sans Medium"/>
+                <a:cs typeface="Public Sans Medium"/>
+                <a:sym typeface="Public Sans Medium"/>
+              </a:rPr>
+              <a:t>nombreux</a:t>
+            </a:r>
+            <a:r>
+              <a:rPr lang="en-US" sz="2628" b="1" dirty="0">
+                <a:solidFill>
+                  <a:srgbClr val="000000"/>
+                </a:solidFill>
+                <a:latin typeface="Public Sans Medium"/>
+                <a:ea typeface="Public Sans Medium"/>
+                <a:cs typeface="Public Sans Medium"/>
+                <a:sym typeface="Public Sans Medium"/>
+              </a:rPr>
+              <a:t> garages </a:t>
+            </a:r>
+            <a:r>
+              <a:rPr lang="en-US" sz="2628" b="1" dirty="0" err="1">
+                <a:solidFill>
+                  <a:srgbClr val="000000"/>
+                </a:solidFill>
+                <a:latin typeface="Public Sans Medium"/>
+                <a:ea typeface="Public Sans Medium"/>
+                <a:cs typeface="Public Sans Medium"/>
+                <a:sym typeface="Public Sans Medium"/>
+              </a:rPr>
+              <a:t>utilisent</a:t>
+            </a:r>
+            <a:r>
+              <a:rPr lang="en-US" sz="2628" b="1" dirty="0">
+                <a:solidFill>
+                  <a:srgbClr val="000000"/>
+                </a:solidFill>
+                <a:latin typeface="Public Sans Medium"/>
+                <a:ea typeface="Public Sans Medium"/>
+                <a:cs typeface="Public Sans Medium"/>
+                <a:sym typeface="Public Sans Medium"/>
+              </a:rPr>
+              <a:t> encore des </a:t>
+            </a:r>
+            <a:r>
+              <a:rPr lang="en-US" sz="2628" b="1" dirty="0" err="1">
+                <a:solidFill>
+                  <a:srgbClr val="000000"/>
+                </a:solidFill>
+                <a:latin typeface="Public Sans Medium"/>
+                <a:ea typeface="Public Sans Medium"/>
+                <a:cs typeface="Public Sans Medium"/>
+                <a:sym typeface="Public Sans Medium"/>
+              </a:rPr>
+              <a:t>fichiers</a:t>
+            </a:r>
+            <a:r>
+              <a:rPr lang="en-US" sz="2628" b="1" dirty="0">
+                <a:solidFill>
+                  <a:srgbClr val="000000"/>
+                </a:solidFill>
+                <a:latin typeface="Public Sans Medium"/>
+                <a:ea typeface="Public Sans Medium"/>
+                <a:cs typeface="Public Sans Medium"/>
+                <a:sym typeface="Public Sans Medium"/>
+              </a:rPr>
+              <a:t> Excel pour </a:t>
+            </a:r>
+            <a:r>
+              <a:rPr lang="en-US" sz="2628" b="1" dirty="0" err="1">
+                <a:solidFill>
+                  <a:srgbClr val="000000"/>
+                </a:solidFill>
+                <a:latin typeface="Public Sans Medium"/>
+                <a:ea typeface="Public Sans Medium"/>
+                <a:cs typeface="Public Sans Medium"/>
+                <a:sym typeface="Public Sans Medium"/>
+              </a:rPr>
+              <a:t>leur</a:t>
+            </a:r>
+            <a:r>
+              <a:rPr lang="en-US" sz="2628" b="1" dirty="0">
+                <a:solidFill>
+                  <a:srgbClr val="000000"/>
+                </a:solidFill>
+                <a:latin typeface="Public Sans Medium"/>
+                <a:ea typeface="Public Sans Medium"/>
+                <a:cs typeface="Public Sans Medium"/>
+                <a:sym typeface="Public Sans Medium"/>
+              </a:rPr>
+              <a:t> gestion </a:t>
+            </a:r>
+            <a:r>
+              <a:rPr lang="en-US" sz="2628" b="1" dirty="0" err="1">
+                <a:solidFill>
+                  <a:srgbClr val="000000"/>
+                </a:solidFill>
+                <a:latin typeface="Public Sans Medium"/>
+                <a:ea typeface="Public Sans Medium"/>
+                <a:cs typeface="Public Sans Medium"/>
+                <a:sym typeface="Public Sans Medium"/>
+              </a:rPr>
+              <a:t>quotidienne</a:t>
+            </a:r>
+            <a:r>
+              <a:rPr lang="en-US" sz="2628" b="1" dirty="0">
+                <a:solidFill>
+                  <a:srgbClr val="000000"/>
+                </a:solidFill>
+                <a:latin typeface="Public Sans Medium"/>
+                <a:ea typeface="Public Sans Medium"/>
+                <a:cs typeface="Public Sans Medium"/>
+                <a:sym typeface="Public Sans Medium"/>
+              </a:rPr>
+              <a:t>.</a:t>
+            </a:r>
+          </a:p>
+          <a:p>
+            <a:pPr algn="just">
+              <a:lnSpc>
+                <a:spcPts val="3679"/>
+              </a:lnSpc>
+            </a:pPr>
+            <a:endParaRPr lang="en-US" sz="2628" b="1" dirty="0">
+              <a:solidFill>
+                <a:srgbClr val="000000"/>
+              </a:solidFill>
+              <a:latin typeface="Public Sans Medium"/>
+              <a:ea typeface="Public Sans Medium"/>
+              <a:cs typeface="Public Sans Medium"/>
+              <a:sym typeface="Public Sans Medium"/>
+            </a:endParaRPr>
+          </a:p>
+          <a:p>
+            <a:pPr algn="just">
+              <a:lnSpc>
+                <a:spcPts val="3679"/>
+              </a:lnSpc>
+            </a:pPr>
+            <a:r>
+              <a:rPr lang="en-US" sz="2628" b="1" dirty="0">
+                <a:solidFill>
+                  <a:srgbClr val="000000"/>
+                </a:solidFill>
+                <a:latin typeface="Public Sans Medium"/>
+                <a:ea typeface="Public Sans Medium"/>
+                <a:cs typeface="Public Sans Medium"/>
+                <a:sym typeface="Public Sans Medium"/>
+              </a:rPr>
+              <a:t>Cette application vise à simplifier </a:t>
+            </a:r>
+            <a:r>
+              <a:rPr lang="en-US" sz="2628" b="1" dirty="0" err="1">
+                <a:solidFill>
+                  <a:srgbClr val="000000"/>
+                </a:solidFill>
+                <a:latin typeface="Public Sans Medium"/>
+                <a:ea typeface="Public Sans Medium"/>
+                <a:cs typeface="Public Sans Medium"/>
+                <a:sym typeface="Public Sans Medium"/>
+              </a:rPr>
+              <a:t>leur</a:t>
+            </a:r>
+            <a:r>
+              <a:rPr lang="en-US" sz="2628" b="1" dirty="0">
+                <a:solidFill>
+                  <a:srgbClr val="000000"/>
+                </a:solidFill>
+                <a:latin typeface="Public Sans Medium"/>
+                <a:ea typeface="Public Sans Medium"/>
+                <a:cs typeface="Public Sans Medium"/>
+                <a:sym typeface="Public Sans Medium"/>
+              </a:rPr>
+              <a:t> travail, </a:t>
+            </a:r>
+            <a:r>
+              <a:rPr lang="en-US" sz="2628" b="1" dirty="0" err="1">
+                <a:solidFill>
+                  <a:srgbClr val="000000"/>
+                </a:solidFill>
+                <a:latin typeface="Public Sans Medium"/>
+                <a:ea typeface="Public Sans Medium"/>
+                <a:cs typeface="Public Sans Medium"/>
+                <a:sym typeface="Public Sans Medium"/>
+              </a:rPr>
+              <a:t>éviter</a:t>
+            </a:r>
+            <a:r>
+              <a:rPr lang="en-US" sz="2628" b="1" dirty="0">
+                <a:solidFill>
+                  <a:srgbClr val="000000"/>
+                </a:solidFill>
+                <a:latin typeface="Public Sans Medium"/>
+                <a:ea typeface="Public Sans Medium"/>
+                <a:cs typeface="Public Sans Medium"/>
+                <a:sym typeface="Public Sans Medium"/>
+              </a:rPr>
+              <a:t> les </a:t>
+            </a:r>
+            <a:r>
+              <a:rPr lang="en-US" sz="2628" b="1" dirty="0" err="1">
+                <a:solidFill>
+                  <a:srgbClr val="000000"/>
+                </a:solidFill>
+                <a:latin typeface="Public Sans Medium"/>
+                <a:ea typeface="Public Sans Medium"/>
+                <a:cs typeface="Public Sans Medium"/>
+                <a:sym typeface="Public Sans Medium"/>
+              </a:rPr>
+              <a:t>erreurs</a:t>
+            </a:r>
+            <a:r>
+              <a:rPr lang="en-US" sz="2628" b="1" dirty="0">
+                <a:solidFill>
+                  <a:srgbClr val="000000"/>
+                </a:solidFill>
+                <a:latin typeface="Public Sans Medium"/>
+                <a:ea typeface="Public Sans Medium"/>
+                <a:cs typeface="Public Sans Medium"/>
+                <a:sym typeface="Public Sans Medium"/>
+              </a:rPr>
+              <a:t> </a:t>
+            </a:r>
+            <a:r>
+              <a:rPr lang="en-US" sz="2628" b="1" dirty="0" err="1">
+                <a:solidFill>
+                  <a:srgbClr val="000000"/>
+                </a:solidFill>
+                <a:latin typeface="Public Sans Medium"/>
+                <a:ea typeface="Public Sans Medium"/>
+                <a:cs typeface="Public Sans Medium"/>
+                <a:sym typeface="Public Sans Medium"/>
+              </a:rPr>
+              <a:t>manuelles</a:t>
+            </a:r>
+            <a:r>
+              <a:rPr lang="en-US" sz="2628" b="1" dirty="0">
+                <a:solidFill>
+                  <a:srgbClr val="000000"/>
+                </a:solidFill>
+                <a:latin typeface="Public Sans Medium"/>
+                <a:ea typeface="Public Sans Medium"/>
+                <a:cs typeface="Public Sans Medium"/>
+                <a:sym typeface="Public Sans Medium"/>
+              </a:rPr>
+              <a:t> et </a:t>
+            </a:r>
+            <a:r>
+              <a:rPr lang="en-US" sz="2628" b="1" dirty="0" err="1">
+                <a:solidFill>
+                  <a:srgbClr val="000000"/>
+                </a:solidFill>
+                <a:latin typeface="Public Sans Medium"/>
+                <a:ea typeface="Public Sans Medium"/>
+                <a:cs typeface="Public Sans Medium"/>
+                <a:sym typeface="Public Sans Medium"/>
+              </a:rPr>
+              <a:t>leur</a:t>
+            </a:r>
+            <a:r>
+              <a:rPr lang="en-US" sz="2628" b="1" dirty="0">
+                <a:solidFill>
+                  <a:srgbClr val="000000"/>
+                </a:solidFill>
+                <a:latin typeface="Public Sans Medium"/>
+                <a:ea typeface="Public Sans Medium"/>
+                <a:cs typeface="Public Sans Medium"/>
+                <a:sym typeface="Public Sans Medium"/>
+              </a:rPr>
+              <a:t> </a:t>
+            </a:r>
+            <a:r>
+              <a:rPr lang="en-US" sz="2628" b="1" dirty="0" err="1">
+                <a:solidFill>
+                  <a:srgbClr val="000000"/>
+                </a:solidFill>
+                <a:latin typeface="Public Sans Medium"/>
+                <a:ea typeface="Public Sans Medium"/>
+                <a:cs typeface="Public Sans Medium"/>
+                <a:sym typeface="Public Sans Medium"/>
+              </a:rPr>
+              <a:t>offrir</a:t>
+            </a:r>
+            <a:r>
+              <a:rPr lang="en-US" sz="2628" b="1" dirty="0">
+                <a:solidFill>
+                  <a:srgbClr val="000000"/>
+                </a:solidFill>
+                <a:latin typeface="Public Sans Medium"/>
+                <a:ea typeface="Public Sans Medium"/>
+                <a:cs typeface="Public Sans Medium"/>
+                <a:sym typeface="Public Sans Medium"/>
+              </a:rPr>
+              <a:t> un </a:t>
+            </a:r>
+            <a:r>
+              <a:rPr lang="en-US" sz="2628" b="1" dirty="0" err="1">
+                <a:solidFill>
+                  <a:srgbClr val="000000"/>
+                </a:solidFill>
+                <a:latin typeface="Public Sans Medium"/>
+                <a:ea typeface="Public Sans Medium"/>
+                <a:cs typeface="Public Sans Medium"/>
+                <a:sym typeface="Public Sans Medium"/>
+              </a:rPr>
+              <a:t>meilleur</a:t>
+            </a:r>
+            <a:r>
+              <a:rPr lang="en-US" sz="2628" b="1" dirty="0">
+                <a:solidFill>
+                  <a:srgbClr val="000000"/>
+                </a:solidFill>
+                <a:latin typeface="Public Sans Medium"/>
+                <a:ea typeface="Public Sans Medium"/>
+                <a:cs typeface="Public Sans Medium"/>
+                <a:sym typeface="Public Sans Medium"/>
+              </a:rPr>
+              <a:t> </a:t>
+            </a:r>
+            <a:r>
+              <a:rPr lang="en-US" sz="2628" b="1" dirty="0" err="1">
+                <a:solidFill>
+                  <a:srgbClr val="000000"/>
+                </a:solidFill>
+                <a:latin typeface="Public Sans Medium"/>
+                <a:ea typeface="Public Sans Medium"/>
+                <a:cs typeface="Public Sans Medium"/>
+                <a:sym typeface="Public Sans Medium"/>
+              </a:rPr>
+              <a:t>suivi</a:t>
+            </a:r>
+            <a:r>
+              <a:rPr lang="en-US" sz="2628" b="1" dirty="0">
+                <a:solidFill>
+                  <a:srgbClr val="000000"/>
+                </a:solidFill>
+                <a:latin typeface="Public Sans Medium"/>
+                <a:ea typeface="Public Sans Medium"/>
+                <a:cs typeface="Public Sans Medium"/>
+                <a:sym typeface="Public Sans Medium"/>
+              </a:rPr>
+              <a:t> de </a:t>
+            </a:r>
+            <a:r>
+              <a:rPr lang="en-US" sz="2628" b="1" dirty="0" err="1">
+                <a:solidFill>
+                  <a:srgbClr val="000000"/>
+                </a:solidFill>
+                <a:latin typeface="Public Sans Medium"/>
+                <a:ea typeface="Public Sans Medium"/>
+                <a:cs typeface="Public Sans Medium"/>
+                <a:sym typeface="Public Sans Medium"/>
+              </a:rPr>
+              <a:t>leurs</a:t>
+            </a:r>
+            <a:r>
+              <a:rPr lang="en-US" sz="2628" b="1" dirty="0">
+                <a:solidFill>
+                  <a:srgbClr val="000000"/>
+                </a:solidFill>
+                <a:latin typeface="Public Sans Medium"/>
+                <a:ea typeface="Public Sans Medium"/>
+                <a:cs typeface="Public Sans Medium"/>
+                <a:sym typeface="Public Sans Medium"/>
+              </a:rPr>
+              <a:t> données.</a:t>
+            </a:r>
+          </a:p>
+        </p:txBody>
+      </p:sp>
+      <p:sp>
+        <p:nvSpPr>
+          <p:cNvPr id="6" name="TextBox 6"/>
+          <p:cNvSpPr txBox="1"/>
+          <p:nvPr/>
+        </p:nvSpPr>
+        <p:spPr>
+          <a:xfrm>
+            <a:off x="17584511" y="9694965"/>
+            <a:ext cx="528324" cy="464642"/>
+          </a:xfrm>
+          <a:prstGeom prst="rect">
+            <a:avLst/>
+          </a:prstGeom>
+        </p:spPr>
+        <p:txBody>
+          <a:bodyPr lIns="0" tIns="0" rIns="0" bIns="0" rtlCol="0" anchor="t">
+            <a:spAutoFit/>
+          </a:bodyPr>
+          <a:lstStyle/>
+          <a:p>
+            <a:pPr algn="l">
+              <a:lnSpc>
+                <a:spcPts val="3679"/>
+              </a:lnSpc>
+            </a:pPr>
+            <a:r>
+              <a:rPr lang="en-US" sz="2628" b="1">
+                <a:solidFill>
+                  <a:srgbClr val="000000"/>
+                </a:solidFill>
+                <a:latin typeface="Public Sans Medium"/>
+                <a:ea typeface="Public Sans Medium"/>
+                <a:cs typeface="Public Sans Medium"/>
+                <a:sym typeface="Public Sans Medium"/>
+              </a:rPr>
+              <a:t>2</a:t>
+            </a:r>
+          </a:p>
+        </p:txBody>
+      </p:sp>
+    </p:spTree>
+  </p:cSld>
+  <p:clrMapOvr>
+    <a:masterClrMapping/>
+  </p:clrMapOvr>
+  <p:timing>
+    <p:tnLst>
+      <p:par>
+        <p:cTn id="1" dur="indefinite" restart="never" nodeType="tmRoot">
+          <p:childTnLst>
+            <p:seq concurrent="1" nextAc="seek">
+              <p:cTn id="2" dur="indefinite" nodeType="mainSeq">
+                <p:childTnLst>
+                  <p:par>
+                    <p:cTn id="3" fill="hold">
+                      <p:stCondLst>
+                        <p:cond delay="indefinite"/>
+                        <p:cond evt="onBegin" delay="0">
+                          <p:tn val="2"/>
+                        </p:cond>
+                      </p:stCondLst>
+                      <p:childTnLst>
+                        <p:par>
+                          <p:cTn id="4" fill="hold">
+                            <p:stCondLst>
+                              <p:cond delay="0"/>
+                            </p:stCondLst>
+                            <p:childTnLst>
+                              <p:par>
+                                <p:cTn id="5" presetID="31" presetClass="entr" presetSubtype="0" fill="hold" nodeType="afterEffect">
+                                  <p:stCondLst>
+                                    <p:cond delay="0"/>
+                                  </p:stCondLst>
+                                  <p:childTnLst>
+                                    <p:set>
+                                      <p:cBhvr>
+                                        <p:cTn id="6" dur="1" fill="hold">
+                                          <p:stCondLst>
+                                            <p:cond delay="0"/>
+                                          </p:stCondLst>
+                                        </p:cTn>
+                                        <p:tgtEl>
+                                          <p:spTgt spid="3"/>
+                                        </p:tgtEl>
+                                        <p:attrNameLst>
+                                          <p:attrName>style.visibility</p:attrName>
+                                        </p:attrNameLst>
+                                      </p:cBhvr>
+                                      <p:to>
+                                        <p:strVal val="visible"/>
+                                      </p:to>
+                                    </p:set>
+                                    <p:anim calcmode="lin" valueType="num">
+                                      <p:cBhvr>
+                                        <p:cTn id="7" dur="1000" fill="hold"/>
+                                        <p:tgtEl>
+                                          <p:spTgt spid="3"/>
+                                        </p:tgtEl>
+                                        <p:attrNameLst>
+                                          <p:attrName>ppt_w</p:attrName>
+                                        </p:attrNameLst>
+                                      </p:cBhvr>
+                                      <p:tavLst>
+                                        <p:tav tm="0">
+                                          <p:val>
+                                            <p:fltVal val="0"/>
+                                          </p:val>
+                                        </p:tav>
+                                        <p:tav tm="100000">
+                                          <p:val>
+                                            <p:strVal val="#ppt_w"/>
+                                          </p:val>
+                                        </p:tav>
+                                      </p:tavLst>
+                                    </p:anim>
+                                    <p:anim calcmode="lin" valueType="num">
+                                      <p:cBhvr>
+                                        <p:cTn id="8" dur="1000" fill="hold"/>
+                                        <p:tgtEl>
+                                          <p:spTgt spid="3"/>
+                                        </p:tgtEl>
+                                        <p:attrNameLst>
+                                          <p:attrName>ppt_h</p:attrName>
+                                        </p:attrNameLst>
+                                      </p:cBhvr>
+                                      <p:tavLst>
+                                        <p:tav tm="0">
+                                          <p:val>
+                                            <p:fltVal val="0"/>
+                                          </p:val>
+                                        </p:tav>
+                                        <p:tav tm="100000">
+                                          <p:val>
+                                            <p:strVal val="#ppt_h"/>
+                                          </p:val>
+                                        </p:tav>
+                                      </p:tavLst>
+                                    </p:anim>
+                                    <p:anim calcmode="lin" valueType="num">
+                                      <p:cBhvr>
+                                        <p:cTn id="9" dur="1000" fill="hold"/>
+                                        <p:tgtEl>
+                                          <p:spTgt spid="3"/>
+                                        </p:tgtEl>
+                                        <p:attrNameLst>
+                                          <p:attrName>style.rotation</p:attrName>
+                                        </p:attrNameLst>
+                                      </p:cBhvr>
+                                      <p:tavLst>
+                                        <p:tav tm="0">
+                                          <p:val>
+                                            <p:fltVal val="90"/>
+                                          </p:val>
+                                        </p:tav>
+                                        <p:tav tm="100000">
+                                          <p:val>
+                                            <p:fltVal val="0"/>
+                                          </p:val>
+                                        </p:tav>
+                                      </p:tavLst>
+                                    </p:anim>
+                                    <p:animEffect transition="in" filter="fade">
+                                      <p:cBhvr>
+                                        <p:cTn id="10" dur="1000"/>
+                                        <p:tgtEl>
+                                          <p:spTgt spid="3"/>
+                                        </p:tgtEl>
+                                      </p:cBhvr>
+                                    </p:animEffect>
+                                  </p:childTnLst>
+                                </p:cTn>
+                              </p:par>
+                            </p:childTnLst>
+                          </p:cTn>
+                        </p:par>
+                      </p:childTnLst>
+                    </p:cTn>
+                  </p:par>
+                </p:childTnLst>
+              </p:cTn>
+              <p:prevCondLst>
+                <p:cond evt="onPrev" delay="0">
+                  <p:tgtEl>
+                    <p:sldTgt/>
+                  </p:tgtEl>
+                </p:cond>
+              </p:prevCondLst>
+              <p:nextCondLst>
+                <p:cond evt="onNext" delay="0">
+                  <p:tgtEl>
+                    <p:sldTgt/>
+                  </p:tgtEl>
+                </p:cond>
+              </p:nextCondLst>
+            </p:seq>
+          </p:childTnLst>
+        </p:cTn>
+      </p:par>
+    </p:tnLst>
+  </p:timing>
+</p:sld>
+</file>
+
+<file path=ppt/slides/slide4.xml><?xml version="1.0" encoding="utf-8"?>
+<p:sld xmlns:a="http://schemas.openxmlformats.org/drawingml/2006/main" xmlns:r="http://schemas.openxmlformats.org/officeDocument/2006/relationships" xmlns:p="http://schemas.openxmlformats.org/presentationml/2006/main">
+  <p:cSld>
+    <p:spTree>
+      <p:nvGrpSpPr>
+        <p:cNvPr id="1" name=""/>
+        <p:cNvGrpSpPr/>
+        <p:nvPr/>
+      </p:nvGrpSpPr>
+      <p:grpSpPr>
+        <a:xfrm>
+          <a:off x="0" y="0"/>
+          <a:ext cx="0" cy="0"/>
+          <a:chOff x="0" y="0"/>
+          <a:chExt cx="0" cy="0"/>
+        </a:xfrm>
+      </p:grpSpPr>
+      <p:sp>
+        <p:nvSpPr>
+          <p:cNvPr id="2" name="Freeform 2"/>
+          <p:cNvSpPr/>
+          <p:nvPr/>
+        </p:nvSpPr>
+        <p:spPr>
+          <a:xfrm>
+            <a:off x="15889854" y="404140"/>
+            <a:ext cx="3657600" cy="1150481"/>
+          </a:xfrm>
+          <a:custGeom>
+            <a:avLst/>
+            <a:gdLst/>
+            <a:ahLst/>
+            <a:cxnLst/>
+            <a:rect l="l" t="t" r="r" b="b"/>
+            <a:pathLst>
+              <a:path w="3657600" h="1150481">
+                <a:moveTo>
+                  <a:pt x="0" y="0"/>
+                </a:moveTo>
+                <a:lnTo>
+                  <a:pt x="3657600" y="0"/>
+                </a:lnTo>
+                <a:lnTo>
+                  <a:pt x="3657600" y="1150481"/>
+                </a:lnTo>
+                <a:lnTo>
+                  <a:pt x="0" y="1150481"/>
+                </a:lnTo>
+                <a:lnTo>
+                  <a:pt x="0" y="0"/>
+                </a:lnTo>
+                <a:close/>
+              </a:path>
+            </a:pathLst>
+          </a:custGeom>
+          <a:blipFill>
+            <a:blip r:embed="rId2">
+              <a:extLst>
+                <a:ext uri="{96DAC541-7B7A-43D3-8B79-37D633B846F1}">
+                  <asvg:svgBlip xmlns:asvg="http://schemas.microsoft.com/office/drawing/2016/SVG/main" r:embed="rId3"/>
+                </a:ext>
+              </a:extLst>
+            </a:blip>
+            <a:stretch>
+              <a:fillRect/>
+            </a:stretch>
+          </a:blipFill>
+        </p:spPr>
+      </p:sp>
+      <p:sp>
+        <p:nvSpPr>
+          <p:cNvPr id="3" name="Freeform 3"/>
+          <p:cNvSpPr/>
+          <p:nvPr/>
+        </p:nvSpPr>
+        <p:spPr>
+          <a:xfrm rot="-5400000">
+            <a:off x="-800100" y="9385383"/>
+            <a:ext cx="3657600" cy="1150481"/>
+          </a:xfrm>
+          <a:custGeom>
+            <a:avLst/>
+            <a:gdLst/>
+            <a:ahLst/>
+            <a:cxnLst/>
+            <a:rect l="l" t="t" r="r" b="b"/>
+            <a:pathLst>
+              <a:path w="3657600" h="1150481">
+                <a:moveTo>
+                  <a:pt x="0" y="0"/>
+                </a:moveTo>
+                <a:lnTo>
+                  <a:pt x="3657600" y="0"/>
+                </a:lnTo>
+                <a:lnTo>
+                  <a:pt x="3657600" y="1150481"/>
+                </a:lnTo>
+                <a:lnTo>
+                  <a:pt x="0" y="1150481"/>
+                </a:lnTo>
+                <a:lnTo>
+                  <a:pt x="0" y="0"/>
+                </a:lnTo>
+                <a:close/>
+              </a:path>
+            </a:pathLst>
+          </a:custGeom>
+          <a:blipFill>
+            <a:blip r:embed="rId2">
+              <a:extLst>
+                <a:ext uri="{96DAC541-7B7A-43D3-8B79-37D633B846F1}">
+                  <asvg:svgBlip xmlns:asvg="http://schemas.microsoft.com/office/drawing/2016/SVG/main" r:embed="rId3"/>
+                </a:ext>
+              </a:extLst>
+            </a:blip>
+            <a:stretch>
+              <a:fillRect/>
+            </a:stretch>
+          </a:blipFill>
+        </p:spPr>
+      </p:sp>
+      <p:sp>
+        <p:nvSpPr>
+          <p:cNvPr id="4" name="Freeform 4"/>
+          <p:cNvSpPr/>
+          <p:nvPr/>
+        </p:nvSpPr>
+        <p:spPr>
+          <a:xfrm>
+            <a:off x="4746521" y="1313108"/>
+            <a:ext cx="8794958" cy="8560325"/>
+          </a:xfrm>
+          <a:custGeom>
+            <a:avLst/>
+            <a:gdLst/>
+            <a:ahLst/>
+            <a:cxnLst/>
+            <a:rect l="l" t="t" r="r" b="b"/>
+            <a:pathLst>
+              <a:path w="8431968" h="8207019">
+                <a:moveTo>
+                  <a:pt x="0" y="0"/>
+                </a:moveTo>
+                <a:lnTo>
+                  <a:pt x="8431968" y="0"/>
+                </a:lnTo>
+                <a:lnTo>
+                  <a:pt x="8431968" y="8207019"/>
+                </a:lnTo>
+                <a:lnTo>
+                  <a:pt x="0" y="8207019"/>
+                </a:lnTo>
+                <a:lnTo>
+                  <a:pt x="0" y="0"/>
+                </a:lnTo>
+                <a:close/>
+              </a:path>
+            </a:pathLst>
+          </a:custGeom>
+          <a:blipFill>
+            <a:blip r:embed="rId4">
+              <a:extLst>
+                <a:ext uri="{BEBA8EAE-BF5A-486C-A8C5-ECC9F3942E4B}">
+                  <a14:imgProps xmlns:a14="http://schemas.microsoft.com/office/drawing/2010/main">
+                    <a14:imgLayer r:embed="rId5">
+                      <a14:imgEffect>
+                        <a14:saturation sat="300000"/>
+                      </a14:imgEffect>
+                    </a14:imgLayer>
+                  </a14:imgProps>
+                </a:ext>
+              </a:extLst>
+            </a:blip>
+            <a:stretch>
+              <a:fillRect t="-745" b="-745"/>
+            </a:stretch>
+          </a:blipFill>
+        </p:spPr>
+      </p:sp>
+      <p:sp>
+        <p:nvSpPr>
+          <p:cNvPr id="5" name="TextBox 5"/>
+          <p:cNvSpPr txBox="1"/>
+          <p:nvPr/>
+        </p:nvSpPr>
+        <p:spPr>
+          <a:xfrm>
+            <a:off x="1028700" y="118390"/>
+            <a:ext cx="10894822" cy="1194718"/>
+          </a:xfrm>
+          <a:prstGeom prst="rect">
+            <a:avLst/>
+          </a:prstGeom>
+        </p:spPr>
+        <p:txBody>
+          <a:bodyPr lIns="0" tIns="0" rIns="0" bIns="0" rtlCol="0" anchor="t">
+            <a:spAutoFit/>
+          </a:bodyPr>
+          <a:lstStyle/>
+          <a:p>
+            <a:pPr algn="l">
+              <a:lnSpc>
+                <a:spcPts val="9666"/>
+              </a:lnSpc>
+            </a:pPr>
+            <a:r>
+              <a:rPr lang="en-US" sz="6904" b="1">
+                <a:solidFill>
+                  <a:srgbClr val="000000"/>
+                </a:solidFill>
+                <a:latin typeface="Public Sans Bold"/>
+                <a:ea typeface="Public Sans Bold"/>
+                <a:cs typeface="Public Sans Bold"/>
+                <a:sym typeface="Public Sans Bold"/>
+              </a:rPr>
+              <a:t> Architecture technique</a:t>
+            </a:r>
+          </a:p>
+        </p:txBody>
+      </p:sp>
+      <p:sp>
+        <p:nvSpPr>
+          <p:cNvPr id="6" name="TextBox 6"/>
+          <p:cNvSpPr txBox="1"/>
+          <p:nvPr/>
+        </p:nvSpPr>
+        <p:spPr>
+          <a:xfrm>
+            <a:off x="17584511" y="9694965"/>
+            <a:ext cx="528324" cy="464642"/>
+          </a:xfrm>
+          <a:prstGeom prst="rect">
+            <a:avLst/>
+          </a:prstGeom>
+        </p:spPr>
+        <p:txBody>
+          <a:bodyPr lIns="0" tIns="0" rIns="0" bIns="0" rtlCol="0" anchor="t">
+            <a:spAutoFit/>
+          </a:bodyPr>
+          <a:lstStyle/>
+          <a:p>
+            <a:pPr algn="l">
+              <a:lnSpc>
+                <a:spcPts val="3679"/>
+              </a:lnSpc>
+            </a:pPr>
+            <a:r>
+              <a:rPr lang="en-US" sz="2628" b="1">
+                <a:solidFill>
+                  <a:srgbClr val="000000"/>
+                </a:solidFill>
+                <a:latin typeface="Public Sans Medium"/>
+                <a:ea typeface="Public Sans Medium"/>
+                <a:cs typeface="Public Sans Medium"/>
+                <a:sym typeface="Public Sans Medium"/>
+              </a:rPr>
+              <a:t>3</a:t>
+            </a:r>
+          </a:p>
+        </p:txBody>
+      </p:sp>
+    </p:spTree>
+  </p:cSld>
+  <p:clrMapOvr>
+    <a:masterClrMapping/>
+  </p:clrMapOvr>
+  <p:timing>
+    <p:tnLst>
+      <p:par>
+        <p:cTn id="1" dur="indefinite" restart="never" nodeType="tmRoot">
+          <p:childTnLst>
+            <p:seq concurrent="1" nextAc="seek">
+              <p:cTn id="2" dur="indefinite" nodeType="mainSeq">
+                <p:childTnLst>
+                  <p:par>
+                    <p:cTn id="3" fill="hold">
+                      <p:stCondLst>
+                        <p:cond delay="indefinite"/>
+                        <p:cond evt="onBegin" delay="0">
+                          <p:tn val="2"/>
+                        </p:cond>
+                      </p:stCondLst>
+                      <p:childTnLst>
+                        <p:par>
+                          <p:cTn id="4" fill="hold">
+                            <p:stCondLst>
+                              <p:cond delay="0"/>
+                            </p:stCondLst>
+                            <p:childTnLst>
+                              <p:par>
+                                <p:cTn id="5" presetID="42" presetClass="entr" presetSubtype="0" fill="hold" nodeType="afterEffect">
+                                  <p:stCondLst>
+                                    <p:cond delay="0"/>
+                                  </p:stCondLst>
+                                  <p:childTnLst>
+                                    <p:set>
+                                      <p:cBhvr>
+                                        <p:cTn id="6" dur="1" fill="hold">
+                                          <p:stCondLst>
+                                            <p:cond delay="0"/>
+                                          </p:stCondLst>
+                                        </p:cTn>
+                                        <p:tgtEl>
+                                          <p:spTgt spid="4"/>
+                                        </p:tgtEl>
+                                        <p:attrNameLst>
+                                          <p:attrName>style.visibility</p:attrName>
+                                        </p:attrNameLst>
+                                      </p:cBhvr>
+                                      <p:to>
+                                        <p:strVal val="visible"/>
+                                      </p:to>
+                                    </p:set>
+                                    <p:animEffect transition="in" filter="fade">
+                                      <p:cBhvr>
+                                        <p:cTn id="7" dur="1000"/>
+                                        <p:tgtEl>
+                                          <p:spTgt spid="4"/>
+                                        </p:tgtEl>
+                                      </p:cBhvr>
+                                    </p:animEffect>
+                                    <p:anim calcmode="lin" valueType="num">
+                                      <p:cBhvr>
+                                        <p:cTn id="8" dur="1000" fill="hold"/>
+                                        <p:tgtEl>
+                                          <p:spTgt spid="4"/>
+                                        </p:tgtEl>
+                                        <p:attrNameLst>
+                                          <p:attrName>ppt_x</p:attrName>
+                                        </p:attrNameLst>
+                                      </p:cBhvr>
+                                      <p:tavLst>
+                                        <p:tav tm="0">
+                                          <p:val>
+                                            <p:strVal val="#ppt_x"/>
+                                          </p:val>
+                                        </p:tav>
+                                        <p:tav tm="100000">
+                                          <p:val>
+                                            <p:strVal val="#ppt_x"/>
+                                          </p:val>
+                                        </p:tav>
+                                      </p:tavLst>
+                                    </p:anim>
+                                    <p:anim calcmode="lin" valueType="num">
+                                      <p:cBhvr>
+                                        <p:cTn id="9" dur="1000" fill="hold"/>
+                                        <p:tgtEl>
+                                          <p:spTgt spid="4"/>
+                                        </p:tgtEl>
+                                        <p:attrNameLst>
+                                          <p:attrName>ppt_y</p:attrName>
+                                        </p:attrNameLst>
+                                      </p:cBhvr>
+                                      <p:tavLst>
+                                        <p:tav tm="0">
+                                          <p:val>
+                                            <p:strVal val="#ppt_y+.1"/>
+                                          </p:val>
+                                        </p:tav>
+                                        <p:tav tm="100000">
+                                          <p:val>
+                                            <p:strVal val="#ppt_y"/>
+                                          </p:val>
+                                        </p:tav>
+                                      </p:tavLst>
+                                    </p:anim>
+                                  </p:childTnLst>
+                                </p:cTn>
+                              </p:par>
+                            </p:childTnLst>
+                          </p:cTn>
+                        </p:par>
+                      </p:childTnLst>
+                    </p:cTn>
+                  </p:par>
+                </p:childTnLst>
+              </p:cTn>
+              <p:prevCondLst>
+                <p:cond evt="onPrev" delay="0">
+                  <p:tgtEl>
+                    <p:sldTgt/>
+                  </p:tgtEl>
+                </p:cond>
+              </p:prevCondLst>
+              <p:nextCondLst>
+                <p:cond evt="onNext" delay="0">
+                  <p:tgtEl>
+                    <p:sldTgt/>
+                  </p:tgtEl>
+                </p:cond>
+              </p:nextCondLst>
+            </p:seq>
+          </p:childTnLst>
+        </p:cTn>
+      </p:par>
+    </p:tnLst>
+  </p:timing>
+</p:sld>
+</file>
+
+<file path=ppt/slides/slide5.xml><?xml version="1.0" encoding="utf-8"?>
+<p:sld xmlns:a="http://schemas.openxmlformats.org/drawingml/2006/main" xmlns:r="http://schemas.openxmlformats.org/officeDocument/2006/relationships" xmlns:p="http://schemas.openxmlformats.org/presentationml/2006/main">
+  <p:cSld>
+    <p:spTree>
+      <p:nvGrpSpPr>
+        <p:cNvPr id="1" name="">
+          <a:extLst>
+            <a:ext uri="{FF2B5EF4-FFF2-40B4-BE49-F238E27FC236}">
+              <a16:creationId xmlns:a16="http://schemas.microsoft.com/office/drawing/2014/main" id="{638B0210-04FF-0E1D-8DB5-67D36CD35056}"/>
+            </a:ext>
+          </a:extLst>
+        </p:cNvPr>
+        <p:cNvGrpSpPr/>
+        <p:nvPr/>
+      </p:nvGrpSpPr>
+      <p:grpSpPr>
+        <a:xfrm>
+          <a:off x="0" y="0"/>
+          <a:ext cx="0" cy="0"/>
+          <a:chOff x="0" y="0"/>
+          <a:chExt cx="0" cy="0"/>
+        </a:xfrm>
+      </p:grpSpPr>
+      <p:sp>
+        <p:nvSpPr>
+          <p:cNvPr id="2" name="Freeform 2">
+            <a:extLst>
+              <a:ext uri="{FF2B5EF4-FFF2-40B4-BE49-F238E27FC236}">
+                <a16:creationId xmlns:a16="http://schemas.microsoft.com/office/drawing/2014/main" id="{4DF05A00-C5B5-52A2-129D-D437960EFD49}"/>
+              </a:ext>
+            </a:extLst>
+          </p:cNvPr>
+          <p:cNvSpPr/>
+          <p:nvPr/>
+        </p:nvSpPr>
+        <p:spPr>
+          <a:xfrm>
+            <a:off x="15889854" y="404140"/>
+            <a:ext cx="3657600" cy="1150481"/>
+          </a:xfrm>
+          <a:custGeom>
+            <a:avLst/>
+            <a:gdLst/>
+            <a:ahLst/>
+            <a:cxnLst/>
+            <a:rect l="l" t="t" r="r" b="b"/>
+            <a:pathLst>
+              <a:path w="3657600" h="1150481">
+                <a:moveTo>
+                  <a:pt x="0" y="0"/>
+                </a:moveTo>
+                <a:lnTo>
+                  <a:pt x="3657600" y="0"/>
+                </a:lnTo>
+                <a:lnTo>
+                  <a:pt x="3657600" y="1150481"/>
+                </a:lnTo>
+                <a:lnTo>
+                  <a:pt x="0" y="1150481"/>
+                </a:lnTo>
+                <a:lnTo>
+                  <a:pt x="0" y="0"/>
+                </a:lnTo>
+                <a:close/>
+              </a:path>
+            </a:pathLst>
+          </a:custGeom>
+          <a:blipFill>
+            <a:blip r:embed="rId3">
+              <a:extLst>
+                <a:ext uri="{96DAC541-7B7A-43D3-8B79-37D633B846F1}">
+                  <asvg:svgBlip xmlns:asvg="http://schemas.microsoft.com/office/drawing/2016/SVG/main" r:embed="rId4"/>
+                </a:ext>
+              </a:extLst>
+            </a:blip>
+            <a:stretch>
+              <a:fillRect/>
+            </a:stretch>
+          </a:blipFill>
+        </p:spPr>
+      </p:sp>
+      <p:sp>
+        <p:nvSpPr>
+          <p:cNvPr id="3" name="Freeform 3">
+            <a:extLst>
+              <a:ext uri="{FF2B5EF4-FFF2-40B4-BE49-F238E27FC236}">
+                <a16:creationId xmlns:a16="http://schemas.microsoft.com/office/drawing/2014/main" id="{99166568-F2D4-B734-ACEE-45FBEE831EDD}"/>
+              </a:ext>
+            </a:extLst>
+          </p:cNvPr>
+          <p:cNvSpPr/>
+          <p:nvPr/>
+        </p:nvSpPr>
+        <p:spPr>
+          <a:xfrm rot="-5400000">
+            <a:off x="-800100" y="9385383"/>
+            <a:ext cx="3657600" cy="1150481"/>
+          </a:xfrm>
+          <a:custGeom>
+            <a:avLst/>
+            <a:gdLst/>
+            <a:ahLst/>
+            <a:cxnLst/>
+            <a:rect l="l" t="t" r="r" b="b"/>
+            <a:pathLst>
+              <a:path w="3657600" h="1150481">
+                <a:moveTo>
+                  <a:pt x="0" y="0"/>
+                </a:moveTo>
+                <a:lnTo>
+                  <a:pt x="3657600" y="0"/>
+                </a:lnTo>
+                <a:lnTo>
+                  <a:pt x="3657600" y="1150481"/>
+                </a:lnTo>
+                <a:lnTo>
+                  <a:pt x="0" y="1150481"/>
+                </a:lnTo>
+                <a:lnTo>
+                  <a:pt x="0" y="0"/>
+                </a:lnTo>
+                <a:close/>
+              </a:path>
+            </a:pathLst>
+          </a:custGeom>
+          <a:blipFill>
+            <a:blip r:embed="rId3">
+              <a:extLst>
+                <a:ext uri="{96DAC541-7B7A-43D3-8B79-37D633B846F1}">
+                  <asvg:svgBlip xmlns:asvg="http://schemas.microsoft.com/office/drawing/2016/SVG/main" r:embed="rId4"/>
+                </a:ext>
+              </a:extLst>
+            </a:blip>
+            <a:stretch>
+              <a:fillRect/>
+            </a:stretch>
+          </a:blipFill>
+        </p:spPr>
+      </p:sp>
+      <p:sp>
+        <p:nvSpPr>
+          <p:cNvPr id="5" name="TextBox 5">
+            <a:extLst>
+              <a:ext uri="{FF2B5EF4-FFF2-40B4-BE49-F238E27FC236}">
+                <a16:creationId xmlns:a16="http://schemas.microsoft.com/office/drawing/2014/main" id="{43CF179F-DFAA-4333-233D-8AE21905F77E}"/>
+              </a:ext>
+            </a:extLst>
+          </p:cNvPr>
+          <p:cNvSpPr txBox="1"/>
+          <p:nvPr/>
+        </p:nvSpPr>
+        <p:spPr>
+          <a:xfrm>
+            <a:off x="1028700" y="118390"/>
+            <a:ext cx="10894822" cy="1136401"/>
+          </a:xfrm>
+          <a:prstGeom prst="rect">
+            <a:avLst/>
+          </a:prstGeom>
+        </p:spPr>
+        <p:txBody>
+          <a:bodyPr lIns="0" tIns="0" rIns="0" bIns="0" rtlCol="0" anchor="t">
+            <a:spAutoFit/>
+          </a:bodyPr>
+          <a:lstStyle/>
+          <a:p>
+            <a:pPr>
+              <a:lnSpc>
+                <a:spcPts val="9666"/>
+              </a:lnSpc>
+            </a:pPr>
+            <a:r>
+              <a:rPr lang="en-US" sz="6904" b="1" dirty="0">
+                <a:solidFill>
+                  <a:srgbClr val="000000"/>
+                </a:solidFill>
+                <a:latin typeface="Public Sans Bold"/>
+                <a:ea typeface="Public Sans Bold"/>
+                <a:cs typeface="Public Sans Bold"/>
+                <a:sym typeface="Public Sans Bold"/>
+              </a:rPr>
+              <a:t> </a:t>
+            </a:r>
+            <a:r>
+              <a:rPr lang="en-US" sz="6904" b="1" dirty="0" err="1">
+                <a:solidFill>
+                  <a:srgbClr val="000000"/>
+                </a:solidFill>
+                <a:latin typeface="Public Sans Bold"/>
+                <a:ea typeface="Public Sans Bold"/>
+                <a:cs typeface="Public Sans Bold"/>
+                <a:sym typeface="Public Sans Bold"/>
+              </a:rPr>
+              <a:t>Sécurité</a:t>
+            </a:r>
+            <a:r>
+              <a:rPr lang="en-US" sz="6904" b="1" dirty="0">
+                <a:solidFill>
+                  <a:srgbClr val="000000"/>
+                </a:solidFill>
+                <a:latin typeface="Public Sans Bold"/>
+                <a:ea typeface="Public Sans Bold"/>
+                <a:cs typeface="Public Sans Bold"/>
+                <a:sym typeface="Public Sans Bold"/>
+              </a:rPr>
+              <a:t> mise </a:t>
+            </a:r>
+            <a:r>
+              <a:rPr lang="en-US" sz="6904" b="1" dirty="0" err="1">
+                <a:solidFill>
+                  <a:srgbClr val="000000"/>
+                </a:solidFill>
+                <a:latin typeface="Public Sans Bold"/>
+                <a:ea typeface="Public Sans Bold"/>
+                <a:cs typeface="Public Sans Bold"/>
+                <a:sym typeface="Public Sans Bold"/>
+              </a:rPr>
+              <a:t>en</a:t>
+            </a:r>
+            <a:r>
+              <a:rPr lang="en-US" sz="6904" b="1" dirty="0">
+                <a:solidFill>
+                  <a:srgbClr val="000000"/>
+                </a:solidFill>
+                <a:latin typeface="Public Sans Bold"/>
+                <a:ea typeface="Public Sans Bold"/>
+                <a:cs typeface="Public Sans Bold"/>
+                <a:sym typeface="Public Sans Bold"/>
+              </a:rPr>
+              <a:t> place </a:t>
+            </a:r>
+          </a:p>
+        </p:txBody>
+      </p:sp>
+      <p:sp>
+        <p:nvSpPr>
+          <p:cNvPr id="6" name="TextBox 6">
+            <a:extLst>
+              <a:ext uri="{FF2B5EF4-FFF2-40B4-BE49-F238E27FC236}">
+                <a16:creationId xmlns:a16="http://schemas.microsoft.com/office/drawing/2014/main" id="{4C7F0CF3-0220-9A5C-BDB8-CC7697E62D05}"/>
+              </a:ext>
+            </a:extLst>
+          </p:cNvPr>
+          <p:cNvSpPr txBox="1"/>
+          <p:nvPr/>
+        </p:nvSpPr>
+        <p:spPr>
+          <a:xfrm>
+            <a:off x="17584511" y="9694965"/>
+            <a:ext cx="528324" cy="433324"/>
+          </a:xfrm>
+          <a:prstGeom prst="rect">
+            <a:avLst/>
+          </a:prstGeom>
+        </p:spPr>
+        <p:txBody>
+          <a:bodyPr lIns="0" tIns="0" rIns="0" bIns="0" rtlCol="0" anchor="t">
+            <a:spAutoFit/>
+          </a:bodyPr>
+          <a:lstStyle/>
+          <a:p>
+            <a:pPr algn="l">
+              <a:lnSpc>
+                <a:spcPts val="3679"/>
+              </a:lnSpc>
+            </a:pPr>
+            <a:r>
+              <a:rPr lang="en-US" sz="2628" b="1" dirty="0">
+                <a:solidFill>
+                  <a:srgbClr val="000000"/>
+                </a:solidFill>
+                <a:latin typeface="Public Sans Medium"/>
+                <a:ea typeface="Public Sans Medium"/>
+                <a:cs typeface="Public Sans Medium"/>
+                <a:sym typeface="Public Sans Medium"/>
+              </a:rPr>
+              <a:t>4</a:t>
+            </a:r>
+          </a:p>
+        </p:txBody>
+      </p:sp>
+      <p:pic>
+        <p:nvPicPr>
+          <p:cNvPr id="8" name="Image 7">
+            <a:extLst>
+              <a:ext uri="{FF2B5EF4-FFF2-40B4-BE49-F238E27FC236}">
+                <a16:creationId xmlns:a16="http://schemas.microsoft.com/office/drawing/2014/main" id="{EF6C133B-C0CF-1F48-2A91-09E17D79F081}"/>
+              </a:ext>
+            </a:extLst>
+          </p:cNvPr>
+          <p:cNvPicPr>
+            <a:picLocks noChangeAspect="1"/>
+          </p:cNvPicPr>
+          <p:nvPr/>
+        </p:nvPicPr>
+        <p:blipFill>
+          <a:blip r:embed="rId5" cstate="print">
+            <a:extLst>
+              <a:ext uri="{28A0092B-C50C-407E-A947-70E740481C1C}">
+                <a14:useLocalDpi xmlns:a14="http://schemas.microsoft.com/office/drawing/2010/main" val="0"/>
+              </a:ext>
+            </a:extLst>
+          </a:blip>
+          <a:stretch>
+            <a:fillRect/>
+          </a:stretch>
+        </p:blipFill>
+        <p:spPr>
+          <a:xfrm>
+            <a:off x="2133600" y="3405341"/>
+            <a:ext cx="1829141" cy="1829141"/>
+          </a:xfrm>
+          <a:prstGeom prst="rect">
+            <a:avLst/>
+          </a:prstGeom>
+        </p:spPr>
+      </p:pic>
+      <p:pic>
+        <p:nvPicPr>
+          <p:cNvPr id="10" name="Image 9">
+            <a:extLst>
+              <a:ext uri="{FF2B5EF4-FFF2-40B4-BE49-F238E27FC236}">
+                <a16:creationId xmlns:a16="http://schemas.microsoft.com/office/drawing/2014/main" id="{6AE12453-D771-76AD-047A-3C8BE9D2D991}"/>
+              </a:ext>
+            </a:extLst>
+          </p:cNvPr>
+          <p:cNvPicPr>
+            <a:picLocks noChangeAspect="1"/>
+          </p:cNvPicPr>
+          <p:nvPr/>
+        </p:nvPicPr>
+        <p:blipFill>
+          <a:blip r:embed="rId6">
+            <a:extLst>
+              <a:ext uri="{28A0092B-C50C-407E-A947-70E740481C1C}">
+                <a14:useLocalDpi xmlns:a14="http://schemas.microsoft.com/office/drawing/2010/main" val="0"/>
+              </a:ext>
+            </a:extLst>
+          </a:blip>
+          <a:stretch>
+            <a:fillRect/>
+          </a:stretch>
+        </p:blipFill>
+        <p:spPr>
+          <a:xfrm>
+            <a:off x="6743869" y="2298834"/>
+            <a:ext cx="5334000" cy="3000375"/>
+          </a:xfrm>
+          <a:prstGeom prst="rect">
+            <a:avLst/>
+          </a:prstGeom>
+        </p:spPr>
+      </p:pic>
+      <p:pic>
+        <p:nvPicPr>
+          <p:cNvPr id="12" name="Image 11">
+            <a:extLst>
+              <a:ext uri="{FF2B5EF4-FFF2-40B4-BE49-F238E27FC236}">
+                <a16:creationId xmlns:a16="http://schemas.microsoft.com/office/drawing/2014/main" id="{83469566-4DA4-5DBF-71E3-FDFD4E98F793}"/>
+              </a:ext>
+            </a:extLst>
+          </p:cNvPr>
+          <p:cNvPicPr>
+            <a:picLocks noChangeAspect="1"/>
+          </p:cNvPicPr>
+          <p:nvPr/>
+        </p:nvPicPr>
+        <p:blipFill>
+          <a:blip r:embed="rId7" cstate="print">
+            <a:extLst>
+              <a:ext uri="{28A0092B-C50C-407E-A947-70E740481C1C}">
+                <a14:useLocalDpi xmlns:a14="http://schemas.microsoft.com/office/drawing/2010/main" val="0"/>
+              </a:ext>
+            </a:extLst>
+          </a:blip>
+          <a:stretch>
+            <a:fillRect/>
+          </a:stretch>
+        </p:blipFill>
+        <p:spPr>
+          <a:xfrm>
+            <a:off x="14859000" y="3405341"/>
+            <a:ext cx="1752295" cy="1752295"/>
+          </a:xfrm>
+          <a:prstGeom prst="rect">
+            <a:avLst/>
+          </a:prstGeom>
+        </p:spPr>
+      </p:pic>
+      <p:pic>
+        <p:nvPicPr>
+          <p:cNvPr id="14" name="Image 13">
+            <a:extLst>
+              <a:ext uri="{FF2B5EF4-FFF2-40B4-BE49-F238E27FC236}">
+                <a16:creationId xmlns:a16="http://schemas.microsoft.com/office/drawing/2014/main" id="{73BD3BBC-FBFF-7055-9E51-450128930DBA}"/>
+              </a:ext>
+            </a:extLst>
+          </p:cNvPr>
+          <p:cNvPicPr>
+            <a:picLocks noChangeAspect="1"/>
+          </p:cNvPicPr>
+          <p:nvPr/>
+        </p:nvPicPr>
+        <p:blipFill>
+          <a:blip r:embed="rId8" cstate="print">
+            <a:extLst>
+              <a:ext uri="{28A0092B-C50C-407E-A947-70E740481C1C}">
+                <a14:useLocalDpi xmlns:a14="http://schemas.microsoft.com/office/drawing/2010/main" val="0"/>
+              </a:ext>
+            </a:extLst>
+          </a:blip>
+          <a:stretch>
+            <a:fillRect/>
+          </a:stretch>
+        </p:blipFill>
+        <p:spPr>
+          <a:xfrm>
+            <a:off x="8191661" y="5829300"/>
+            <a:ext cx="1904678" cy="1904678"/>
+          </a:xfrm>
+          <a:prstGeom prst="rect">
+            <a:avLst/>
+          </a:prstGeom>
+        </p:spPr>
+      </p:pic>
+      <p:sp>
+        <p:nvSpPr>
+          <p:cNvPr id="15" name="TextBox 5">
+            <a:extLst>
+              <a:ext uri="{FF2B5EF4-FFF2-40B4-BE49-F238E27FC236}">
+                <a16:creationId xmlns:a16="http://schemas.microsoft.com/office/drawing/2014/main" id="{65BDC803-6E6F-DDCF-3C5C-E4621EE5FA84}"/>
+              </a:ext>
+            </a:extLst>
+          </p:cNvPr>
+          <p:cNvSpPr txBox="1"/>
+          <p:nvPr/>
+        </p:nvSpPr>
+        <p:spPr>
+          <a:xfrm>
+            <a:off x="3615485" y="8572500"/>
+            <a:ext cx="11932461" cy="861774"/>
+          </a:xfrm>
+          <a:prstGeom prst="rect">
+            <a:avLst/>
+          </a:prstGeom>
+        </p:spPr>
+        <p:txBody>
+          <a:bodyPr wrap="square" lIns="0" tIns="0" rIns="0" bIns="0" rtlCol="0" anchor="t">
+            <a:spAutoFit/>
+          </a:bodyPr>
+          <a:lstStyle/>
+          <a:p>
+            <a:pPr algn="just"/>
+            <a:r>
+              <a:rPr lang="fr-FR" sz="2800" b="1" dirty="0"/>
+              <a:t>Mise en place de bonnes pratiques de sécurité pour garantir la confidentialité, l’intégrité et l’accès contrôlé aux données.</a:t>
+            </a:r>
+          </a:p>
+        </p:txBody>
+      </p:sp>
+    </p:spTree>
+    <p:extLst>
+      <p:ext uri="{BB962C8B-B14F-4D97-AF65-F5344CB8AC3E}">
+        <p14:creationId xmlns:p14="http://schemas.microsoft.com/office/powerpoint/2010/main" val="3536286878"/>
+      </p:ext>
+    </p:extLst>
+  </p:cSld>
+  <p:clrMapOvr>
+    <a:masterClrMapping/>
+  </p:clrMapOvr>
+  <p:timing>
+    <p:tnLst>
+      <p:par>
+        <p:cTn id="1" dur="indefinite" restart="never" nodeType="tmRoot">
+          <p:childTnLst>
+            <p:seq concurrent="1" nextAc="seek">
+              <p:cTn id="2" dur="indefinite" nodeType="mainSeq">
+                <p:childTnLst>
+                  <p:par>
+                    <p:cTn id="3" fill="hold">
+                      <p:stCondLst>
+                        <p:cond delay="indefinite"/>
+                        <p:cond evt="onBegin" delay="0">
+                          <p:tn val="2"/>
+                        </p:cond>
+                      </p:stCondLst>
+                      <p:childTnLst>
+                        <p:par>
+                          <p:cTn id="4" fill="hold">
+                            <p:stCondLst>
+                              <p:cond delay="0"/>
+                            </p:stCondLst>
+                            <p:childTnLst>
+                              <p:par>
+                                <p:cTn id="5" presetID="10" presetClass="entr" presetSubtype="0" fill="hold" nodeType="afterEffect">
+                                  <p:stCondLst>
+                                    <p:cond delay="0"/>
+                                  </p:stCondLst>
+                                  <p:childTnLst>
+                                    <p:set>
+                                      <p:cBhvr>
+                                        <p:cTn id="6" dur="1" fill="hold">
+                                          <p:stCondLst>
+                                            <p:cond delay="0"/>
+                                          </p:stCondLst>
+                                        </p:cTn>
+                                        <p:tgtEl>
+                                          <p:spTgt spid="8"/>
+                                        </p:tgtEl>
+                                        <p:attrNameLst>
+                                          <p:attrName>style.visibility</p:attrName>
+                                        </p:attrNameLst>
+                                      </p:cBhvr>
+                                      <p:to>
+                                        <p:strVal val="visible"/>
+                                      </p:to>
+                                    </p:set>
+                                    <p:animEffect transition="in" filter="fade">
+                                      <p:cBhvr>
+                                        <p:cTn id="7" dur="500"/>
+                                        <p:tgtEl>
+                                          <p:spTgt spid="8"/>
+                                        </p:tgtEl>
+                                      </p:cBhvr>
+                                    </p:animEffect>
+                                  </p:childTnLst>
+                                </p:cTn>
+                              </p:par>
+                            </p:childTnLst>
+                          </p:cTn>
+                        </p:par>
+                        <p:par>
+                          <p:cTn id="8" fill="hold">
+                            <p:stCondLst>
+                              <p:cond delay="500"/>
+                            </p:stCondLst>
+                            <p:childTnLst>
+                              <p:par>
+                                <p:cTn id="9" presetID="10" presetClass="entr" presetSubtype="0" fill="hold" nodeType="afterEffect">
+                                  <p:stCondLst>
+                                    <p:cond delay="0"/>
+                                  </p:stCondLst>
+                                  <p:childTnLst>
+                                    <p:set>
+                                      <p:cBhvr>
+                                        <p:cTn id="10" dur="1" fill="hold">
+                                          <p:stCondLst>
+                                            <p:cond delay="0"/>
+                                          </p:stCondLst>
+                                        </p:cTn>
+                                        <p:tgtEl>
+                                          <p:spTgt spid="14"/>
+                                        </p:tgtEl>
+                                        <p:attrNameLst>
+                                          <p:attrName>style.visibility</p:attrName>
+                                        </p:attrNameLst>
+                                      </p:cBhvr>
+                                      <p:to>
+                                        <p:strVal val="visible"/>
+                                      </p:to>
+                                    </p:set>
+                                    <p:animEffect transition="in" filter="fade">
+                                      <p:cBhvr>
+                                        <p:cTn id="11" dur="500"/>
+                                        <p:tgtEl>
+                                          <p:spTgt spid="14"/>
+                                        </p:tgtEl>
+                                      </p:cBhvr>
+                                    </p:animEffect>
+                                  </p:childTnLst>
+                                </p:cTn>
+                              </p:par>
+                            </p:childTnLst>
+                          </p:cTn>
+                        </p:par>
+                        <p:par>
+                          <p:cTn id="12" fill="hold">
+                            <p:stCondLst>
+                              <p:cond delay="1000"/>
+                            </p:stCondLst>
+                            <p:childTnLst>
+                              <p:par>
+                                <p:cTn id="13" presetID="10" presetClass="entr" presetSubtype="0" fill="hold" nodeType="afterEffect">
+                                  <p:stCondLst>
+                                    <p:cond delay="0"/>
+                                  </p:stCondLst>
+                                  <p:childTnLst>
+                                    <p:set>
+                                      <p:cBhvr>
+                                        <p:cTn id="14" dur="1" fill="hold">
+                                          <p:stCondLst>
+                                            <p:cond delay="0"/>
+                                          </p:stCondLst>
+                                        </p:cTn>
+                                        <p:tgtEl>
+                                          <p:spTgt spid="10"/>
+                                        </p:tgtEl>
+                                        <p:attrNameLst>
+                                          <p:attrName>style.visibility</p:attrName>
+                                        </p:attrNameLst>
+                                      </p:cBhvr>
+                                      <p:to>
+                                        <p:strVal val="visible"/>
+                                      </p:to>
+                                    </p:set>
+                                    <p:animEffect transition="in" filter="fade">
+                                      <p:cBhvr>
+                                        <p:cTn id="15" dur="500"/>
+                                        <p:tgtEl>
+                                          <p:spTgt spid="10"/>
+                                        </p:tgtEl>
+                                      </p:cBhvr>
+                                    </p:animEffect>
+                                  </p:childTnLst>
+                                </p:cTn>
+                              </p:par>
+                            </p:childTnLst>
+                          </p:cTn>
+                        </p:par>
+                        <p:par>
+                          <p:cTn id="16" fill="hold">
+                            <p:stCondLst>
+                              <p:cond delay="1500"/>
+                            </p:stCondLst>
+                            <p:childTnLst>
+                              <p:par>
+                                <p:cTn id="17" presetID="10" presetClass="entr" presetSubtype="0" fill="hold" nodeType="afterEffect">
+                                  <p:stCondLst>
+                                    <p:cond delay="0"/>
+                                  </p:stCondLst>
+                                  <p:childTnLst>
+                                    <p:set>
+                                      <p:cBhvr>
+                                        <p:cTn id="18" dur="1" fill="hold">
+                                          <p:stCondLst>
+                                            <p:cond delay="0"/>
+                                          </p:stCondLst>
+                                        </p:cTn>
+                                        <p:tgtEl>
+                                          <p:spTgt spid="12"/>
+                                        </p:tgtEl>
+                                        <p:attrNameLst>
+                                          <p:attrName>style.visibility</p:attrName>
+                                        </p:attrNameLst>
+                                      </p:cBhvr>
+                                      <p:to>
+                                        <p:strVal val="visible"/>
+                                      </p:to>
+                                    </p:set>
+                                    <p:animEffect transition="in" filter="fade">
+                                      <p:cBhvr>
+                                        <p:cTn id="19" dur="500"/>
+                                        <p:tgtEl>
+                                          <p:spTgt spid="12"/>
+                                        </p:tgtEl>
+                                      </p:cBhvr>
+                                    </p:animEffect>
+                                  </p:childTnLst>
+                                </p:cTn>
+                              </p:par>
+                            </p:childTnLst>
+                          </p:cTn>
+                        </p:par>
+                      </p:childTnLst>
+                    </p:cTn>
+                  </p:par>
+                </p:childTnLst>
+              </p:cTn>
+              <p:prevCondLst>
+                <p:cond evt="onPrev" delay="0">
+                  <p:tgtEl>
+                    <p:sldTgt/>
+                  </p:tgtEl>
+                </p:cond>
+              </p:prevCondLst>
+              <p:nextCondLst>
+                <p:cond evt="onNext" delay="0">
+                  <p:tgtEl>
+                    <p:sldTgt/>
+                  </p:tgtEl>
+                </p:cond>
+              </p:nextCondLst>
+            </p:seq>
+          </p:childTnLst>
+        </p:cTn>
+      </p:par>
+    </p:tnLst>
+  </p:timing>
+</p:sld>
+</file>
+
+<file path=ppt/slides/slide6.xml><?xml version="1.0" encoding="utf-8"?>
+<p:sld xmlns:a="http://schemas.openxmlformats.org/drawingml/2006/main" xmlns:r="http://schemas.openxmlformats.org/officeDocument/2006/relationships" xmlns:p="http://schemas.openxmlformats.org/presentationml/2006/main">
+  <p:cSld>
+    <p:spTree>
+      <p:nvGrpSpPr>
+        <p:cNvPr id="1" name="">
+          <a:extLst>
+            <a:ext uri="{FF2B5EF4-FFF2-40B4-BE49-F238E27FC236}">
+              <a16:creationId xmlns:a16="http://schemas.microsoft.com/office/drawing/2014/main" id="{F68802D2-DB7A-7B97-0411-55BBAD5E9C4F}"/>
+            </a:ext>
+          </a:extLst>
+        </p:cNvPr>
+        <p:cNvGrpSpPr/>
+        <p:nvPr/>
+      </p:nvGrpSpPr>
+      <p:grpSpPr>
+        <a:xfrm>
+          <a:off x="0" y="0"/>
+          <a:ext cx="0" cy="0"/>
+          <a:chOff x="0" y="0"/>
+          <a:chExt cx="0" cy="0"/>
+        </a:xfrm>
+      </p:grpSpPr>
+      <p:sp>
+        <p:nvSpPr>
+          <p:cNvPr id="2" name="Freeform 2">
+            <a:extLst>
+              <a:ext uri="{FF2B5EF4-FFF2-40B4-BE49-F238E27FC236}">
+                <a16:creationId xmlns:a16="http://schemas.microsoft.com/office/drawing/2014/main" id="{8CD7B9C4-4897-DA4D-FB5E-3259B070A2BB}"/>
+              </a:ext>
+            </a:extLst>
+          </p:cNvPr>
+          <p:cNvSpPr/>
+          <p:nvPr/>
+        </p:nvSpPr>
+        <p:spPr>
+          <a:xfrm rot="-5400000">
+            <a:off x="-1070809" y="7755567"/>
+            <a:ext cx="3657600" cy="1150481"/>
+          </a:xfrm>
+          <a:custGeom>
+            <a:avLst/>
+            <a:gdLst/>
+            <a:ahLst/>
+            <a:cxnLst/>
+            <a:rect l="l" t="t" r="r" b="b"/>
+            <a:pathLst>
+              <a:path w="3657600" h="1150481">
+                <a:moveTo>
+                  <a:pt x="0" y="0"/>
+                </a:moveTo>
+                <a:lnTo>
+                  <a:pt x="3657600" y="0"/>
+                </a:lnTo>
+                <a:lnTo>
+                  <a:pt x="3657600" y="1150481"/>
+                </a:lnTo>
+                <a:lnTo>
+                  <a:pt x="0" y="1150481"/>
+                </a:lnTo>
+                <a:lnTo>
+                  <a:pt x="0" y="0"/>
+                </a:lnTo>
+                <a:close/>
+              </a:path>
+            </a:pathLst>
+          </a:custGeom>
+          <a:blipFill>
+            <a:blip r:embed="rId3">
+              <a:extLst>
+                <a:ext uri="{96DAC541-7B7A-43D3-8B79-37D633B846F1}">
+                  <asvg:svgBlip xmlns:asvg="http://schemas.microsoft.com/office/drawing/2016/SVG/main" r:embed="rId4"/>
+                </a:ext>
+              </a:extLst>
+            </a:blip>
+            <a:stretch>
+              <a:fillRect/>
+            </a:stretch>
+          </a:blipFill>
+        </p:spPr>
+      </p:sp>
+      <p:sp>
+        <p:nvSpPr>
+          <p:cNvPr id="3" name="Freeform 3">
+            <a:extLst>
+              <a:ext uri="{FF2B5EF4-FFF2-40B4-BE49-F238E27FC236}">
+                <a16:creationId xmlns:a16="http://schemas.microsoft.com/office/drawing/2014/main" id="{D8B3D0EF-4FE9-CBD8-0FA7-FCDE859FC8F3}"/>
+              </a:ext>
+            </a:extLst>
+          </p:cNvPr>
+          <p:cNvSpPr/>
+          <p:nvPr/>
+        </p:nvSpPr>
+        <p:spPr>
+          <a:xfrm rot="5726696">
+            <a:off x="14072535" y="-2797463"/>
+            <a:ext cx="6773271" cy="6773271"/>
+          </a:xfrm>
+          <a:custGeom>
+            <a:avLst/>
+            <a:gdLst/>
+            <a:ahLst/>
+            <a:cxnLst/>
+            <a:rect l="l" t="t" r="r" b="b"/>
+            <a:pathLst>
+              <a:path w="6773271" h="6773271">
+                <a:moveTo>
+                  <a:pt x="0" y="0"/>
+                </a:moveTo>
+                <a:lnTo>
+                  <a:pt x="6773271" y="0"/>
+                </a:lnTo>
+                <a:lnTo>
+                  <a:pt x="6773271" y="6773271"/>
+                </a:lnTo>
+                <a:lnTo>
+                  <a:pt x="0" y="6773271"/>
+                </a:lnTo>
+                <a:lnTo>
+                  <a:pt x="0" y="0"/>
+                </a:lnTo>
+                <a:close/>
+              </a:path>
+            </a:pathLst>
+          </a:custGeom>
+          <a:blipFill>
+            <a:blip r:embed="rId5">
+              <a:extLst>
+                <a:ext uri="{96DAC541-7B7A-43D3-8B79-37D633B846F1}">
+                  <asvg:svgBlip xmlns:asvg="http://schemas.microsoft.com/office/drawing/2016/SVG/main" r:embed="rId6"/>
+                </a:ext>
+              </a:extLst>
+            </a:blip>
+            <a:stretch>
+              <a:fillRect/>
+            </a:stretch>
+          </a:blipFill>
+        </p:spPr>
+      </p:sp>
+      <p:sp>
+        <p:nvSpPr>
+          <p:cNvPr id="6" name="TextBox 6">
+            <a:extLst>
+              <a:ext uri="{FF2B5EF4-FFF2-40B4-BE49-F238E27FC236}">
+                <a16:creationId xmlns:a16="http://schemas.microsoft.com/office/drawing/2014/main" id="{2C4C2A23-F79B-19B4-AF78-81E814562D28}"/>
+              </a:ext>
+            </a:extLst>
+          </p:cNvPr>
+          <p:cNvSpPr txBox="1"/>
+          <p:nvPr/>
+        </p:nvSpPr>
+        <p:spPr>
+          <a:xfrm>
+            <a:off x="1028700" y="885825"/>
+            <a:ext cx="10894822" cy="1136401"/>
+          </a:xfrm>
+          <a:prstGeom prst="rect">
+            <a:avLst/>
+          </a:prstGeom>
+        </p:spPr>
+        <p:txBody>
+          <a:bodyPr lIns="0" tIns="0" rIns="0" bIns="0" rtlCol="0" anchor="t">
+            <a:spAutoFit/>
+          </a:bodyPr>
+          <a:lstStyle/>
+          <a:p>
+            <a:pPr>
+              <a:lnSpc>
+                <a:spcPts val="9666"/>
+              </a:lnSpc>
+            </a:pPr>
+            <a:r>
+              <a:rPr lang="en-US" sz="6904" b="1" dirty="0">
+                <a:solidFill>
+                  <a:srgbClr val="000000"/>
+                </a:solidFill>
+                <a:latin typeface="Public Sans Bold"/>
+                <a:ea typeface="Public Sans Bold"/>
+                <a:cs typeface="Public Sans Bold"/>
+                <a:sym typeface="Public Sans Bold"/>
+              </a:rPr>
+              <a:t>Electron.NET</a:t>
+            </a:r>
+          </a:p>
+        </p:txBody>
+      </p:sp>
+      <p:sp>
+        <p:nvSpPr>
+          <p:cNvPr id="7" name="TextBox 7">
+            <a:extLst>
+              <a:ext uri="{FF2B5EF4-FFF2-40B4-BE49-F238E27FC236}">
+                <a16:creationId xmlns:a16="http://schemas.microsoft.com/office/drawing/2014/main" id="{481B20DC-68E1-3CF3-52D7-5A5CBA2A14B4}"/>
+              </a:ext>
+            </a:extLst>
+          </p:cNvPr>
+          <p:cNvSpPr txBox="1"/>
+          <p:nvPr/>
+        </p:nvSpPr>
+        <p:spPr>
+          <a:xfrm>
+            <a:off x="17584511" y="9694965"/>
+            <a:ext cx="528324" cy="433324"/>
+          </a:xfrm>
+          <a:prstGeom prst="rect">
+            <a:avLst/>
+          </a:prstGeom>
+        </p:spPr>
+        <p:txBody>
+          <a:bodyPr lIns="0" tIns="0" rIns="0" bIns="0" rtlCol="0" anchor="t">
+            <a:spAutoFit/>
+          </a:bodyPr>
+          <a:lstStyle/>
+          <a:p>
+            <a:pPr algn="l">
+              <a:lnSpc>
+                <a:spcPts val="3679"/>
+              </a:lnSpc>
+            </a:pPr>
+            <a:r>
+              <a:rPr lang="en-US" sz="2628" b="1" dirty="0">
+                <a:solidFill>
+                  <a:srgbClr val="000000"/>
+                </a:solidFill>
+                <a:latin typeface="Public Sans Medium"/>
+                <a:ea typeface="Public Sans Medium"/>
+                <a:cs typeface="Public Sans Medium"/>
+                <a:sym typeface="Public Sans Medium"/>
+              </a:rPr>
+              <a:t>5</a:t>
+            </a:r>
+          </a:p>
+        </p:txBody>
+      </p:sp>
+      <p:sp>
+        <p:nvSpPr>
+          <p:cNvPr id="12" name="TextBox 5">
+            <a:extLst>
+              <a:ext uri="{FF2B5EF4-FFF2-40B4-BE49-F238E27FC236}">
+                <a16:creationId xmlns:a16="http://schemas.microsoft.com/office/drawing/2014/main" id="{855BA7A2-148A-8B73-BC6D-53F535687910}"/>
+              </a:ext>
+            </a:extLst>
+          </p:cNvPr>
+          <p:cNvSpPr txBox="1"/>
+          <p:nvPr/>
+        </p:nvSpPr>
+        <p:spPr>
+          <a:xfrm>
+            <a:off x="3177768" y="8494110"/>
+            <a:ext cx="11932461" cy="861774"/>
+          </a:xfrm>
+          <a:prstGeom prst="rect">
+            <a:avLst/>
+          </a:prstGeom>
+        </p:spPr>
+        <p:txBody>
+          <a:bodyPr wrap="square" lIns="0" tIns="0" rIns="0" bIns="0" rtlCol="0" anchor="t">
+            <a:spAutoFit/>
+          </a:bodyPr>
+          <a:lstStyle/>
+          <a:p>
+            <a:pPr algn="just"/>
+            <a:r>
+              <a:rPr lang="fr-FR" sz="2800" b="1" dirty="0"/>
+              <a:t>Intégration d’Electron.NET pour transformer l’application web en logiciel bureau multiplateforme, simple à déployer.</a:t>
+            </a:r>
+          </a:p>
+        </p:txBody>
+      </p:sp>
+      <p:pic>
+        <p:nvPicPr>
+          <p:cNvPr id="14" name="Image 13">
+            <a:extLst>
+              <a:ext uri="{FF2B5EF4-FFF2-40B4-BE49-F238E27FC236}">
+                <a16:creationId xmlns:a16="http://schemas.microsoft.com/office/drawing/2014/main" id="{5FB4B0F4-AB8B-A2B6-CFC0-1B67AEBF9ACC}"/>
+              </a:ext>
+            </a:extLst>
+          </p:cNvPr>
+          <p:cNvPicPr>
+            <a:picLocks noChangeAspect="1"/>
+          </p:cNvPicPr>
+          <p:nvPr/>
+        </p:nvPicPr>
+        <p:blipFill>
+          <a:blip r:embed="rId7">
+            <a:extLst>
+              <a:ext uri="{28A0092B-C50C-407E-A947-70E740481C1C}">
+                <a14:useLocalDpi xmlns:a14="http://schemas.microsoft.com/office/drawing/2010/main" val="0"/>
+              </a:ext>
+            </a:extLst>
+          </a:blip>
+          <a:stretch>
+            <a:fillRect/>
+          </a:stretch>
+        </p:blipFill>
+        <p:spPr>
+          <a:xfrm>
+            <a:off x="10287000" y="3848100"/>
+            <a:ext cx="6196463" cy="1886633"/>
+          </a:xfrm>
+          <a:prstGeom prst="rect">
+            <a:avLst/>
+          </a:prstGeom>
+        </p:spPr>
+      </p:pic>
+      <p:pic>
+        <p:nvPicPr>
+          <p:cNvPr id="16" name="Image 15">
+            <a:extLst>
+              <a:ext uri="{FF2B5EF4-FFF2-40B4-BE49-F238E27FC236}">
+                <a16:creationId xmlns:a16="http://schemas.microsoft.com/office/drawing/2014/main" id="{41F2F181-FF8C-538E-5746-07733196DA13}"/>
+              </a:ext>
+            </a:extLst>
+          </p:cNvPr>
+          <p:cNvPicPr>
+            <a:picLocks noChangeAspect="1"/>
+          </p:cNvPicPr>
+          <p:nvPr/>
+        </p:nvPicPr>
+        <p:blipFill>
+          <a:blip r:embed="rId8" cstate="print">
+            <a:extLst>
+              <a:ext uri="{28A0092B-C50C-407E-A947-70E740481C1C}">
+                <a14:useLocalDpi xmlns:a14="http://schemas.microsoft.com/office/drawing/2010/main" val="0"/>
+              </a:ext>
+            </a:extLst>
+          </a:blip>
+          <a:stretch>
+            <a:fillRect/>
+          </a:stretch>
+        </p:blipFill>
+        <p:spPr>
+          <a:xfrm>
+            <a:off x="3884201" y="3477264"/>
+            <a:ext cx="2628304" cy="2628304"/>
+          </a:xfrm>
+          <a:prstGeom prst="rect">
+            <a:avLst/>
+          </a:prstGeom>
+        </p:spPr>
+      </p:pic>
+    </p:spTree>
+    <p:extLst>
+      <p:ext uri="{BB962C8B-B14F-4D97-AF65-F5344CB8AC3E}">
+        <p14:creationId xmlns:p14="http://schemas.microsoft.com/office/powerpoint/2010/main" val="2004881257"/>
+      </p:ext>
+    </p:extLst>
+  </p:cSld>
+  <p:clrMapOvr>
+    <a:masterClrMapping/>
+  </p:clrMapOvr>
+  <p:timing>
+    <p:tnLst>
+      <p:par>
+        <p:cTn id="1" dur="indefinite" restart="never" nodeType="tmRoot">
+          <p:childTnLst>
+            <p:seq concurrent="1" nextAc="seek">
+              <p:cTn id="2" dur="indefinite" nodeType="mainSeq">
+                <p:childTnLst>
+                  <p:par>
+                    <p:cTn id="3" fill="hold">
+                      <p:stCondLst>
+                        <p:cond delay="indefinite"/>
+                        <p:cond evt="onBegin" delay="0">
+                          <p:tn val="2"/>
+                        </p:cond>
+                      </p:stCondLst>
+                      <p:childTnLst>
+                        <p:par>
+                          <p:cTn id="4" fill="hold">
+                            <p:stCondLst>
+                              <p:cond delay="0"/>
+                            </p:stCondLst>
+                            <p:childTnLst>
+                              <p:par>
+                                <p:cTn id="5" presetID="42" presetClass="entr" presetSubtype="0" fill="hold" nodeType="afterEffect">
+                                  <p:stCondLst>
+                                    <p:cond delay="0"/>
+                                  </p:stCondLst>
+                                  <p:childTnLst>
+                                    <p:set>
+                                      <p:cBhvr>
+                                        <p:cTn id="6" dur="1" fill="hold">
+                                          <p:stCondLst>
+                                            <p:cond delay="0"/>
+                                          </p:stCondLst>
+                                        </p:cTn>
+                                        <p:tgtEl>
+                                          <p:spTgt spid="16"/>
+                                        </p:tgtEl>
+                                        <p:attrNameLst>
+                                          <p:attrName>style.visibility</p:attrName>
+                                        </p:attrNameLst>
+                                      </p:cBhvr>
+                                      <p:to>
+                                        <p:strVal val="visible"/>
+                                      </p:to>
+                                    </p:set>
+                                    <p:animEffect transition="in" filter="fade">
+                                      <p:cBhvr>
+                                        <p:cTn id="7" dur="1000"/>
+                                        <p:tgtEl>
+                                          <p:spTgt spid="16"/>
+                                        </p:tgtEl>
+                                      </p:cBhvr>
+                                    </p:animEffect>
+                                    <p:anim calcmode="lin" valueType="num">
+                                      <p:cBhvr>
+                                        <p:cTn id="8" dur="1000" fill="hold"/>
+                                        <p:tgtEl>
+                                          <p:spTgt spid="16"/>
+                                        </p:tgtEl>
+                                        <p:attrNameLst>
+                                          <p:attrName>ppt_x</p:attrName>
+                                        </p:attrNameLst>
+                                      </p:cBhvr>
+                                      <p:tavLst>
+                                        <p:tav tm="0">
+                                          <p:val>
+                                            <p:strVal val="#ppt_x"/>
+                                          </p:val>
+                                        </p:tav>
+                                        <p:tav tm="100000">
+                                          <p:val>
+                                            <p:strVal val="#ppt_x"/>
+                                          </p:val>
+                                        </p:tav>
+                                      </p:tavLst>
+                                    </p:anim>
+                                    <p:anim calcmode="lin" valueType="num">
+                                      <p:cBhvr>
+                                        <p:cTn id="9" dur="1000" fill="hold"/>
+                                        <p:tgtEl>
+                                          <p:spTgt spid="16"/>
+                                        </p:tgtEl>
+                                        <p:attrNameLst>
+                                          <p:attrName>ppt_y</p:attrName>
+                                        </p:attrNameLst>
+                                      </p:cBhvr>
+                                      <p:tavLst>
+                                        <p:tav tm="0">
+                                          <p:val>
+                                            <p:strVal val="#ppt_y+.1"/>
+                                          </p:val>
+                                        </p:tav>
+                                        <p:tav tm="100000">
+                                          <p:val>
+                                            <p:strVal val="#ppt_y"/>
+                                          </p:val>
+                                        </p:tav>
+                                      </p:tavLst>
+                                    </p:anim>
+                                  </p:childTnLst>
+                                </p:cTn>
+                              </p:par>
+                            </p:childTnLst>
+                          </p:cTn>
+                        </p:par>
+                        <p:par>
+                          <p:cTn id="10" fill="hold">
+                            <p:stCondLst>
+                              <p:cond delay="1000"/>
+                            </p:stCondLst>
+                            <p:childTnLst>
+                              <p:par>
+                                <p:cTn id="11" presetID="42" presetClass="entr" presetSubtype="0" fill="hold" nodeType="afterEffect">
+                                  <p:stCondLst>
+                                    <p:cond delay="0"/>
+                                  </p:stCondLst>
+                                  <p:childTnLst>
+                                    <p:set>
+                                      <p:cBhvr>
+                                        <p:cTn id="12" dur="1" fill="hold">
+                                          <p:stCondLst>
+                                            <p:cond delay="0"/>
+                                          </p:stCondLst>
+                                        </p:cTn>
+                                        <p:tgtEl>
+                                          <p:spTgt spid="14"/>
+                                        </p:tgtEl>
+                                        <p:attrNameLst>
+                                          <p:attrName>style.visibility</p:attrName>
+                                        </p:attrNameLst>
+                                      </p:cBhvr>
+                                      <p:to>
+                                        <p:strVal val="visible"/>
+                                      </p:to>
+                                    </p:set>
+                                    <p:animEffect transition="in" filter="fade">
+                                      <p:cBhvr>
+                                        <p:cTn id="13" dur="1000"/>
+                                        <p:tgtEl>
+                                          <p:spTgt spid="14"/>
+                                        </p:tgtEl>
+                                      </p:cBhvr>
+                                    </p:animEffect>
+                                    <p:anim calcmode="lin" valueType="num">
+                                      <p:cBhvr>
+                                        <p:cTn id="14" dur="1000" fill="hold"/>
+                                        <p:tgtEl>
+                                          <p:spTgt spid="14"/>
+                                        </p:tgtEl>
+                                        <p:attrNameLst>
+                                          <p:attrName>ppt_x</p:attrName>
+                                        </p:attrNameLst>
+                                      </p:cBhvr>
+                                      <p:tavLst>
+                                        <p:tav tm="0">
+                                          <p:val>
+                                            <p:strVal val="#ppt_x"/>
+                                          </p:val>
+                                        </p:tav>
+                                        <p:tav tm="100000">
+                                          <p:val>
+                                            <p:strVal val="#ppt_x"/>
+                                          </p:val>
+                                        </p:tav>
+                                      </p:tavLst>
+                                    </p:anim>
+                                    <p:anim calcmode="lin" valueType="num">
+                                      <p:cBhvr>
+                                        <p:cTn id="15" dur="1000" fill="hold"/>
+                                        <p:tgtEl>
+                                          <p:spTgt spid="14"/>
+                                        </p:tgtEl>
+                                        <p:attrNameLst>
+                                          <p:attrName>ppt_y</p:attrName>
+                                        </p:attrNameLst>
+                                      </p:cBhvr>
+                                      <p:tavLst>
+                                        <p:tav tm="0">
+                                          <p:val>
+                                            <p:strVal val="#ppt_y+.1"/>
+                                          </p:val>
+                                        </p:tav>
+                                        <p:tav tm="100000">
+                                          <p:val>
+                                            <p:strVal val="#ppt_y"/>
+                                          </p:val>
+                                        </p:tav>
+                                      </p:tavLst>
+                                    </p:anim>
+                                  </p:childTnLst>
+                                </p:cTn>
+                              </p:par>
+                            </p:childTnLst>
+                          </p:cTn>
+                        </p:par>
+                      </p:childTnLst>
+                    </p:cTn>
+                  </p:par>
+                </p:childTnLst>
+              </p:cTn>
+              <p:prevCondLst>
+                <p:cond evt="onPrev" delay="0">
+                  <p:tgtEl>
+                    <p:sldTgt/>
+                  </p:tgtEl>
+                </p:cond>
+              </p:prevCondLst>
+              <p:nextCondLst>
+                <p:cond evt="onNext" delay="0">
+                  <p:tgtEl>
+                    <p:sldTgt/>
+                  </p:tgtEl>
+                </p:cond>
+              </p:nextCondLst>
+            </p:seq>
+          </p:childTnLst>
+        </p:cTn>
+      </p:par>
+    </p:tnLst>
+  </p:timing>
+</p:sld>
+</file>
+
+<file path=ppt/slides/slide7.xml><?xml version="1.0" encoding="utf-8"?>
+<p:sld xmlns:a="http://schemas.openxmlformats.org/drawingml/2006/main" xmlns:r="http://schemas.openxmlformats.org/officeDocument/2006/relationships" xmlns:p="http://schemas.openxmlformats.org/presentationml/2006/main">
+  <p:cSld>
+    <p:spTree>
+      <p:nvGrpSpPr>
+        <p:cNvPr id="1" name=""/>
+        <p:cNvGrpSpPr/>
+        <p:nvPr/>
+      </p:nvGrpSpPr>
+      <p:grpSpPr>
+        <a:xfrm>
+          <a:off x="0" y="0"/>
+          <a:ext cx="0" cy="0"/>
+          <a:chOff x="0" y="0"/>
+          <a:chExt cx="0" cy="0"/>
+        </a:xfrm>
+      </p:grpSpPr>
+      <p:sp>
+        <p:nvSpPr>
+          <p:cNvPr id="2" name="TextBox 2"/>
+          <p:cNvSpPr txBox="1"/>
+          <p:nvPr/>
+        </p:nvSpPr>
+        <p:spPr>
+          <a:xfrm>
+            <a:off x="1028700" y="885825"/>
+            <a:ext cx="10894822" cy="1194718"/>
+          </a:xfrm>
+          <a:prstGeom prst="rect">
+            <a:avLst/>
+          </a:prstGeom>
+        </p:spPr>
+        <p:txBody>
+          <a:bodyPr lIns="0" tIns="0" rIns="0" bIns="0" rtlCol="0" anchor="t">
+            <a:spAutoFit/>
+          </a:bodyPr>
+          <a:lstStyle/>
+          <a:p>
+            <a:pPr algn="l">
+              <a:lnSpc>
+                <a:spcPts val="9666"/>
+              </a:lnSpc>
+            </a:pPr>
+            <a:r>
+              <a:rPr lang="en-US" sz="6904" b="1">
+                <a:solidFill>
+                  <a:srgbClr val="000000"/>
+                </a:solidFill>
+                <a:latin typeface="Public Sans Bold"/>
+                <a:ea typeface="Public Sans Bold"/>
+                <a:cs typeface="Public Sans Bold"/>
+                <a:sym typeface="Public Sans Bold"/>
+              </a:rPr>
+              <a:t>Démo </a:t>
+            </a:r>
+          </a:p>
+        </p:txBody>
+      </p:sp>
+      <p:sp>
+        <p:nvSpPr>
+          <p:cNvPr id="3" name="TextBox 3"/>
+          <p:cNvSpPr txBox="1"/>
+          <p:nvPr/>
+        </p:nvSpPr>
+        <p:spPr>
+          <a:xfrm>
+            <a:off x="17584511" y="9694965"/>
+            <a:ext cx="528324" cy="433324"/>
+          </a:xfrm>
+          <a:prstGeom prst="rect">
+            <a:avLst/>
+          </a:prstGeom>
+        </p:spPr>
+        <p:txBody>
+          <a:bodyPr lIns="0" tIns="0" rIns="0" bIns="0" rtlCol="0" anchor="t">
+            <a:spAutoFit/>
+          </a:bodyPr>
+          <a:lstStyle/>
+          <a:p>
+            <a:pPr algn="l">
+              <a:lnSpc>
+                <a:spcPts val="3679"/>
+              </a:lnSpc>
+            </a:pPr>
+            <a:r>
+              <a:rPr lang="en-US" sz="2628" b="1" dirty="0">
+                <a:solidFill>
+                  <a:srgbClr val="000000"/>
+                </a:solidFill>
+                <a:latin typeface="Public Sans Medium"/>
+                <a:ea typeface="Public Sans Medium"/>
+                <a:cs typeface="Public Sans Medium"/>
+                <a:sym typeface="Public Sans Medium"/>
+              </a:rPr>
+              <a:t>6</a:t>
+            </a:r>
+          </a:p>
+        </p:txBody>
+      </p:sp>
+      <p:sp>
+        <p:nvSpPr>
+          <p:cNvPr id="4" name="Freeform 4"/>
+          <p:cNvSpPr/>
+          <p:nvPr/>
+        </p:nvSpPr>
+        <p:spPr>
+          <a:xfrm>
+            <a:off x="15889854" y="404140"/>
+            <a:ext cx="3657600" cy="1150481"/>
+          </a:xfrm>
+          <a:custGeom>
+            <a:avLst/>
+            <a:gdLst/>
+            <a:ahLst/>
+            <a:cxnLst/>
+            <a:rect l="l" t="t" r="r" b="b"/>
+            <a:pathLst>
+              <a:path w="3657600" h="1150481">
+                <a:moveTo>
+                  <a:pt x="0" y="0"/>
+                </a:moveTo>
+                <a:lnTo>
+                  <a:pt x="3657600" y="0"/>
+                </a:lnTo>
+                <a:lnTo>
+                  <a:pt x="3657600" y="1150481"/>
+                </a:lnTo>
+                <a:lnTo>
+                  <a:pt x="0" y="1150481"/>
+                </a:lnTo>
+                <a:lnTo>
+                  <a:pt x="0" y="0"/>
+                </a:lnTo>
+                <a:close/>
+              </a:path>
+            </a:pathLst>
+          </a:custGeom>
+          <a:blipFill>
+            <a:blip r:embed="rId2">
+              <a:extLst>
+                <a:ext uri="{96DAC541-7B7A-43D3-8B79-37D633B846F1}">
+                  <asvg:svgBlip xmlns:asvg="http://schemas.microsoft.com/office/drawing/2016/SVG/main" r:embed="rId3"/>
+                </a:ext>
+              </a:extLst>
+            </a:blip>
+            <a:stretch>
+              <a:fillRect/>
+            </a:stretch>
+          </a:blipFill>
+        </p:spPr>
+      </p:sp>
+      <p:sp>
+        <p:nvSpPr>
+          <p:cNvPr id="5" name="Freeform 5"/>
+          <p:cNvSpPr/>
+          <p:nvPr/>
+        </p:nvSpPr>
+        <p:spPr>
+          <a:xfrm rot="-5400000">
+            <a:off x="-800100" y="9385383"/>
+            <a:ext cx="3657600" cy="1150481"/>
+          </a:xfrm>
+          <a:custGeom>
+            <a:avLst/>
+            <a:gdLst/>
+            <a:ahLst/>
+            <a:cxnLst/>
+            <a:rect l="l" t="t" r="r" b="b"/>
+            <a:pathLst>
+              <a:path w="3657600" h="1150481">
+                <a:moveTo>
+                  <a:pt x="0" y="0"/>
+                </a:moveTo>
+                <a:lnTo>
+                  <a:pt x="3657600" y="0"/>
+                </a:lnTo>
+                <a:lnTo>
+                  <a:pt x="3657600" y="1150481"/>
+                </a:lnTo>
+                <a:lnTo>
+                  <a:pt x="0" y="1150481"/>
+                </a:lnTo>
+                <a:lnTo>
+                  <a:pt x="0" y="0"/>
+                </a:lnTo>
+                <a:close/>
+              </a:path>
+            </a:pathLst>
+          </a:custGeom>
+          <a:blipFill>
+            <a:blip r:embed="rId2">
+              <a:extLst>
+                <a:ext uri="{96DAC541-7B7A-43D3-8B79-37D633B846F1}">
+                  <asvg:svgBlip xmlns:asvg="http://schemas.microsoft.com/office/drawing/2016/SVG/main" r:embed="rId3"/>
+                </a:ext>
+              </a:extLst>
+            </a:blip>
+            <a:stretch>
+              <a:fillRect/>
+            </a:stretch>
+          </a:blipFill>
+        </p:spPr>
+      </p:sp>
+      <p:sp>
+        <p:nvSpPr>
+          <p:cNvPr id="6" name="Freeform 6"/>
+          <p:cNvSpPr/>
+          <p:nvPr/>
+        </p:nvSpPr>
+        <p:spPr>
+          <a:xfrm>
+            <a:off x="6263691" y="2263191"/>
+            <a:ext cx="5760617" cy="5760617"/>
+          </a:xfrm>
+          <a:custGeom>
+            <a:avLst/>
+            <a:gdLst/>
+            <a:ahLst/>
+            <a:cxnLst/>
+            <a:rect l="l" t="t" r="r" b="b"/>
+            <a:pathLst>
+              <a:path w="5760617" h="5760617">
+                <a:moveTo>
+                  <a:pt x="0" y="0"/>
+                </a:moveTo>
+                <a:lnTo>
+                  <a:pt x="5760618" y="0"/>
+                </a:lnTo>
+                <a:lnTo>
+                  <a:pt x="5760618" y="5760618"/>
+                </a:lnTo>
+                <a:lnTo>
+                  <a:pt x="0" y="5760618"/>
+                </a:lnTo>
+                <a:lnTo>
+                  <a:pt x="0" y="0"/>
+                </a:lnTo>
+                <a:close/>
+              </a:path>
+            </a:pathLst>
+          </a:custGeom>
+          <a:blipFill>
+            <a:blip r:embed="rId4"/>
+            <a:stretch>
+              <a:fillRect/>
+            </a:stretch>
+          </a:blipFill>
+        </p:spPr>
+      </p:sp>
+    </p:spTree>
+  </p:cSld>
+  <p:clrMapOvr>
+    <a:masterClrMapping/>
+  </p:clrMapOvr>
+  <p:timing>
+    <p:tnLst>
+      <p:par>
+        <p:cTn id="1" dur="indefinite" restart="never" nodeType="tmRoot">
+          <p:childTnLst>
+            <p:seq concurrent="1" nextAc="seek">
+              <p:cTn id="2" dur="indefinite" nodeType="mainSeq">
+                <p:childTnLst>
+                  <p:par>
+                    <p:cTn id="3" fill="hold">
+                      <p:stCondLst>
+                        <p:cond delay="indefinite"/>
+                      </p:stCondLst>
+                      <p:childTnLst>
+                        <p:par>
+                          <p:cTn id="4" fill="hold">
+                            <p:stCondLst>
+                              <p:cond delay="0"/>
+                            </p:stCondLst>
+                            <p:childTnLst>
+                              <p:par>
+                                <p:cTn id="5" presetID="2" presetClass="entr" presetSubtype="4" fill="hold" nodeType="clickEffect">
+                                  <p:stCondLst>
+                                    <p:cond delay="0"/>
+                                  </p:stCondLst>
+                                  <p:childTnLst>
+                                    <p:set>
+                                      <p:cBhvr>
+                                        <p:cTn id="6" dur="1" fill="hold">
+                                          <p:stCondLst>
+                                            <p:cond delay="0"/>
+                                          </p:stCondLst>
+                                        </p:cTn>
+                                        <p:tgtEl>
+                                          <p:spTgt spid="6"/>
+                                        </p:tgtEl>
+                                        <p:attrNameLst>
+                                          <p:attrName>style.visibility</p:attrName>
+                                        </p:attrNameLst>
+                                      </p:cBhvr>
+                                      <p:to>
+                                        <p:strVal val="visible"/>
+                                      </p:to>
+                                    </p:set>
+                                    <p:anim calcmode="lin" valueType="num">
+                                      <p:cBhvr additive="base">
+                                        <p:cTn id="7" dur="500" fill="hold"/>
+                                        <p:tgtEl>
+                                          <p:spTgt spid="6"/>
+                                        </p:tgtEl>
+                                        <p:attrNameLst>
+                                          <p:attrName>ppt_x</p:attrName>
+                                        </p:attrNameLst>
+                                      </p:cBhvr>
+                                      <p:tavLst>
+                                        <p:tav tm="0">
+                                          <p:val>
+                                            <p:strVal val="#ppt_x"/>
+                                          </p:val>
+                                        </p:tav>
+                                        <p:tav tm="100000">
+                                          <p:val>
+                                            <p:strVal val="#ppt_x"/>
+                                          </p:val>
+                                        </p:tav>
+                                      </p:tavLst>
+                                    </p:anim>
+                                    <p:anim calcmode="lin" valueType="num">
+                                      <p:cBhvr additive="base">
+                                        <p:cTn id="8" dur="500" fill="hold"/>
+                                        <p:tgtEl>
+                                          <p:spTgt spid="6"/>
+                                        </p:tgtEl>
+                                        <p:attrNameLst>
+                                          <p:attrName>ppt_y</p:attrName>
+                                        </p:attrNameLst>
+                                      </p:cBhvr>
+                                      <p:tavLst>
+                                        <p:tav tm="0">
+                                          <p:val>
+                                            <p:strVal val="1+#ppt_h/2"/>
+                                          </p:val>
+                                        </p:tav>
+                                        <p:tav tm="100000">
+                                          <p:val>
+                                            <p:strVal val="#ppt_y"/>
+                                          </p:val>
+                                        </p:tav>
+                                      </p:tavLst>
+                                    </p:anim>
+                                  </p:childTnLst>
+                                </p:cTn>
+                              </p:par>
+                            </p:childTnLst>
+                          </p:cTn>
+                        </p:par>
+                      </p:childTnLst>
+                    </p:cTn>
+                  </p:par>
+                </p:childTnLst>
+              </p:cTn>
+              <p:prevCondLst>
+                <p:cond evt="onPrev" delay="0">
+                  <p:tgtEl>
+                    <p:sldTgt/>
+                  </p:tgtEl>
+                </p:cond>
+              </p:prevCondLst>
+              <p:nextCondLst>
+                <p:cond evt="onNext" delay="0">
+                  <p:tgtEl>
+                    <p:sldTgt/>
+                  </p:tgtEl>
+                </p:cond>
+              </p:nextCondLst>
+            </p:seq>
+          </p:childTnLst>
+        </p:cTn>
+      </p:par>
+    </p:tnLst>
+  </p:timing>
+</p:sld>
+</file>
+
+<file path=ppt/slides/slide8.xml><?xml version="1.0" encoding="utf-8"?>
+<p:sld xmlns:a="http://schemas.openxmlformats.org/drawingml/2006/main" xmlns:r="http://schemas.openxmlformats.org/officeDocument/2006/relationships" xmlns:p="http://schemas.openxmlformats.org/presentationml/2006/main">
+  <p:cSld>
+    <p:spTree>
+      <p:nvGrpSpPr>
+        <p:cNvPr id="1" name=""/>
+        <p:cNvGrpSpPr/>
+        <p:nvPr/>
+      </p:nvGrpSpPr>
+      <p:grpSpPr>
+        <a:xfrm>
+          <a:off x="0" y="0"/>
+          <a:ext cx="0" cy="0"/>
+          <a:chOff x="0" y="0"/>
+          <a:chExt cx="0" cy="0"/>
+        </a:xfrm>
+      </p:grpSpPr>
+      <p:sp>
+        <p:nvSpPr>
+          <p:cNvPr id="2" name="Freeform 2"/>
+          <p:cNvSpPr/>
+          <p:nvPr/>
+        </p:nvSpPr>
+        <p:spPr>
+          <a:xfrm rot="-5400000">
+            <a:off x="-1070809" y="7755567"/>
+            <a:ext cx="3657600" cy="1150481"/>
+          </a:xfrm>
+          <a:custGeom>
+            <a:avLst/>
+            <a:gdLst/>
+            <a:ahLst/>
+            <a:cxnLst/>
+            <a:rect l="l" t="t" r="r" b="b"/>
+            <a:pathLst>
+              <a:path w="3657600" h="1150481">
+                <a:moveTo>
+                  <a:pt x="0" y="0"/>
+                </a:moveTo>
+                <a:lnTo>
+                  <a:pt x="3657600" y="0"/>
+                </a:lnTo>
+                <a:lnTo>
+                  <a:pt x="3657600" y="1150481"/>
+                </a:lnTo>
+                <a:lnTo>
+                  <a:pt x="0" y="1150481"/>
+                </a:lnTo>
+                <a:lnTo>
+                  <a:pt x="0" y="0"/>
+                </a:lnTo>
+                <a:close/>
+              </a:path>
+            </a:pathLst>
+          </a:custGeom>
+          <a:blipFill>
+            <a:blip r:embed="rId3">
+              <a:extLst>
+                <a:ext uri="{96DAC541-7B7A-43D3-8B79-37D633B846F1}">
+                  <asvg:svgBlip xmlns:asvg="http://schemas.microsoft.com/office/drawing/2016/SVG/main" r:embed="rId4"/>
+                </a:ext>
+              </a:extLst>
+            </a:blip>
+            <a:stretch>
+              <a:fillRect/>
+            </a:stretch>
+          </a:blipFill>
+        </p:spPr>
+      </p:sp>
+      <p:sp>
+        <p:nvSpPr>
+          <p:cNvPr id="3" name="Freeform 3"/>
+          <p:cNvSpPr/>
+          <p:nvPr/>
+        </p:nvSpPr>
+        <p:spPr>
+          <a:xfrm rot="-6201679">
+            <a:off x="14072535" y="-2797463"/>
+            <a:ext cx="6773271" cy="6773271"/>
+          </a:xfrm>
+          <a:custGeom>
+            <a:avLst/>
+            <a:gdLst/>
+            <a:ahLst/>
+            <a:cxnLst/>
+            <a:rect l="l" t="t" r="r" b="b"/>
+            <a:pathLst>
+              <a:path w="6773271" h="6773271">
+                <a:moveTo>
+                  <a:pt x="0" y="0"/>
+                </a:moveTo>
+                <a:lnTo>
+                  <a:pt x="6773271" y="0"/>
+                </a:lnTo>
+                <a:lnTo>
+                  <a:pt x="6773271" y="6773271"/>
+                </a:lnTo>
+                <a:lnTo>
+                  <a:pt x="0" y="6773271"/>
+                </a:lnTo>
+                <a:lnTo>
+                  <a:pt x="0" y="0"/>
+                </a:lnTo>
+                <a:close/>
+              </a:path>
+            </a:pathLst>
+          </a:custGeom>
+          <a:blipFill>
+            <a:blip r:embed="rId5">
+              <a:extLst>
+                <a:ext uri="{96DAC541-7B7A-43D3-8B79-37D633B846F1}">
+                  <asvg:svgBlip xmlns:asvg="http://schemas.microsoft.com/office/drawing/2016/SVG/main" r:embed="rId6"/>
+                </a:ext>
+              </a:extLst>
+            </a:blip>
+            <a:stretch>
+              <a:fillRect/>
+            </a:stretch>
+          </a:blipFill>
+        </p:spPr>
+      </p:sp>
+      <p:sp>
+        <p:nvSpPr>
+          <p:cNvPr id="4" name="TextBox 4"/>
+          <p:cNvSpPr txBox="1"/>
+          <p:nvPr/>
+        </p:nvSpPr>
+        <p:spPr>
+          <a:xfrm>
+            <a:off x="1981200" y="3086100"/>
+            <a:ext cx="14097000" cy="4229235"/>
+          </a:xfrm>
+          <a:prstGeom prst="rect">
+            <a:avLst/>
+          </a:prstGeom>
+        </p:spPr>
+        <p:txBody>
+          <a:bodyPr wrap="square" lIns="0" tIns="0" rIns="0" bIns="0" rtlCol="0" anchor="t">
+            <a:spAutoFit/>
+          </a:bodyPr>
+          <a:lstStyle/>
+          <a:p>
+            <a:pPr algn="just">
+              <a:lnSpc>
+                <a:spcPts val="3679"/>
+              </a:lnSpc>
+            </a:pPr>
+            <a:r>
+              <a:rPr lang="en-US" sz="2628" b="1" dirty="0">
+                <a:solidFill>
+                  <a:srgbClr val="000000"/>
+                </a:solidFill>
+                <a:latin typeface="Public Sans Medium"/>
+                <a:ea typeface="Public Sans Medium"/>
+                <a:cs typeface="Public Sans Medium"/>
+                <a:sym typeface="Public Sans Medium"/>
+              </a:rPr>
+              <a:t>    Application Blazor Server (C#)</a:t>
+            </a:r>
+          </a:p>
+          <a:p>
+            <a:pPr algn="just">
+              <a:lnSpc>
+                <a:spcPts val="3679"/>
+              </a:lnSpc>
+            </a:pPr>
+            <a:r>
+              <a:rPr lang="en-US" sz="2628" b="1" dirty="0">
+                <a:solidFill>
+                  <a:srgbClr val="000000"/>
+                </a:solidFill>
+                <a:latin typeface="Public Sans Medium"/>
+                <a:ea typeface="Public Sans Medium"/>
+                <a:cs typeface="Public Sans Medium"/>
+                <a:sym typeface="Public Sans Medium"/>
+              </a:rPr>
+              <a:t>        - </a:t>
+            </a:r>
+            <a:r>
+              <a:rPr lang="en-US" sz="2628" dirty="0" err="1">
+                <a:solidFill>
+                  <a:srgbClr val="000000"/>
+                </a:solidFill>
+                <a:latin typeface="Public Sans Medium"/>
+                <a:ea typeface="Public Sans Medium"/>
+                <a:cs typeface="Public Sans Medium"/>
+                <a:sym typeface="Public Sans Medium"/>
+              </a:rPr>
+              <a:t>Hybride</a:t>
+            </a:r>
+            <a:r>
+              <a:rPr lang="en-US" sz="2628" dirty="0">
+                <a:solidFill>
+                  <a:srgbClr val="000000"/>
+                </a:solidFill>
+                <a:latin typeface="Public Sans Medium"/>
+                <a:ea typeface="Public Sans Medium"/>
+                <a:cs typeface="Public Sans Medium"/>
+                <a:sym typeface="Public Sans Medium"/>
+              </a:rPr>
+              <a:t> : Web (cloud) + Desktop (Electron.NET – Windows &amp; Linux)</a:t>
+            </a:r>
+          </a:p>
+          <a:p>
+            <a:pPr algn="just">
+              <a:lnSpc>
+                <a:spcPts val="3679"/>
+              </a:lnSpc>
+            </a:pPr>
+            <a:r>
+              <a:rPr lang="en-US" sz="2628" dirty="0">
+                <a:solidFill>
+                  <a:srgbClr val="000000"/>
+                </a:solidFill>
+                <a:latin typeface="Public Sans Medium"/>
+                <a:ea typeface="Public Sans Medium"/>
+                <a:cs typeface="Public Sans Medium"/>
+                <a:sym typeface="Public Sans Medium"/>
+              </a:rPr>
+              <a:t>        - PWA</a:t>
+            </a:r>
+            <a:endParaRPr lang="en-US" sz="2628" b="1" dirty="0">
+              <a:solidFill>
+                <a:srgbClr val="000000"/>
+              </a:solidFill>
+              <a:latin typeface="Public Sans Medium"/>
+              <a:ea typeface="Public Sans Medium"/>
+              <a:cs typeface="Public Sans Medium"/>
+              <a:sym typeface="Public Sans Medium"/>
+            </a:endParaRPr>
+          </a:p>
+          <a:p>
+            <a:pPr algn="just">
+              <a:lnSpc>
+                <a:spcPts val="3679"/>
+              </a:lnSpc>
+            </a:pPr>
+            <a:r>
+              <a:rPr lang="en-US" sz="2628" b="1" dirty="0">
+                <a:solidFill>
+                  <a:srgbClr val="000000"/>
+                </a:solidFill>
+                <a:latin typeface="Public Sans Medium"/>
+                <a:ea typeface="Public Sans Medium"/>
+                <a:cs typeface="Public Sans Medium"/>
+                <a:sym typeface="Public Sans Medium"/>
+              </a:rPr>
+              <a:t>    Cloud : Google Cloud Run</a:t>
+            </a:r>
+          </a:p>
+          <a:p>
+            <a:pPr algn="just">
+              <a:lnSpc>
+                <a:spcPts val="3679"/>
+              </a:lnSpc>
+            </a:pPr>
+            <a:r>
+              <a:rPr lang="en-US" sz="2628" b="1" dirty="0">
+                <a:solidFill>
+                  <a:srgbClr val="000000"/>
+                </a:solidFill>
+                <a:latin typeface="Public Sans Medium"/>
+                <a:ea typeface="Public Sans Medium"/>
+                <a:cs typeface="Public Sans Medium"/>
+                <a:sym typeface="Public Sans Medium"/>
+              </a:rPr>
+              <a:t>       - </a:t>
+            </a:r>
+            <a:r>
+              <a:rPr lang="en-US" sz="2628" dirty="0" err="1">
+                <a:solidFill>
+                  <a:srgbClr val="000000"/>
+                </a:solidFill>
+                <a:latin typeface="Public Sans Medium"/>
+                <a:ea typeface="Public Sans Medium"/>
+                <a:cs typeface="Public Sans Medium"/>
+                <a:sym typeface="Public Sans Medium"/>
+              </a:rPr>
+              <a:t>Hébergement</a:t>
+            </a:r>
+            <a:r>
+              <a:rPr lang="en-US" sz="2628" dirty="0">
+                <a:solidFill>
+                  <a:srgbClr val="000000"/>
+                </a:solidFill>
+                <a:latin typeface="Public Sans Medium"/>
+                <a:ea typeface="Public Sans Medium"/>
+                <a:cs typeface="Public Sans Medium"/>
+                <a:sym typeface="Public Sans Medium"/>
+              </a:rPr>
+              <a:t> web avec </a:t>
+            </a:r>
+            <a:r>
+              <a:rPr lang="en-US" sz="2628" dirty="0" err="1">
+                <a:solidFill>
+                  <a:srgbClr val="000000"/>
+                </a:solidFill>
+                <a:latin typeface="Public Sans Medium"/>
+                <a:ea typeface="Public Sans Medium"/>
+                <a:cs typeface="Public Sans Medium"/>
+                <a:sym typeface="Public Sans Medium"/>
+              </a:rPr>
+              <a:t>scalabilité</a:t>
+            </a:r>
+            <a:r>
+              <a:rPr lang="en-US" sz="2628" dirty="0">
+                <a:solidFill>
+                  <a:srgbClr val="000000"/>
+                </a:solidFill>
+                <a:latin typeface="Public Sans Medium"/>
+                <a:ea typeface="Public Sans Medium"/>
+                <a:cs typeface="Public Sans Medium"/>
+                <a:sym typeface="Public Sans Medium"/>
+              </a:rPr>
+              <a:t> auto</a:t>
+            </a:r>
+          </a:p>
+          <a:p>
+            <a:pPr algn="just">
+              <a:lnSpc>
+                <a:spcPts val="3679"/>
+              </a:lnSpc>
+            </a:pPr>
+            <a:endParaRPr lang="en-US" sz="2628" b="1" dirty="0">
+              <a:solidFill>
+                <a:srgbClr val="000000"/>
+              </a:solidFill>
+              <a:latin typeface="Public Sans Medium"/>
+              <a:ea typeface="Public Sans Medium"/>
+              <a:cs typeface="Public Sans Medium"/>
+              <a:sym typeface="Public Sans Medium"/>
+            </a:endParaRPr>
+          </a:p>
+          <a:p>
+            <a:pPr algn="just">
+              <a:lnSpc>
+                <a:spcPts val="3679"/>
+              </a:lnSpc>
+            </a:pPr>
+            <a:r>
+              <a:rPr lang="en-US" sz="2628" b="1" dirty="0">
+                <a:solidFill>
+                  <a:srgbClr val="000000"/>
+                </a:solidFill>
+                <a:latin typeface="Public Sans Medium"/>
+                <a:ea typeface="Public Sans Medium"/>
+                <a:cs typeface="Public Sans Medium"/>
+                <a:sym typeface="Public Sans Medium"/>
+              </a:rPr>
+              <a:t>   CI/CD via GitHub Actions :</a:t>
+            </a:r>
+          </a:p>
+          <a:p>
+            <a:pPr algn="just">
+              <a:lnSpc>
+                <a:spcPts val="3679"/>
+              </a:lnSpc>
+            </a:pPr>
+            <a:r>
+              <a:rPr lang="en-US" sz="2628" dirty="0">
+                <a:solidFill>
+                  <a:srgbClr val="000000"/>
+                </a:solidFill>
+                <a:latin typeface="Public Sans Medium"/>
+                <a:ea typeface="Public Sans Medium"/>
+                <a:cs typeface="Public Sans Medium"/>
+                <a:sym typeface="Public Sans Medium"/>
+              </a:rPr>
+              <a:t>            - Build Docker → Artifact Registry → </a:t>
+            </a:r>
+            <a:r>
+              <a:rPr lang="en-US" sz="2628" dirty="0" err="1">
+                <a:solidFill>
+                  <a:srgbClr val="000000"/>
+                </a:solidFill>
+                <a:latin typeface="Public Sans Medium"/>
+                <a:ea typeface="Public Sans Medium"/>
+                <a:cs typeface="Public Sans Medium"/>
+                <a:sym typeface="Public Sans Medium"/>
+              </a:rPr>
+              <a:t>Déploiement</a:t>
+            </a:r>
+            <a:r>
+              <a:rPr lang="en-US" sz="2628" dirty="0">
+                <a:solidFill>
+                  <a:srgbClr val="000000"/>
+                </a:solidFill>
+                <a:latin typeface="Public Sans Medium"/>
+                <a:ea typeface="Public Sans Medium"/>
+                <a:cs typeface="Public Sans Medium"/>
+                <a:sym typeface="Public Sans Medium"/>
+              </a:rPr>
+              <a:t> Cloud Run</a:t>
+            </a:r>
+          </a:p>
+          <a:p>
+            <a:pPr algn="just">
+              <a:lnSpc>
+                <a:spcPts val="3679"/>
+              </a:lnSpc>
+            </a:pPr>
+            <a:r>
+              <a:rPr lang="en-US" sz="2628" dirty="0">
+                <a:solidFill>
+                  <a:srgbClr val="000000"/>
+                </a:solidFill>
+                <a:latin typeface="Public Sans Medium"/>
+                <a:ea typeface="Public Sans Medium"/>
+                <a:cs typeface="Public Sans Medium"/>
+                <a:sym typeface="Public Sans Medium"/>
+              </a:rPr>
+              <a:t>            - Compilation Electron.NET (setup Windows/Linux)</a:t>
+            </a:r>
+          </a:p>
+        </p:txBody>
+      </p:sp>
+      <p:sp>
+        <p:nvSpPr>
+          <p:cNvPr id="5" name="Freeform 5"/>
+          <p:cNvSpPr/>
+          <p:nvPr/>
+        </p:nvSpPr>
+        <p:spPr>
+          <a:xfrm>
+            <a:off x="13575100" y="5672318"/>
+            <a:ext cx="3477034" cy="3477034"/>
+          </a:xfrm>
+          <a:custGeom>
+            <a:avLst/>
+            <a:gdLst/>
+            <a:ahLst/>
+            <a:cxnLst/>
+            <a:rect l="l" t="t" r="r" b="b"/>
+            <a:pathLst>
+              <a:path w="3477034" h="3477034">
+                <a:moveTo>
+                  <a:pt x="0" y="0"/>
+                </a:moveTo>
+                <a:lnTo>
+                  <a:pt x="3477034" y="0"/>
+                </a:lnTo>
+                <a:lnTo>
+                  <a:pt x="3477034" y="3477034"/>
+                </a:lnTo>
+                <a:lnTo>
+                  <a:pt x="0" y="3477034"/>
+                </a:lnTo>
+                <a:lnTo>
+                  <a:pt x="0" y="0"/>
+                </a:lnTo>
+                <a:close/>
+              </a:path>
+            </a:pathLst>
+          </a:custGeom>
+          <a:blipFill>
+            <a:blip r:embed="rId7"/>
+            <a:stretch>
+              <a:fillRect/>
+            </a:stretch>
+          </a:blipFill>
+        </p:spPr>
+      </p:sp>
+      <p:sp>
+        <p:nvSpPr>
+          <p:cNvPr id="6" name="TextBox 6"/>
+          <p:cNvSpPr txBox="1"/>
+          <p:nvPr/>
+        </p:nvSpPr>
+        <p:spPr>
+          <a:xfrm>
+            <a:off x="1028700" y="885825"/>
+            <a:ext cx="10894822" cy="1194718"/>
+          </a:xfrm>
+          <a:prstGeom prst="rect">
+            <a:avLst/>
+          </a:prstGeom>
+        </p:spPr>
+        <p:txBody>
+          <a:bodyPr lIns="0" tIns="0" rIns="0" bIns="0" rtlCol="0" anchor="t">
+            <a:spAutoFit/>
+          </a:bodyPr>
+          <a:lstStyle/>
+          <a:p>
+            <a:pPr algn="l">
+              <a:lnSpc>
+                <a:spcPts val="9666"/>
+              </a:lnSpc>
+            </a:pPr>
+            <a:r>
+              <a:rPr lang="en-US" sz="6904" b="1">
+                <a:solidFill>
+                  <a:srgbClr val="000000"/>
+                </a:solidFill>
+                <a:latin typeface="Public Sans Bold"/>
+                <a:ea typeface="Public Sans Bold"/>
+                <a:cs typeface="Public Sans Bold"/>
+                <a:sym typeface="Public Sans Bold"/>
+              </a:rPr>
+              <a:t>Points techniques </a:t>
+            </a:r>
+          </a:p>
+        </p:txBody>
+      </p:sp>
+      <p:sp>
+        <p:nvSpPr>
+          <p:cNvPr id="7" name="TextBox 7"/>
+          <p:cNvSpPr txBox="1"/>
+          <p:nvPr/>
+        </p:nvSpPr>
+        <p:spPr>
+          <a:xfrm>
+            <a:off x="17584511" y="9694965"/>
+            <a:ext cx="528324" cy="433324"/>
+          </a:xfrm>
+          <a:prstGeom prst="rect">
+            <a:avLst/>
+          </a:prstGeom>
+        </p:spPr>
+        <p:txBody>
+          <a:bodyPr lIns="0" tIns="0" rIns="0" bIns="0" rtlCol="0" anchor="t">
+            <a:spAutoFit/>
+          </a:bodyPr>
+          <a:lstStyle/>
+          <a:p>
+            <a:pPr algn="l">
+              <a:lnSpc>
+                <a:spcPts val="3679"/>
+              </a:lnSpc>
+            </a:pPr>
+            <a:r>
+              <a:rPr lang="en-US" sz="2628" b="1" dirty="0">
+                <a:solidFill>
+                  <a:srgbClr val="000000"/>
+                </a:solidFill>
+                <a:latin typeface="Public Sans Medium"/>
+                <a:ea typeface="Public Sans Medium"/>
+                <a:cs typeface="Public Sans Medium"/>
+                <a:sym typeface="Public Sans Medium"/>
+              </a:rPr>
+              <a:t>6</a:t>
+            </a:r>
+          </a:p>
+        </p:txBody>
+      </p:sp>
+    </p:spTree>
+  </p:cSld>
+  <p:clrMapOvr>
+    <a:masterClrMapping/>
+  </p:clrMapOvr>
+</p:sld>
+</file>
+
+<file path=ppt/slides/slide9.xml><?xml version="1.0" encoding="utf-8"?>
+<p:sld xmlns:a="http://schemas.openxmlformats.org/drawingml/2006/main" xmlns:r="http://schemas.openxmlformats.org/officeDocument/2006/relationships" xmlns:p="http://schemas.openxmlformats.org/presentationml/2006/main">
+  <p:cSld>
+    <p:spTree>
+      <p:nvGrpSpPr>
+        <p:cNvPr id="1" name=""/>
+        <p:cNvGrpSpPr/>
+        <p:nvPr/>
+      </p:nvGrpSpPr>
+      <p:grpSpPr>
+        <a:xfrm>
+          <a:off x="0" y="0"/>
+          <a:ext cx="0" cy="0"/>
+          <a:chOff x="0" y="0"/>
+          <a:chExt cx="0" cy="0"/>
+        </a:xfrm>
+      </p:grpSpPr>
+      <p:sp>
+        <p:nvSpPr>
+          <p:cNvPr id="2" name="TextBox 2"/>
+          <p:cNvSpPr txBox="1"/>
+          <p:nvPr/>
+        </p:nvSpPr>
+        <p:spPr>
+          <a:xfrm>
+            <a:off x="1028700" y="885825"/>
+            <a:ext cx="10894822" cy="1194718"/>
+          </a:xfrm>
+          <a:prstGeom prst="rect">
+            <a:avLst/>
+          </a:prstGeom>
+        </p:spPr>
+        <p:txBody>
+          <a:bodyPr lIns="0" tIns="0" rIns="0" bIns="0" rtlCol="0" anchor="t">
+            <a:spAutoFit/>
+          </a:bodyPr>
+          <a:lstStyle/>
+          <a:p>
+            <a:pPr algn="l">
+              <a:lnSpc>
+                <a:spcPts val="9666"/>
+              </a:lnSpc>
+            </a:pPr>
+            <a:r>
+              <a:rPr lang="en-US" sz="6904" b="1">
+                <a:solidFill>
+                  <a:srgbClr val="000000"/>
+                </a:solidFill>
+                <a:latin typeface="Public Sans Bold"/>
+                <a:ea typeface="Public Sans Bold"/>
+                <a:cs typeface="Public Sans Bold"/>
+                <a:sym typeface="Public Sans Bold"/>
+              </a:rPr>
+              <a:t>Conclusion</a:t>
+            </a:r>
+          </a:p>
+        </p:txBody>
+      </p:sp>
+      <p:sp>
+        <p:nvSpPr>
+          <p:cNvPr id="3" name="TextBox 3"/>
+          <p:cNvSpPr txBox="1"/>
+          <p:nvPr/>
+        </p:nvSpPr>
+        <p:spPr>
+          <a:xfrm>
+            <a:off x="17584511" y="9694965"/>
+            <a:ext cx="528324" cy="433324"/>
+          </a:xfrm>
+          <a:prstGeom prst="rect">
+            <a:avLst/>
+          </a:prstGeom>
+        </p:spPr>
+        <p:txBody>
+          <a:bodyPr lIns="0" tIns="0" rIns="0" bIns="0" rtlCol="0" anchor="t">
+            <a:spAutoFit/>
+          </a:bodyPr>
+          <a:lstStyle/>
+          <a:p>
+            <a:pPr algn="l">
+              <a:lnSpc>
+                <a:spcPts val="3679"/>
+              </a:lnSpc>
+            </a:pPr>
+            <a:r>
+              <a:rPr lang="en-US" sz="2628" b="1" dirty="0">
+                <a:solidFill>
+                  <a:srgbClr val="000000"/>
+                </a:solidFill>
+                <a:latin typeface="Public Sans Medium"/>
+                <a:ea typeface="Public Sans Medium"/>
+                <a:cs typeface="Public Sans Medium"/>
+                <a:sym typeface="Public Sans Medium"/>
+              </a:rPr>
+              <a:t>8</a:t>
+            </a:r>
+          </a:p>
+        </p:txBody>
+      </p:sp>
+      <p:sp>
+        <p:nvSpPr>
+          <p:cNvPr id="4" name="Freeform 4"/>
+          <p:cNvSpPr/>
+          <p:nvPr/>
+        </p:nvSpPr>
+        <p:spPr>
+          <a:xfrm rot="-5400000">
+            <a:off x="-1070809" y="7755567"/>
+            <a:ext cx="3657600" cy="1150481"/>
+          </a:xfrm>
+          <a:custGeom>
+            <a:avLst/>
+            <a:gdLst/>
+            <a:ahLst/>
+            <a:cxnLst/>
+            <a:rect l="l" t="t" r="r" b="b"/>
+            <a:pathLst>
+              <a:path w="3657600" h="1150481">
+                <a:moveTo>
+                  <a:pt x="0" y="0"/>
+                </a:moveTo>
+                <a:lnTo>
+                  <a:pt x="3657600" y="0"/>
+                </a:lnTo>
+                <a:lnTo>
+                  <a:pt x="3657600" y="1150481"/>
+                </a:lnTo>
+                <a:lnTo>
+                  <a:pt x="0" y="1150481"/>
+                </a:lnTo>
+                <a:lnTo>
+                  <a:pt x="0" y="0"/>
+                </a:lnTo>
+                <a:close/>
+              </a:path>
+            </a:pathLst>
+          </a:custGeom>
+          <a:blipFill>
+            <a:blip r:embed="rId2">
+              <a:extLst>
+                <a:ext uri="{96DAC541-7B7A-43D3-8B79-37D633B846F1}">
+                  <asvg:svgBlip xmlns:asvg="http://schemas.microsoft.com/office/drawing/2016/SVG/main" r:embed="rId3"/>
+                </a:ext>
+              </a:extLst>
+            </a:blip>
+            <a:stretch>
+              <a:fillRect/>
+            </a:stretch>
+          </a:blipFill>
+        </p:spPr>
+      </p:sp>
+      <p:sp>
+        <p:nvSpPr>
+          <p:cNvPr id="5" name="Freeform 5"/>
+          <p:cNvSpPr/>
+          <p:nvPr/>
+        </p:nvSpPr>
+        <p:spPr>
+          <a:xfrm rot="-6201679">
+            <a:off x="14072535" y="-2797463"/>
+            <a:ext cx="6773271" cy="6773271"/>
+          </a:xfrm>
+          <a:custGeom>
+            <a:avLst/>
+            <a:gdLst/>
+            <a:ahLst/>
+            <a:cxnLst/>
+            <a:rect l="l" t="t" r="r" b="b"/>
+            <a:pathLst>
+              <a:path w="6773271" h="6773271">
+                <a:moveTo>
+                  <a:pt x="0" y="0"/>
+                </a:moveTo>
+                <a:lnTo>
+                  <a:pt x="6773271" y="0"/>
+                </a:lnTo>
+                <a:lnTo>
+                  <a:pt x="6773271" y="6773271"/>
+                </a:lnTo>
+                <a:lnTo>
+                  <a:pt x="0" y="6773271"/>
+                </a:lnTo>
+                <a:lnTo>
+                  <a:pt x="0" y="0"/>
+                </a:lnTo>
+                <a:close/>
+              </a:path>
+            </a:pathLst>
+          </a:custGeom>
+          <a:blipFill>
+            <a:blip r:embed="rId4">
+              <a:extLst>
+                <a:ext uri="{96DAC541-7B7A-43D3-8B79-37D633B846F1}">
+                  <asvg:svgBlip xmlns:asvg="http://schemas.microsoft.com/office/drawing/2016/SVG/main" r:embed="rId5"/>
+                </a:ext>
+              </a:extLst>
+            </a:blip>
+            <a:stretch>
+              <a:fillRect/>
+            </a:stretch>
+          </a:blipFill>
+        </p:spPr>
+      </p:sp>
+      <p:sp>
+        <p:nvSpPr>
+          <p:cNvPr id="6" name="TextBox 6"/>
+          <p:cNvSpPr txBox="1"/>
+          <p:nvPr/>
+        </p:nvSpPr>
+        <p:spPr>
+          <a:xfrm>
+            <a:off x="3659743" y="4312197"/>
+            <a:ext cx="10968513" cy="2333545"/>
+          </a:xfrm>
+          <a:prstGeom prst="rect">
+            <a:avLst/>
+          </a:prstGeom>
+        </p:spPr>
+        <p:txBody>
+          <a:bodyPr lIns="0" tIns="0" rIns="0" bIns="0" rtlCol="0" anchor="t">
+            <a:spAutoFit/>
+          </a:bodyPr>
+          <a:lstStyle/>
+          <a:p>
+            <a:pPr algn="just">
+              <a:lnSpc>
+                <a:spcPts val="3679"/>
+              </a:lnSpc>
+            </a:pPr>
+            <a:r>
+              <a:rPr lang="en-US" sz="2628" b="1">
+                <a:solidFill>
+                  <a:srgbClr val="000000"/>
+                </a:solidFill>
+                <a:latin typeface="Public Sans Medium"/>
+                <a:ea typeface="Public Sans Medium"/>
+                <a:cs typeface="Public Sans Medium"/>
+                <a:sym typeface="Public Sans Medium"/>
+              </a:rPr>
+              <a:t>Bilan riche en apprentissages techniques.</a:t>
+            </a:r>
+          </a:p>
+          <a:p>
+            <a:pPr algn="just">
+              <a:lnSpc>
+                <a:spcPts val="3679"/>
+              </a:lnSpc>
+            </a:pPr>
+            <a:endParaRPr lang="en-US" sz="2628" b="1">
+              <a:solidFill>
+                <a:srgbClr val="000000"/>
+              </a:solidFill>
+              <a:latin typeface="Public Sans Medium"/>
+              <a:ea typeface="Public Sans Medium"/>
+              <a:cs typeface="Public Sans Medium"/>
+              <a:sym typeface="Public Sans Medium"/>
+            </a:endParaRPr>
+          </a:p>
+          <a:p>
+            <a:pPr algn="just">
+              <a:lnSpc>
+                <a:spcPts val="3679"/>
+              </a:lnSpc>
+            </a:pPr>
+            <a:r>
+              <a:rPr lang="en-US" sz="2628" b="1">
+                <a:solidFill>
+                  <a:srgbClr val="000000"/>
+                </a:solidFill>
+                <a:latin typeface="Public Sans Medium"/>
+                <a:ea typeface="Public Sans Medium"/>
+                <a:cs typeface="Public Sans Medium"/>
+                <a:sym typeface="Public Sans Medium"/>
+              </a:rPr>
+              <a:t>Prochaines étapes : déploiement commercial, améliorations fonctionnelles et intégration d'IA.</a:t>
+            </a:r>
+          </a:p>
+          <a:p>
+            <a:pPr algn="just">
+              <a:lnSpc>
+                <a:spcPts val="3679"/>
+              </a:lnSpc>
+            </a:pPr>
+            <a:endParaRPr lang="en-US" sz="2628" b="1">
+              <a:solidFill>
+                <a:srgbClr val="000000"/>
+              </a:solidFill>
+              <a:latin typeface="Public Sans Medium"/>
+              <a:ea typeface="Public Sans Medium"/>
+              <a:cs typeface="Public Sans Medium"/>
+              <a:sym typeface="Public Sans Medium"/>
+            </a:endParaRPr>
+          </a:p>
+        </p:txBody>
+      </p:sp>
+    </p:spTree>
+  </p:cSld>
+  <p:clrMapOvr>
+    <a:masterClrMapping/>
+  </p:clrMapOvr>
+</p:sld>
+</file>
+
 <file path=ppt/theme/theme1.xml><?xml version="1.0" encoding="utf-8"?>
 <a:theme xmlns:a="http://schemas.openxmlformats.org/drawingml/2006/main" name="Office Theme">
   <a:themeElements>
